--- a/draft-gandhi-mpls-rfc6374-sr-03.pptx
+++ b/draft-gandhi-mpls-rfc6374-sr-03.pptx
@@ -6860,8 +6860,8 @@
         </p:nvSpPr>
         <p:spPr>
           <a:xfrm>
-            <a:off x="533398" y="3926151"/>
-            <a:ext cx="8077201" cy="948797"/>
+            <a:off x="838200" y="3961411"/>
+            <a:ext cx="7620002" cy="778651"/>
           </a:xfrm>
         </p:spPr>
         <p:txBody>
@@ -6870,15 +6870,15 @@
           <a:p>
             <a:pPr lvl="0"/>
             <a:r>
-              <a:rPr lang="en-US" sz="1600" dirty="0"/>
+              <a:rPr lang="en-US" sz="1400" dirty="0"/>
               <a:t>For end-to-end measurement of SR Policy, the PM probe query messages for delay and loss measurements are sent on the congruent path with data traffic using MPLS GAL/</a:t>
             </a:r>
             <a:r>
-              <a:rPr lang="en-US" sz="1600" dirty="0" err="1"/>
+              <a:rPr lang="en-US" sz="1400" dirty="0" err="1"/>
               <a:t>GAch</a:t>
             </a:r>
             <a:r>
-              <a:rPr lang="en-US" sz="1600" dirty="0"/>
+              <a:rPr lang="en-US" sz="1400" dirty="0"/>
               <a:t> header as defined in [RFC6374] and SR-MPLS label stack of the SR Policy.</a:t>
             </a:r>
           </a:p>
@@ -7192,7 +7192,7 @@
                 <a:ea typeface="Calibri" panose="020F0502020204030204" pitchFamily="34" charset="0"/>
                 <a:cs typeface="Courier New" panose="02070309020205020404" pitchFamily="49" charset="0"/>
               </a:rPr>
-              <a:t>     Figure: Probe Message Header for an End-to-end SR-MPLS Policy</a:t>
+              <a:t>   Figure: Example Probe Message Header for an End-to-end SR-MPLS Policy</a:t>
             </a:r>
             <a:endParaRPr lang="en-CA" sz="1100" dirty="0">
               <a:latin typeface="Courier" pitchFamily="2" charset="0"/>
@@ -7443,7 +7443,7 @@
               <a:rPr lang="en-CA" sz="1200" dirty="0">
                 <a:latin typeface="Courier" pitchFamily="2" charset="0"/>
               </a:rPr>
-              <a:t>                    Figure: P2MP SR-MPLS Policy</a:t>
+              <a:t>             Figure: Example Probe Query P2MP SR-MPLS Policy</a:t>
             </a:r>
             <a:endParaRPr lang="en-CA" sz="1200" dirty="0">
               <a:latin typeface="Courier" pitchFamily="2" charset="0"/>
@@ -7486,7 +7486,7 @@
                 <a:latin typeface="Calibri Light" panose="020F0302020204030204" pitchFamily="34" charset="0"/>
                 <a:cs typeface="Calibri Light" panose="020F0302020204030204" pitchFamily="34" charset="0"/>
               </a:rPr>
-              <a:t>PM Probes for P2MP SR Policy</a:t>
+              <a:t>PM Probe Query for P2MP SR Policy</a:t>
             </a:r>
           </a:p>
         </p:txBody>
@@ -7505,8 +7505,8 @@
         </p:nvSpPr>
         <p:spPr>
           <a:xfrm>
-            <a:off x="457200" y="3174146"/>
-            <a:ext cx="8305800" cy="1631216"/>
+            <a:off x="495300" y="3159740"/>
+            <a:ext cx="8229600" cy="1467005"/>
           </a:xfrm>
           <a:prstGeom prst="rect">
             <a:avLst/>
@@ -7529,14 +7529,14 @@
               <a:buChar char="•"/>
             </a:pPr>
             <a:r>
-              <a:rPr lang="en-US" sz="1600" dirty="0">
+              <a:rPr lang="en-US" sz="1400" dirty="0">
                 <a:solidFill>
                   <a:schemeClr val="tx2"/>
                 </a:solidFill>
                 <a:latin typeface="Calibri" panose="020F0502020204030204" pitchFamily="34" charset="0"/>
                 <a:cs typeface="Calibri" panose="020F0502020204030204" pitchFamily="34" charset="0"/>
               </a:rPr>
-              <a:t>The Querier root node sends probe query messages using the Replication Segment for the P2MP SR Policy</a:t>
+              <a:t>Applicable to one-way delay and loss measurement modes for P2MP SR Policy.</a:t>
             </a:r>
           </a:p>
           <a:p>
@@ -7551,7 +7551,29 @@
               <a:buChar char="•"/>
             </a:pPr>
             <a:r>
-              <a:rPr lang="en-US" sz="1600" dirty="0">
+              <a:rPr lang="en-US" sz="1400" dirty="0">
+                <a:solidFill>
+                  <a:schemeClr val="tx2"/>
+                </a:solidFill>
+                <a:latin typeface="Calibri" panose="020F0502020204030204" pitchFamily="34" charset="0"/>
+                <a:cs typeface="Calibri" panose="020F0502020204030204" pitchFamily="34" charset="0"/>
+              </a:rPr>
+              <a:t>The Querier root node sends probe query messages using the Replication Segment for the P2MP SR Policy</a:t>
+            </a:r>
+          </a:p>
+          <a:p>
+            <a:pPr marL="171450" indent="-171450">
+              <a:lnSpc>
+                <a:spcPts val="1840"/>
+              </a:lnSpc>
+              <a:spcBef>
+                <a:spcPts val="600"/>
+              </a:spcBef>
+              <a:buFont typeface="Arial" panose="020B0604020202020204" pitchFamily="34" charset="0"/>
+              <a:buChar char="•"/>
+            </a:pPr>
+            <a:r>
+              <a:rPr lang="en-US" sz="1400" dirty="0">
                 <a:solidFill>
                   <a:schemeClr val="tx2"/>
                 </a:solidFill>
@@ -7573,7 +7595,7 @@
               <a:buChar char="•"/>
             </a:pPr>
             <a:r>
-              <a:rPr lang="en-US" sz="1600" dirty="0">
+              <a:rPr lang="en-US" sz="1400" dirty="0">
                 <a:solidFill>
                   <a:schemeClr val="tx2"/>
                 </a:solidFill>
@@ -9768,7 +9790,7 @@
         <p:spPr>
           <a:xfrm>
             <a:off x="234416" y="3398621"/>
-            <a:ext cx="3664394" cy="1077218"/>
+            <a:ext cx="3664394" cy="1323439"/>
           </a:xfrm>
           <a:prstGeom prst="rect">
             <a:avLst/>
@@ -9790,7 +9812,7 @@
                 <a:latin typeface="Calibri" panose="020F0502020204030204" pitchFamily="34" charset="0"/>
                 <a:cs typeface="Calibri" panose="020F0502020204030204" pitchFamily="34" charset="0"/>
               </a:rPr>
-              <a:t>TLV is mandatory when used and if responder does not support, it MUST return Error </a:t>
+              <a:t>TLV is mandatory when carried in a probe message and if responder does not support, it MUST return Error </a:t>
             </a:r>
             <a:r>
               <a:rPr lang="en-CA" sz="1600" b="1" dirty="0">
@@ -10217,7 +10239,7 @@
         </p:nvSpPr>
         <p:spPr>
           <a:xfrm>
-            <a:off x="685800" y="1241591"/>
+            <a:off x="685800" y="958004"/>
             <a:ext cx="7772400" cy="1600438"/>
           </a:xfrm>
           <a:prstGeom prst="rect">
@@ -10299,7 +10321,7 @@
                 <a:ea typeface="Calibri" panose="020F0502020204030204" pitchFamily="34" charset="0"/>
                 <a:cs typeface="Times New Roman" panose="02020603050405020304" pitchFamily="18" charset="0"/>
               </a:rPr>
-              <a:t>    |   Type TBA2   |    Length     | Reserved      | Block Number  |</a:t>
+              <a:t>    |  Type = TBA2  |    Length     | Reserved      | Block Number  |</a:t>
             </a:r>
           </a:p>
           <a:p>
@@ -10406,8 +10428,8 @@
         </p:nvSpPr>
         <p:spPr>
           <a:xfrm>
-            <a:off x="499938" y="3017878"/>
-            <a:ext cx="8229600" cy="1569660"/>
+            <a:off x="609600" y="2803062"/>
+            <a:ext cx="8229600" cy="1815882"/>
           </a:xfrm>
           <a:prstGeom prst="rect">
             <a:avLst/>
@@ -10502,7 +10524,7 @@
                 <a:latin typeface="Calibri" panose="020F0502020204030204" pitchFamily="34" charset="0"/>
                 <a:cs typeface="Calibri" panose="020F0502020204030204" pitchFamily="34" charset="0"/>
               </a:rPr>
-              <a:t>TLV is mandatory when used and if responder does not support, it MUST return </a:t>
+              <a:t>TLV is mandatory when carried in a probe message and if responder does not support, it MUST return </a:t>
             </a:r>
           </a:p>
           <a:p>

--- a/draft-gandhi-mpls-rfc6374-sr-03.pptx
+++ b/draft-gandhi-mpls-rfc6374-sr-03.pptx
@@ -7342,7 +7342,7 @@
         <p:spPr>
           <a:xfrm>
             <a:off x="1181100" y="857876"/>
-            <a:ext cx="6629400" cy="2123658"/>
+            <a:ext cx="6819900" cy="2123658"/>
           </a:xfrm>
           <a:prstGeom prst="rect">
             <a:avLst/>
@@ -7443,7 +7443,7 @@
               <a:rPr lang="en-CA" sz="1200" dirty="0">
                 <a:latin typeface="Courier" pitchFamily="2" charset="0"/>
               </a:rPr>
-              <a:t>             Figure: Example Probe Query P2MP SR-MPLS Policy</a:t>
+              <a:t> Figure: Example Probe Query with Replication Segment for P2MP SR Policy</a:t>
             </a:r>
             <a:endParaRPr lang="en-CA" sz="1200" dirty="0">
               <a:latin typeface="Courier" pitchFamily="2" charset="0"/>
@@ -7536,7 +7536,7 @@
                 <a:latin typeface="Calibri" panose="020F0502020204030204" pitchFamily="34" charset="0"/>
                 <a:cs typeface="Calibri" panose="020F0502020204030204" pitchFamily="34" charset="0"/>
               </a:rPr>
-              <a:t>Applicable to one-way delay and loss measurement modes for P2MP SR Policy.</a:t>
+              <a:t>Applicable to one-way mode for delay and loss measurement for P2MP SR Policy.</a:t>
             </a:r>
           </a:p>
           <a:p>
@@ -7558,7 +7558,7 @@
                 <a:latin typeface="Calibri" panose="020F0502020204030204" pitchFamily="34" charset="0"/>
                 <a:cs typeface="Calibri" panose="020F0502020204030204" pitchFamily="34" charset="0"/>
               </a:rPr>
-              <a:t>The Querier root node sends probe query messages using the Replication Segment for the P2MP SR Policy</a:t>
+              <a:t>The querier root node sends probe query messages using the Replication Segment for the P2MP SR Policy</a:t>
             </a:r>
           </a:p>
           <a:p>
@@ -7602,7 +7602,7 @@
                 <a:latin typeface="Calibri" panose="020F0502020204030204" pitchFamily="34" charset="0"/>
                 <a:cs typeface="Calibri" panose="020F0502020204030204" pitchFamily="34" charset="0"/>
               </a:rPr>
-              <a:t>This TLV allows the Querier root node to identify the responder leaf nodes of the P2MP SR Policy</a:t>
+              <a:t>This TLV allows the querier root node to identify the responder leaf nodes of the P2MP SR Policy</a:t>
             </a:r>
           </a:p>
         </p:txBody>
@@ -9812,7 +9812,7 @@
                 <a:latin typeface="Calibri" panose="020F0502020204030204" pitchFamily="34" charset="0"/>
                 <a:cs typeface="Calibri" panose="020F0502020204030204" pitchFamily="34" charset="0"/>
               </a:rPr>
-              <a:t>TLV is mandatory when carried in a probe message and if responder does not support, it MUST return Error </a:t>
+              <a:t>TLV is mandatory when carried in a probe query message and if responder does not support, it MUST return Error </a:t>
             </a:r>
             <a:r>
               <a:rPr lang="en-CA" sz="1600" b="1" dirty="0">
@@ -10524,7 +10524,7 @@
                 <a:latin typeface="Calibri" panose="020F0502020204030204" pitchFamily="34" charset="0"/>
                 <a:cs typeface="Calibri" panose="020F0502020204030204" pitchFamily="34" charset="0"/>
               </a:rPr>
-              <a:t>TLV is mandatory when carried in a probe message and if responder does not support, it MUST return </a:t>
+              <a:t>TLV is mandatory when carried in a probe query message and if responder does not support, it MUST return </a:t>
             </a:r>
           </a:p>
           <a:p>

--- a/draft-gandhi-mpls-rfc6374-sr-03.pptx
+++ b/draft-gandhi-mpls-rfc6374-sr-03.pptx
@@ -13,15 +13,15 @@
     <p:sldId id="317" r:id="rId4"/>
     <p:sldId id="318" r:id="rId5"/>
     <p:sldId id="315" r:id="rId6"/>
-    <p:sldId id="326" r:id="rId7"/>
-    <p:sldId id="324" r:id="rId8"/>
-    <p:sldId id="325" r:id="rId9"/>
-    <p:sldId id="330" r:id="rId10"/>
-    <p:sldId id="310" r:id="rId11"/>
-    <p:sldId id="303" r:id="rId12"/>
-    <p:sldId id="316" r:id="rId13"/>
-    <p:sldId id="321" r:id="rId14"/>
-    <p:sldId id="322" r:id="rId15"/>
+    <p:sldId id="310" r:id="rId7"/>
+    <p:sldId id="303" r:id="rId8"/>
+    <p:sldId id="316" r:id="rId9"/>
+    <p:sldId id="321" r:id="rId10"/>
+    <p:sldId id="322" r:id="rId11"/>
+    <p:sldId id="326" r:id="rId12"/>
+    <p:sldId id="324" r:id="rId13"/>
+    <p:sldId id="330" r:id="rId14"/>
+    <p:sldId id="325" r:id="rId15"/>
     <p:sldId id="327" r:id="rId16"/>
     <p:sldId id="328" r:id="rId17"/>
     <p:sldId id="331" r:id="rId18"/>
@@ -777,7 +777,7 @@
               <a:pPr>
                 <a:defRPr/>
               </a:pPr>
-              <a:t>11</a:t>
+              <a:t>10</a:t>
             </a:fld>
             <a:endParaRPr lang="en-US" altLang="zh-CN"/>
           </a:p>
@@ -786,7 +786,7 @@
     </p:spTree>
     <p:extLst>
       <p:ext uri="{BB962C8B-B14F-4D97-AF65-F5344CB8AC3E}">
-        <p14:creationId xmlns:p14="http://schemas.microsoft.com/office/powerpoint/2010/main" val="1238017066"/>
+        <p14:creationId xmlns:p14="http://schemas.microsoft.com/office/powerpoint/2010/main" val="106747399"/>
       </p:ext>
     </p:extLst>
   </p:cSld>
@@ -867,7 +867,7 @@
               <a:pPr>
                 <a:defRPr/>
               </a:pPr>
-              <a:t>12</a:t>
+              <a:t>11</a:t>
             </a:fld>
             <a:endParaRPr lang="en-US" altLang="zh-CN"/>
           </a:p>
@@ -876,7 +876,7 @@
     </p:spTree>
     <p:extLst>
       <p:ext uri="{BB962C8B-B14F-4D97-AF65-F5344CB8AC3E}">
-        <p14:creationId xmlns:p14="http://schemas.microsoft.com/office/powerpoint/2010/main" val="4222694017"/>
+        <p14:creationId xmlns:p14="http://schemas.microsoft.com/office/powerpoint/2010/main" val="2347117966"/>
       </p:ext>
     </p:extLst>
   </p:cSld>
@@ -957,7 +957,7 @@
               <a:pPr>
                 <a:defRPr/>
               </a:pPr>
-              <a:t>13</a:t>
+              <a:t>12</a:t>
             </a:fld>
             <a:endParaRPr lang="en-US" altLang="zh-CN"/>
           </a:p>
@@ -966,7 +966,7 @@
     </p:spTree>
     <p:extLst>
       <p:ext uri="{BB962C8B-B14F-4D97-AF65-F5344CB8AC3E}">
-        <p14:creationId xmlns:p14="http://schemas.microsoft.com/office/powerpoint/2010/main" val="133887117"/>
+        <p14:creationId xmlns:p14="http://schemas.microsoft.com/office/powerpoint/2010/main" val="113486536"/>
       </p:ext>
     </p:extLst>
   </p:cSld>
@@ -1056,7 +1056,7 @@
     </p:spTree>
     <p:extLst>
       <p:ext uri="{BB962C8B-B14F-4D97-AF65-F5344CB8AC3E}">
-        <p14:creationId xmlns:p14="http://schemas.microsoft.com/office/powerpoint/2010/main" val="106747399"/>
+        <p14:creationId xmlns:p14="http://schemas.microsoft.com/office/powerpoint/2010/main" val="3262693322"/>
       </p:ext>
     </p:extLst>
   </p:cSld>
@@ -1740,7 +1740,7 @@
           <a:bodyPr/>
           <a:lstStyle/>
           <a:p>
-            <a:endParaRPr lang="en-US" dirty="0"/>
+            <a:endParaRPr lang="en-CA" dirty="0"/>
           </a:p>
         </p:txBody>
       </p:sp>
@@ -1776,7 +1776,7 @@
     </p:spTree>
     <p:extLst>
       <p:ext uri="{BB962C8B-B14F-4D97-AF65-F5344CB8AC3E}">
-        <p14:creationId xmlns:p14="http://schemas.microsoft.com/office/powerpoint/2010/main" val="2506481328"/>
+        <p14:creationId xmlns:p14="http://schemas.microsoft.com/office/powerpoint/2010/main" val="1233696596"/>
       </p:ext>
     </p:extLst>
   </p:cSld>
@@ -1866,7 +1866,7 @@
     </p:spTree>
     <p:extLst>
       <p:ext uri="{BB962C8B-B14F-4D97-AF65-F5344CB8AC3E}">
-        <p14:creationId xmlns:p14="http://schemas.microsoft.com/office/powerpoint/2010/main" val="2647954397"/>
+        <p14:creationId xmlns:p14="http://schemas.microsoft.com/office/powerpoint/2010/main" val="1238017066"/>
       </p:ext>
     </p:extLst>
   </p:cSld>
@@ -1956,7 +1956,7 @@
     </p:spTree>
     <p:extLst>
       <p:ext uri="{BB962C8B-B14F-4D97-AF65-F5344CB8AC3E}">
-        <p14:creationId xmlns:p14="http://schemas.microsoft.com/office/powerpoint/2010/main" val="2123250015"/>
+        <p14:creationId xmlns:p14="http://schemas.microsoft.com/office/powerpoint/2010/main" val="4222694017"/>
       </p:ext>
     </p:extLst>
   </p:cSld>
@@ -2010,7 +2010,7 @@
           <a:bodyPr/>
           <a:lstStyle/>
           <a:p>
-            <a:endParaRPr lang="en-CA" dirty="0"/>
+            <a:endParaRPr lang="en-US" dirty="0"/>
           </a:p>
         </p:txBody>
       </p:sp>
@@ -2037,7 +2037,7 @@
               <a:pPr>
                 <a:defRPr/>
               </a:pPr>
-              <a:t>10</a:t>
+              <a:t>9</a:t>
             </a:fld>
             <a:endParaRPr lang="en-US" altLang="zh-CN"/>
           </a:p>
@@ -2046,7 +2046,7 @@
     </p:spTree>
     <p:extLst>
       <p:ext uri="{BB962C8B-B14F-4D97-AF65-F5344CB8AC3E}">
-        <p14:creationId xmlns:p14="http://schemas.microsoft.com/office/powerpoint/2010/main" val="1233696596"/>
+        <p14:creationId xmlns:p14="http://schemas.microsoft.com/office/powerpoint/2010/main" val="133887117"/>
       </p:ext>
     </p:extLst>
   </p:cSld>
@@ -5799,13 +5799,21 @@
           <a:bodyPr/>
           <a:lstStyle/>
           <a:p>
-            <a:r>
-              <a:rPr lang="en-CA" dirty="0"/>
-              <a:t>IETF MPLS WG Interim – April 2020 </a:t>
-            </a:r>
-            <a:endParaRPr lang="en-CA" dirty="0">
-              <a:effectLst/>
-            </a:endParaRPr>
+            <a:pPr>
+              <a:defRPr/>
+            </a:pPr>
+            <a:r>
+              <a:rPr lang="en-US" altLang="zh-CN" dirty="0"/>
+              <a:t>108</a:t>
+            </a:r>
+            <a:r>
+              <a:rPr lang="en-US" altLang="zh-CN" baseline="30000" dirty="0"/>
+              <a:t>th</a:t>
+            </a:r>
+            <a:r>
+              <a:rPr lang="en-US" altLang="zh-CN" dirty="0"/>
+              <a:t> IETF @ Madrid</a:t>
+            </a:r>
           </a:p>
         </p:txBody>
       </p:sp>
@@ -5891,82 +5899,24 @@
                 <a:latin typeface="Calibri Light" panose="020F0302020204030204" pitchFamily="34" charset="0"/>
                 <a:cs typeface="Calibri Light" panose="020F0302020204030204" pitchFamily="34" charset="0"/>
               </a:rPr>
-              <a:t>Next Steps</a:t>
-            </a:r>
-          </a:p>
-        </p:txBody>
-      </p:sp>
-      <p:sp>
-        <p:nvSpPr>
-          <p:cNvPr id="3" name="Content Placeholder 2"/>
+              <a:t>PM Probes for SR Policy</a:t>
+            </a:r>
+          </a:p>
+        </p:txBody>
+      </p:sp>
+      <p:sp>
+        <p:nvSpPr>
+          <p:cNvPr id="4" name="Footer Placeholder 3"/>
           <p:cNvSpPr>
             <a:spLocks noGrp="1"/>
           </p:cNvSpPr>
           <p:nvPr>
-            <p:ph idx="1"/>
+            <p:ph type="ftr" sz="quarter" idx="11"/>
           </p:nvPr>
         </p:nvSpPr>
         <p:spPr>
           <a:xfrm>
-            <a:off x="685800" y="1047750"/>
-            <a:ext cx="8001000" cy="3048000"/>
-          </a:xfrm>
-        </p:spPr>
-        <p:txBody>
-          <a:bodyPr/>
-          <a:lstStyle/>
-          <a:p>
-            <a:pPr lvl="0"/>
-            <a:r>
-              <a:rPr lang="en-US" sz="2400" dirty="0">
-                <a:latin typeface="Calibri" charset="0"/>
-                <a:ea typeface="Calibri" charset="0"/>
-                <a:cs typeface="Calibri" charset="0"/>
-              </a:rPr>
-              <a:t>Welcome your comments and suggestions</a:t>
-            </a:r>
-          </a:p>
-          <a:p>
-            <a:pPr lvl="0"/>
-            <a:r>
-              <a:rPr lang="en-US" sz="2400" dirty="0"/>
-              <a:t>Implementation exists</a:t>
-            </a:r>
-            <a:endParaRPr lang="en-US" sz="2400" dirty="0">
-              <a:latin typeface="Calibri" charset="0"/>
-              <a:ea typeface="Calibri" charset="0"/>
-              <a:cs typeface="Calibri" charset="0"/>
-            </a:endParaRPr>
-          </a:p>
-          <a:p>
-            <a:r>
-              <a:rPr lang="en-US" sz="2400" dirty="0"/>
-              <a:t>Requested </a:t>
-            </a:r>
-            <a:r>
-              <a:rPr lang="en-US" sz="2400" dirty="0">
-                <a:latin typeface="Calibri" charset="0"/>
-                <a:ea typeface="Calibri" charset="0"/>
-                <a:cs typeface="Calibri" charset="0"/>
-              </a:rPr>
-              <a:t>adoption in MPLS WG</a:t>
-            </a:r>
-          </a:p>
-        </p:txBody>
-      </p:sp>
-      <p:sp>
-        <p:nvSpPr>
-          <p:cNvPr id="4" name="Footer Placeholder 3"/>
-          <p:cNvSpPr>
-            <a:spLocks noGrp="1"/>
-          </p:cNvSpPr>
-          <p:nvPr>
-            <p:ph type="ftr" sz="quarter" idx="11"/>
-          </p:nvPr>
-        </p:nvSpPr>
-        <p:spPr>
-          <a:xfrm>
-            <a:off x="3124200" y="4786312"/>
+            <a:off x="3124200" y="4800151"/>
             <a:ext cx="2895600" cy="357188"/>
           </a:xfrm>
         </p:spPr>
@@ -5974,24 +5924,399 @@
           <a:bodyPr/>
           <a:lstStyle/>
           <a:p>
-            <a:r>
-              <a:rPr lang="en-CA" dirty="0"/>
-              <a:t>IETF MPLS WG Interim – April 2020 </a:t>
-            </a:r>
-          </a:p>
-        </p:txBody>
-      </p:sp>
-      <p:sp>
-        <p:nvSpPr>
-          <p:cNvPr id="5" name="Slide Number Placeholder 4"/>
+            <a:pPr>
+              <a:defRPr/>
+            </a:pPr>
+            <a:r>
+              <a:rPr lang="en-US" altLang="zh-CN" dirty="0"/>
+              <a:t>108</a:t>
+            </a:r>
+            <a:r>
+              <a:rPr lang="en-US" altLang="zh-CN" baseline="30000" dirty="0"/>
+              <a:t>th</a:t>
+            </a:r>
+            <a:r>
+              <a:rPr lang="en-US" altLang="zh-CN" dirty="0"/>
+              <a:t> IETF @ Madrid</a:t>
+            </a:r>
+          </a:p>
+        </p:txBody>
+      </p:sp>
+      <p:sp>
+        <p:nvSpPr>
+          <p:cNvPr id="6" name="Content Placeholder 2"/>
           <p:cNvSpPr>
             <a:spLocks noGrp="1"/>
           </p:cNvSpPr>
           <p:nvPr>
+            <p:ph idx="1"/>
+          </p:nvPr>
+        </p:nvSpPr>
+        <p:spPr>
+          <a:xfrm>
+            <a:off x="838200" y="3961411"/>
+            <a:ext cx="7620002" cy="778651"/>
+          </a:xfrm>
+        </p:spPr>
+        <p:txBody>
+          <a:bodyPr/>
+          <a:lstStyle/>
+          <a:p>
+            <a:pPr lvl="0"/>
+            <a:r>
+              <a:rPr lang="en-US" sz="1400" dirty="0"/>
+              <a:t>For end-to-end measurement of SR Policy, the PM probe query messages for delay and loss measurements are sent on the congruent path with data traffic using MPLS GAL/</a:t>
+            </a:r>
+            <a:r>
+              <a:rPr lang="en-US" sz="1400" dirty="0" err="1"/>
+              <a:t>GAch</a:t>
+            </a:r>
+            <a:r>
+              <a:rPr lang="en-US" sz="1400" dirty="0"/>
+              <a:t> header as defined in [RFC6374] and SR-MPLS label stack of the SR Policy.</a:t>
+            </a:r>
+          </a:p>
+        </p:txBody>
+      </p:sp>
+      <p:sp>
+        <p:nvSpPr>
+          <p:cNvPr id="5" name="Rectangle 4">
+            <a:extLst>
+              <a:ext uri="{FF2B5EF4-FFF2-40B4-BE49-F238E27FC236}">
+                <a16:creationId xmlns:a16="http://schemas.microsoft.com/office/drawing/2014/main" id="{2C5661F2-CEE4-4FFE-9888-E03272882217}"/>
+              </a:ext>
+            </a:extLst>
+          </p:cNvPr>
+          <p:cNvSpPr/>
+          <p:nvPr/>
+        </p:nvSpPr>
+        <p:spPr>
+          <a:xfrm>
+            <a:off x="1371599" y="742950"/>
+            <a:ext cx="6400800" cy="3139321"/>
+          </a:xfrm>
+          <a:prstGeom prst="rect">
+            <a:avLst/>
+          </a:prstGeom>
+          <a:solidFill>
+            <a:schemeClr val="bg1">
+              <a:lumMod val="95000"/>
+            </a:schemeClr>
+          </a:solidFill>
+        </p:spPr>
+        <p:txBody>
+          <a:bodyPr wrap="square">
+            <a:spAutoFit/>
+          </a:bodyPr>
+          <a:lstStyle/>
+          <a:p>
+            <a:pPr>
+              <a:spcAft>
+                <a:spcPts val="0"/>
+              </a:spcAft>
+            </a:pPr>
+            <a:r>
+              <a:rPr lang="en-CA" sz="1100" dirty="0">
+                <a:latin typeface="Courier" pitchFamily="2" charset="0"/>
+                <a:ea typeface="Calibri" panose="020F0502020204030204" pitchFamily="34" charset="0"/>
+                <a:cs typeface="Courier New" panose="02070309020205020404" pitchFamily="49" charset="0"/>
+              </a:rPr>
+              <a:t>     0 1 2 3 4 5 6 7 8 9 0 1 2 3 4 5 6 7 8 9 0 1 2 3 4 5 6 7 8 9 0 1</a:t>
+            </a:r>
+          </a:p>
+          <a:p>
+            <a:pPr>
+              <a:spcAft>
+                <a:spcPts val="0"/>
+              </a:spcAft>
+            </a:pPr>
+            <a:r>
+              <a:rPr lang="en-CA" sz="1100" dirty="0">
+                <a:latin typeface="Courier" pitchFamily="2" charset="0"/>
+                <a:ea typeface="Calibri" panose="020F0502020204030204" pitchFamily="34" charset="0"/>
+                <a:cs typeface="Courier New" panose="02070309020205020404" pitchFamily="49" charset="0"/>
+              </a:rPr>
+              <a:t>    +-+-+-+-+-+-+-+-+-+-+-+-+-+-+-+-+-+-+-+-+-+-+-+-+-+-+-+-+-+-+-+-+</a:t>
+            </a:r>
+          </a:p>
+          <a:p>
+            <a:pPr>
+              <a:spcAft>
+                <a:spcPts val="0"/>
+              </a:spcAft>
+            </a:pPr>
+            <a:r>
+              <a:rPr lang="en-CA" sz="1100" dirty="0">
+                <a:latin typeface="Courier" pitchFamily="2" charset="0"/>
+                <a:ea typeface="Calibri" panose="020F0502020204030204" pitchFamily="34" charset="0"/>
+                <a:cs typeface="Courier New" panose="02070309020205020404" pitchFamily="49" charset="0"/>
+              </a:rPr>
+              <a:t>    |                  Label(1)             | TC  |S|      TTL      |</a:t>
+            </a:r>
+          </a:p>
+          <a:p>
+            <a:pPr>
+              <a:spcAft>
+                <a:spcPts val="0"/>
+              </a:spcAft>
+            </a:pPr>
+            <a:r>
+              <a:rPr lang="en-CA" sz="1100" dirty="0">
+                <a:latin typeface="Courier" pitchFamily="2" charset="0"/>
+                <a:ea typeface="Calibri" panose="020F0502020204030204" pitchFamily="34" charset="0"/>
+                <a:cs typeface="Courier New" panose="02070309020205020404" pitchFamily="49" charset="0"/>
+              </a:rPr>
+              <a:t>    +-+-+-+-+-+-+-+-+-+-+-+-+-+-+-+-+-+-+-+-+-+-+-+-+-+-+-+-+-+-+-+-+</a:t>
+            </a:r>
+          </a:p>
+          <a:p>
+            <a:pPr>
+              <a:spcAft>
+                <a:spcPts val="0"/>
+              </a:spcAft>
+            </a:pPr>
+            <a:r>
+              <a:rPr lang="en-CA" sz="1100" dirty="0">
+                <a:latin typeface="Courier" pitchFamily="2" charset="0"/>
+                <a:ea typeface="Calibri" panose="020F0502020204030204" pitchFamily="34" charset="0"/>
+                <a:cs typeface="Courier New" panose="02070309020205020404" pitchFamily="49" charset="0"/>
+              </a:rPr>
+              <a:t>    .                                                               .</a:t>
+            </a:r>
+          </a:p>
+          <a:p>
+            <a:pPr>
+              <a:spcAft>
+                <a:spcPts val="0"/>
+              </a:spcAft>
+            </a:pPr>
+            <a:r>
+              <a:rPr lang="en-CA" sz="1100" dirty="0">
+                <a:latin typeface="Courier" pitchFamily="2" charset="0"/>
+                <a:ea typeface="Calibri" panose="020F0502020204030204" pitchFamily="34" charset="0"/>
+                <a:cs typeface="Courier New" panose="02070309020205020404" pitchFamily="49" charset="0"/>
+              </a:rPr>
+              <a:t>    .                                                               .</a:t>
+            </a:r>
+          </a:p>
+          <a:p>
+            <a:pPr>
+              <a:spcAft>
+                <a:spcPts val="0"/>
+              </a:spcAft>
+            </a:pPr>
+            <a:r>
+              <a:rPr lang="en-CA" sz="1100" dirty="0">
+                <a:latin typeface="Courier" pitchFamily="2" charset="0"/>
+                <a:ea typeface="Calibri" panose="020F0502020204030204" pitchFamily="34" charset="0"/>
+                <a:cs typeface="Courier New" panose="02070309020205020404" pitchFamily="49" charset="0"/>
+              </a:rPr>
+              <a:t>    .                                                               .</a:t>
+            </a:r>
+          </a:p>
+          <a:p>
+            <a:pPr>
+              <a:spcAft>
+                <a:spcPts val="0"/>
+              </a:spcAft>
+            </a:pPr>
+            <a:r>
+              <a:rPr lang="en-CA" sz="1100" dirty="0">
+                <a:latin typeface="Courier" pitchFamily="2" charset="0"/>
+                <a:ea typeface="Calibri" panose="020F0502020204030204" pitchFamily="34" charset="0"/>
+                <a:cs typeface="Courier New" panose="02070309020205020404" pitchFamily="49" charset="0"/>
+              </a:rPr>
+              <a:t>    +-+-+-+-+-+-+-+-+-+-+-+-+-+-+-+-+-+-+-+-+-+-+-+-+-+-+-+-+-+-+-+-+</a:t>
+            </a:r>
+          </a:p>
+          <a:p>
+            <a:pPr>
+              <a:spcAft>
+                <a:spcPts val="0"/>
+              </a:spcAft>
+            </a:pPr>
+            <a:r>
+              <a:rPr lang="en-CA" sz="1100" dirty="0">
+                <a:latin typeface="Courier" pitchFamily="2" charset="0"/>
+                <a:ea typeface="Calibri" panose="020F0502020204030204" pitchFamily="34" charset="0"/>
+                <a:cs typeface="Courier New" panose="02070309020205020404" pitchFamily="49" charset="0"/>
+              </a:rPr>
+              <a:t>    |                  Label(n)             | TC  |S|      TTL      |</a:t>
+            </a:r>
+          </a:p>
+          <a:p>
+            <a:r>
+              <a:rPr lang="en-CA" sz="1100" dirty="0">
+                <a:latin typeface="Courier" pitchFamily="2" charset="0"/>
+                <a:cs typeface="Courier New" panose="02070309020205020404" pitchFamily="49" charset="0"/>
+              </a:rPr>
+              <a:t>    +-+-+-+-+-+-+-+-+-+-+-+-+-+-+-+-+-+-+-+-+-+-+-+-+-+-+-+-+-+-+-+-+</a:t>
+            </a:r>
+          </a:p>
+          <a:p>
+            <a:r>
+              <a:rPr lang="en-CA" sz="1100" dirty="0">
+                <a:latin typeface="Courier" pitchFamily="2" charset="0"/>
+                <a:cs typeface="Courier New" panose="02070309020205020404" pitchFamily="49" charset="0"/>
+              </a:rPr>
+              <a:t>    |                  </a:t>
+            </a:r>
+            <a:r>
+              <a:rPr lang="en-CA" sz="1100" dirty="0">
+                <a:solidFill>
+                  <a:srgbClr val="0070C0"/>
+                </a:solidFill>
+                <a:latin typeface="Courier" pitchFamily="2" charset="0"/>
+                <a:cs typeface="Courier New" panose="02070309020205020404" pitchFamily="49" charset="0"/>
+              </a:rPr>
+              <a:t>PSID   </a:t>
+            </a:r>
+            <a:r>
+              <a:rPr lang="en-CA" sz="1100" dirty="0">
+                <a:latin typeface="Courier" pitchFamily="2" charset="0"/>
+                <a:cs typeface="Courier New" panose="02070309020205020404" pitchFamily="49" charset="0"/>
+              </a:rPr>
+              <a:t>              | TC  |S|      TTL      |</a:t>
+            </a:r>
+            <a:endParaRPr lang="en-CA" sz="1100" dirty="0">
+              <a:latin typeface="Courier" pitchFamily="2" charset="0"/>
+              <a:ea typeface="Calibri" panose="020F0502020204030204" pitchFamily="34" charset="0"/>
+              <a:cs typeface="Courier New" panose="02070309020205020404" pitchFamily="49" charset="0"/>
+            </a:endParaRPr>
+          </a:p>
+          <a:p>
+            <a:pPr>
+              <a:spcAft>
+                <a:spcPts val="0"/>
+              </a:spcAft>
+            </a:pPr>
+            <a:r>
+              <a:rPr lang="en-CA" sz="1100" dirty="0">
+                <a:latin typeface="Courier" pitchFamily="2" charset="0"/>
+                <a:ea typeface="Calibri" panose="020F0502020204030204" pitchFamily="34" charset="0"/>
+                <a:cs typeface="Courier New" panose="02070309020205020404" pitchFamily="49" charset="0"/>
+              </a:rPr>
+              <a:t>    +-+-+-+-+-+-+-+-+-+-+-+-+-+-+-+-+-+-+-+-+-+-+-+-+-+-+-+-+-+-+-+-+</a:t>
+            </a:r>
+          </a:p>
+          <a:p>
+            <a:pPr>
+              <a:spcAft>
+                <a:spcPts val="0"/>
+              </a:spcAft>
+            </a:pPr>
+            <a:r>
+              <a:rPr lang="en-CA" sz="1100" dirty="0">
+                <a:latin typeface="Courier" pitchFamily="2" charset="0"/>
+                <a:ea typeface="Calibri" panose="020F0502020204030204" pitchFamily="34" charset="0"/>
+                <a:cs typeface="Courier New" panose="02070309020205020404" pitchFamily="49" charset="0"/>
+              </a:rPr>
+              <a:t>    |                  GAL (value 13)       | TC  |1|      TTL      |</a:t>
+            </a:r>
+          </a:p>
+          <a:p>
+            <a:pPr>
+              <a:spcAft>
+                <a:spcPts val="0"/>
+              </a:spcAft>
+            </a:pPr>
+            <a:r>
+              <a:rPr lang="en-CA" sz="1100" dirty="0">
+                <a:latin typeface="Courier" pitchFamily="2" charset="0"/>
+                <a:ea typeface="Calibri" panose="020F0502020204030204" pitchFamily="34" charset="0"/>
+                <a:cs typeface="Courier New" panose="02070309020205020404" pitchFamily="49" charset="0"/>
+              </a:rPr>
+              <a:t>    +-+-+-+-+-+-+-+-+-+-+-+-+-+-+-+-+-+-+-+-+-+-+-+-+-+-+-+-+-+-+-+-+</a:t>
+            </a:r>
+          </a:p>
+          <a:p>
+            <a:pPr>
+              <a:spcAft>
+                <a:spcPts val="0"/>
+              </a:spcAft>
+            </a:pPr>
+            <a:r>
+              <a:rPr lang="en-CA" sz="1100" dirty="0">
+                <a:latin typeface="Courier" pitchFamily="2" charset="0"/>
+                <a:ea typeface="Calibri" panose="020F0502020204030204" pitchFamily="34" charset="0"/>
+                <a:cs typeface="Courier New" panose="02070309020205020404" pitchFamily="49" charset="0"/>
+              </a:rPr>
+              <a:t>    |0 0 0 1|Version|  Reserved     | GAL Channel Type              |</a:t>
+            </a:r>
+          </a:p>
+          <a:p>
+            <a:pPr>
+              <a:spcAft>
+                <a:spcPts val="0"/>
+              </a:spcAft>
+            </a:pPr>
+            <a:r>
+              <a:rPr lang="en-CA" sz="1100" dirty="0">
+                <a:latin typeface="Courier" pitchFamily="2" charset="0"/>
+                <a:ea typeface="Calibri" panose="020F0502020204030204" pitchFamily="34" charset="0"/>
+                <a:cs typeface="Courier New" panose="02070309020205020404" pitchFamily="49" charset="0"/>
+              </a:rPr>
+              <a:t>    +-+-+-+-+-+-+-+-+-+-+-+-+-+-+-+-+-+-+-+-+-+-+-+-+-+-+-+-+-+-+-+-+</a:t>
+            </a:r>
+          </a:p>
+          <a:p>
+            <a:pPr>
+              <a:spcAft>
+                <a:spcPts val="0"/>
+              </a:spcAft>
+            </a:pPr>
+            <a:r>
+              <a:rPr lang="en-CA" sz="1100" dirty="0">
+                <a:latin typeface="Courier" pitchFamily="2" charset="0"/>
+                <a:ea typeface="Calibri" panose="020F0502020204030204" pitchFamily="34" charset="0"/>
+                <a:cs typeface="Courier New" panose="02070309020205020404" pitchFamily="49" charset="0"/>
+              </a:rPr>
+              <a:t> </a:t>
+            </a:r>
+          </a:p>
+          <a:p>
+            <a:pPr>
+              <a:spcAft>
+                <a:spcPts val="0"/>
+              </a:spcAft>
+            </a:pPr>
+            <a:r>
+              <a:rPr lang="en-CA" sz="1100" dirty="0">
+                <a:latin typeface="Courier" pitchFamily="2" charset="0"/>
+                <a:ea typeface="Calibri" panose="020F0502020204030204" pitchFamily="34" charset="0"/>
+                <a:cs typeface="Courier New" panose="02070309020205020404" pitchFamily="49" charset="0"/>
+              </a:rPr>
+              <a:t>   Figure: Example Probe Message Header for an End-to-end SR-MPLS Policy</a:t>
+            </a:r>
+            <a:endParaRPr lang="en-CA" sz="1100" dirty="0">
+              <a:latin typeface="Courier" pitchFamily="2" charset="0"/>
+              <a:cs typeface="Courier New" panose="02070309020205020404" pitchFamily="49" charset="0"/>
+            </a:endParaRPr>
+          </a:p>
+        </p:txBody>
+      </p:sp>
+      <p:sp>
+        <p:nvSpPr>
+          <p:cNvPr id="7" name="Slide Number Placeholder 1">
+            <a:extLst>
+              <a:ext uri="{FF2B5EF4-FFF2-40B4-BE49-F238E27FC236}">
+                <a16:creationId xmlns:a16="http://schemas.microsoft.com/office/drawing/2014/main" id="{A7D1E127-E8AA-D646-B679-5809D9B5EF2F}"/>
+              </a:ext>
+            </a:extLst>
+          </p:cNvPr>
+          <p:cNvSpPr>
+            <a:spLocks noGrp="1"/>
+          </p:cNvSpPr>
+          <p:nvPr>
             <p:ph type="sldNum" sz="quarter" idx="12"/>
           </p:nvPr>
         </p:nvSpPr>
-        <p:spPr/>
+        <p:spPr>
+          <a:xfrm>
+            <a:off x="6553200" y="4740062"/>
+            <a:ext cx="2133600" cy="357188"/>
+          </a:xfrm>
+        </p:spPr>
         <p:txBody>
           <a:bodyPr/>
           <a:lstStyle/>
@@ -6006,14 +6331,14 @@
               </a:pPr>
               <a:t>10</a:t>
             </a:fld>
-            <a:endParaRPr lang="en-US" altLang="zh-CN"/>
+            <a:endParaRPr lang="en-US" altLang="zh-CN" dirty="0"/>
           </a:p>
         </p:txBody>
       </p:sp>
     </p:spTree>
     <p:extLst>
       <p:ext uri="{BB962C8B-B14F-4D97-AF65-F5344CB8AC3E}">
-        <p14:creationId xmlns:p14="http://schemas.microsoft.com/office/powerpoint/2010/main" val="2041213705"/>
+        <p14:creationId xmlns:p14="http://schemas.microsoft.com/office/powerpoint/2010/main" val="358295288"/>
       </p:ext>
     </p:extLst>
   </p:cSld>
@@ -6042,6 +6367,1363 @@
       </p:grpSpPr>
       <p:sp>
         <p:nvSpPr>
+          <p:cNvPr id="2" name="Title 1"/>
+          <p:cNvSpPr>
+            <a:spLocks noGrp="1"/>
+          </p:cNvSpPr>
+          <p:nvPr>
+            <p:ph type="title"/>
+          </p:nvPr>
+        </p:nvSpPr>
+        <p:spPr>
+          <a:xfrm>
+            <a:off x="457200" y="0"/>
+            <a:ext cx="8229600" cy="857250"/>
+          </a:xfrm>
+        </p:spPr>
+        <p:txBody>
+          <a:bodyPr/>
+          <a:lstStyle/>
+          <a:p>
+            <a:r>
+              <a:rPr lang="en-US" sz="3600" dirty="0">
+                <a:solidFill>
+                  <a:srgbClr val="0070C0"/>
+                </a:solidFill>
+                <a:latin typeface="Calibri Light" panose="020F0302020204030204" pitchFamily="34" charset="0"/>
+                <a:cs typeface="Calibri Light" panose="020F0302020204030204" pitchFamily="34" charset="0"/>
+              </a:rPr>
+              <a:t>Measurement Modes for SR Policy</a:t>
+            </a:r>
+          </a:p>
+        </p:txBody>
+      </p:sp>
+      <p:sp>
+        <p:nvSpPr>
+          <p:cNvPr id="4" name="Footer Placeholder 3"/>
+          <p:cNvSpPr>
+            <a:spLocks noGrp="1"/>
+          </p:cNvSpPr>
+          <p:nvPr>
+            <p:ph type="ftr" sz="quarter" idx="11"/>
+          </p:nvPr>
+        </p:nvSpPr>
+        <p:spPr>
+          <a:xfrm>
+            <a:off x="3124200" y="4800151"/>
+            <a:ext cx="2895600" cy="357188"/>
+          </a:xfrm>
+        </p:spPr>
+        <p:txBody>
+          <a:bodyPr/>
+          <a:lstStyle/>
+          <a:p>
+            <a:pPr>
+              <a:defRPr/>
+            </a:pPr>
+            <a:r>
+              <a:rPr lang="en-US" altLang="zh-CN" dirty="0"/>
+              <a:t>108</a:t>
+            </a:r>
+            <a:r>
+              <a:rPr lang="en-US" altLang="zh-CN" baseline="30000" dirty="0"/>
+              <a:t>th</a:t>
+            </a:r>
+            <a:r>
+              <a:rPr lang="en-US" altLang="zh-CN" dirty="0"/>
+              <a:t> IETF @ Madrid</a:t>
+            </a:r>
+          </a:p>
+        </p:txBody>
+      </p:sp>
+      <p:sp>
+        <p:nvSpPr>
+          <p:cNvPr id="6" name="Content Placeholder 2"/>
+          <p:cNvSpPr>
+            <a:spLocks noGrp="1"/>
+          </p:cNvSpPr>
+          <p:nvPr>
+            <p:ph idx="1"/>
+          </p:nvPr>
+        </p:nvSpPr>
+        <p:spPr>
+          <a:xfrm>
+            <a:off x="457200" y="1009650"/>
+            <a:ext cx="8229600" cy="3543300"/>
+          </a:xfrm>
+        </p:spPr>
+        <p:txBody>
+          <a:bodyPr/>
+          <a:lstStyle/>
+          <a:p>
+            <a:pPr>
+              <a:lnSpc>
+                <a:spcPts val="2360"/>
+              </a:lnSpc>
+              <a:spcBef>
+                <a:spcPts val="600"/>
+              </a:spcBef>
+            </a:pPr>
+            <a:r>
+              <a:rPr lang="en-US" sz="1800" dirty="0"/>
+              <a:t>One-way Measurement Mode</a:t>
+            </a:r>
+          </a:p>
+          <a:p>
+            <a:pPr lvl="1">
+              <a:lnSpc>
+                <a:spcPts val="2360"/>
+              </a:lnSpc>
+              <a:spcBef>
+                <a:spcPts val="600"/>
+              </a:spcBef>
+            </a:pPr>
+            <a:r>
+              <a:rPr lang="en-US" sz="1800" dirty="0"/>
+              <a:t>Reply sent out of band IP/UDP path using RFC 7876 mechanisms</a:t>
+            </a:r>
+          </a:p>
+          <a:p>
+            <a:pPr>
+              <a:lnSpc>
+                <a:spcPts val="2360"/>
+              </a:lnSpc>
+              <a:spcBef>
+                <a:spcPts val="600"/>
+              </a:spcBef>
+            </a:pPr>
+            <a:r>
+              <a:rPr lang="en-US" sz="1800" dirty="0"/>
+              <a:t>Two-way Measurement Mode</a:t>
+            </a:r>
+          </a:p>
+          <a:p>
+            <a:pPr lvl="1">
+              <a:lnSpc>
+                <a:spcPts val="2360"/>
+              </a:lnSpc>
+              <a:spcBef>
+                <a:spcPts val="600"/>
+              </a:spcBef>
+            </a:pPr>
+            <a:r>
+              <a:rPr lang="en-US" sz="1800" b="1" dirty="0"/>
+              <a:t>Reply sent in-band using the RFC 6374 mechanisms (using Control code)</a:t>
+            </a:r>
+          </a:p>
+          <a:p>
+            <a:pPr lvl="1">
+              <a:lnSpc>
+                <a:spcPts val="2360"/>
+              </a:lnSpc>
+              <a:spcBef>
+                <a:spcPts val="600"/>
+              </a:spcBef>
+            </a:pPr>
+            <a:r>
+              <a:rPr lang="en-US" sz="1800" b="1" dirty="0"/>
+              <a:t>Return Path TLV can be used from the probe query message for SR Paths</a:t>
+            </a:r>
+          </a:p>
+          <a:p>
+            <a:pPr>
+              <a:lnSpc>
+                <a:spcPts val="2360"/>
+              </a:lnSpc>
+              <a:spcBef>
+                <a:spcPts val="600"/>
+              </a:spcBef>
+            </a:pPr>
+            <a:r>
+              <a:rPr lang="en-US" sz="1800" dirty="0"/>
+              <a:t>Loopback Measurement Mode</a:t>
+            </a:r>
+          </a:p>
+          <a:p>
+            <a:pPr lvl="1">
+              <a:lnSpc>
+                <a:spcPts val="2360"/>
+              </a:lnSpc>
+              <a:spcBef>
+                <a:spcPts val="600"/>
+              </a:spcBef>
+            </a:pPr>
+            <a:r>
+              <a:rPr lang="en-US" sz="1800" dirty="0"/>
+              <a:t>Probe message carries the return path label stack in the header of the message</a:t>
+            </a:r>
+          </a:p>
+        </p:txBody>
+      </p:sp>
+      <p:sp>
+        <p:nvSpPr>
+          <p:cNvPr id="5" name="Slide Number Placeholder 1">
+            <a:extLst>
+              <a:ext uri="{FF2B5EF4-FFF2-40B4-BE49-F238E27FC236}">
+                <a16:creationId xmlns:a16="http://schemas.microsoft.com/office/drawing/2014/main" id="{9BCD4F1F-1220-7F40-AEBD-526C7B929C24}"/>
+              </a:ext>
+            </a:extLst>
+          </p:cNvPr>
+          <p:cNvSpPr>
+            <a:spLocks noGrp="1"/>
+          </p:cNvSpPr>
+          <p:nvPr>
+            <p:ph type="sldNum" sz="quarter" idx="12"/>
+          </p:nvPr>
+        </p:nvSpPr>
+        <p:spPr>
+          <a:xfrm>
+            <a:off x="6553200" y="4740062"/>
+            <a:ext cx="2133600" cy="357188"/>
+          </a:xfrm>
+        </p:spPr>
+        <p:txBody>
+          <a:bodyPr/>
+          <a:lstStyle/>
+          <a:p>
+            <a:pPr>
+              <a:defRPr/>
+            </a:pPr>
+            <a:fld id="{BD6E0F59-1DD8-40FC-9C92-B6295CBA6CCA}" type="slidenum">
+              <a:rPr lang="en-US" altLang="zh-CN" smtClean="0"/>
+              <a:pPr>
+                <a:defRPr/>
+              </a:pPr>
+              <a:t>11</a:t>
+            </a:fld>
+            <a:endParaRPr lang="en-US" altLang="zh-CN" dirty="0"/>
+          </a:p>
+        </p:txBody>
+      </p:sp>
+    </p:spTree>
+    <p:extLst>
+      <p:ext uri="{BB962C8B-B14F-4D97-AF65-F5344CB8AC3E}">
+        <p14:creationId xmlns:p14="http://schemas.microsoft.com/office/powerpoint/2010/main" val="2641805561"/>
+      </p:ext>
+    </p:extLst>
+  </p:cSld>
+  <p:clrMapOvr>
+    <a:masterClrMapping/>
+  </p:clrMapOvr>
+</p:sld>
+</file>
+
+<file path=ppt/slides/slide12.xml><?xml version="1.0" encoding="utf-8"?>
+<p:sld xmlns:a="http://schemas.openxmlformats.org/drawingml/2006/main" xmlns:r="http://schemas.openxmlformats.org/officeDocument/2006/relationships" xmlns:p="http://schemas.openxmlformats.org/presentationml/2006/main">
+  <p:cSld>
+    <p:spTree>
+      <p:nvGrpSpPr>
+        <p:cNvPr id="1" name=""/>
+        <p:cNvGrpSpPr/>
+        <p:nvPr/>
+      </p:nvGrpSpPr>
+      <p:grpSpPr>
+        <a:xfrm>
+          <a:off x="0" y="0"/>
+          <a:ext cx="0" cy="0"/>
+          <a:chOff x="0" y="0"/>
+          <a:chExt cx="0" cy="0"/>
+        </a:xfrm>
+      </p:grpSpPr>
+      <p:sp>
+        <p:nvSpPr>
+          <p:cNvPr id="4" name="Footer Placeholder 3"/>
+          <p:cNvSpPr>
+            <a:spLocks noGrp="1"/>
+          </p:cNvSpPr>
+          <p:nvPr>
+            <p:ph type="ftr" sz="quarter" idx="11"/>
+          </p:nvPr>
+        </p:nvSpPr>
+        <p:spPr>
+          <a:xfrm>
+            <a:off x="3196318" y="4786312"/>
+            <a:ext cx="2895600" cy="357188"/>
+          </a:xfrm>
+        </p:spPr>
+        <p:txBody>
+          <a:bodyPr/>
+          <a:lstStyle/>
+          <a:p>
+            <a:pPr>
+              <a:defRPr/>
+            </a:pPr>
+            <a:r>
+              <a:rPr lang="en-US" altLang="zh-CN" dirty="0"/>
+              <a:t>108</a:t>
+            </a:r>
+            <a:r>
+              <a:rPr lang="en-US" altLang="zh-CN" baseline="30000" dirty="0"/>
+              <a:t>th</a:t>
+            </a:r>
+            <a:r>
+              <a:rPr lang="en-US" altLang="zh-CN" dirty="0"/>
+              <a:t> IETF @ Madrid</a:t>
+            </a:r>
+          </a:p>
+        </p:txBody>
+      </p:sp>
+      <p:sp>
+        <p:nvSpPr>
+          <p:cNvPr id="2" name="Slide Number Placeholder 1"/>
+          <p:cNvSpPr>
+            <a:spLocks noGrp="1"/>
+          </p:cNvSpPr>
+          <p:nvPr>
+            <p:ph type="sldNum" sz="quarter" idx="12"/>
+          </p:nvPr>
+        </p:nvSpPr>
+        <p:spPr>
+          <a:xfrm>
+            <a:off x="6553200" y="4740062"/>
+            <a:ext cx="2133600" cy="357188"/>
+          </a:xfrm>
+        </p:spPr>
+        <p:txBody>
+          <a:bodyPr/>
+          <a:lstStyle/>
+          <a:p>
+            <a:pPr>
+              <a:defRPr/>
+            </a:pPr>
+            <a:fld id="{BD6E0F59-1DD8-40FC-9C92-B6295CBA6CCA}" type="slidenum">
+              <a:rPr lang="en-US" altLang="zh-CN" smtClean="0"/>
+              <a:pPr>
+                <a:defRPr/>
+              </a:pPr>
+              <a:t>12</a:t>
+            </a:fld>
+            <a:endParaRPr lang="en-US" altLang="zh-CN" dirty="0"/>
+          </a:p>
+        </p:txBody>
+      </p:sp>
+      <p:sp>
+        <p:nvSpPr>
+          <p:cNvPr id="3" name="Rectangle 2">
+            <a:extLst>
+              <a:ext uri="{FF2B5EF4-FFF2-40B4-BE49-F238E27FC236}">
+                <a16:creationId xmlns:a16="http://schemas.microsoft.com/office/drawing/2014/main" id="{F6C70268-634F-470C-8DFE-DEA87DC6C54D}"/>
+              </a:ext>
+            </a:extLst>
+          </p:cNvPr>
+          <p:cNvSpPr/>
+          <p:nvPr/>
+        </p:nvSpPr>
+        <p:spPr>
+          <a:xfrm>
+            <a:off x="3956583" y="666750"/>
+            <a:ext cx="4953000" cy="1477328"/>
+          </a:xfrm>
+          <a:prstGeom prst="rect">
+            <a:avLst/>
+          </a:prstGeom>
+          <a:solidFill>
+            <a:schemeClr val="bg1">
+              <a:lumMod val="95000"/>
+            </a:schemeClr>
+          </a:solidFill>
+        </p:spPr>
+        <p:txBody>
+          <a:bodyPr wrap="square">
+            <a:spAutoFit/>
+          </a:bodyPr>
+          <a:lstStyle/>
+          <a:p>
+            <a:pPr>
+              <a:spcAft>
+                <a:spcPts val="0"/>
+              </a:spcAft>
+            </a:pPr>
+            <a:r>
+              <a:rPr lang="en-CA" sz="900" dirty="0">
+                <a:latin typeface="Courier" pitchFamily="2" charset="0"/>
+                <a:ea typeface="Calibri" panose="020F0502020204030204" pitchFamily="34" charset="0"/>
+                <a:cs typeface="Courier New" panose="02070309020205020404" pitchFamily="49" charset="0"/>
+              </a:rPr>
+              <a:t>    0                   1                   2                   3</a:t>
+            </a:r>
+          </a:p>
+          <a:p>
+            <a:pPr>
+              <a:spcAft>
+                <a:spcPts val="0"/>
+              </a:spcAft>
+            </a:pPr>
+            <a:r>
+              <a:rPr lang="en-CA" sz="900" dirty="0">
+                <a:latin typeface="Courier" pitchFamily="2" charset="0"/>
+                <a:ea typeface="Calibri" panose="020F0502020204030204" pitchFamily="34" charset="0"/>
+                <a:cs typeface="Courier New" panose="02070309020205020404" pitchFamily="49" charset="0"/>
+              </a:rPr>
+              <a:t>    0 1 2 3 4 5 6 7 8 9 0 1 2 3 4 5 6 7 8 9 0 1 2 3 4 5 6 7 8 9 0 1</a:t>
+            </a:r>
+          </a:p>
+          <a:p>
+            <a:pPr>
+              <a:spcAft>
+                <a:spcPts val="0"/>
+              </a:spcAft>
+            </a:pPr>
+            <a:r>
+              <a:rPr lang="en-CA" sz="900" dirty="0">
+                <a:latin typeface="Courier" pitchFamily="2" charset="0"/>
+                <a:ea typeface="Calibri" panose="020F0502020204030204" pitchFamily="34" charset="0"/>
+                <a:cs typeface="Courier New" panose="02070309020205020404" pitchFamily="49" charset="0"/>
+              </a:rPr>
+              <a:t>    +-+-+-+-+-+-+-+-+-+-+-+-+-+-+-+-+-+-+-+-+-+-+-+-+-+-+-+-+-+-+-+-+</a:t>
+            </a:r>
+          </a:p>
+          <a:p>
+            <a:pPr>
+              <a:spcAft>
+                <a:spcPts val="0"/>
+              </a:spcAft>
+            </a:pPr>
+            <a:r>
+              <a:rPr lang="en-CA" sz="900" dirty="0">
+                <a:latin typeface="Courier" pitchFamily="2" charset="0"/>
+                <a:ea typeface="Calibri" panose="020F0502020204030204" pitchFamily="34" charset="0"/>
+                <a:cs typeface="Courier New" panose="02070309020205020404" pitchFamily="49" charset="0"/>
+              </a:rPr>
+              <a:t>    |  Type = TBA1  |    Length     |      Reserved                 |</a:t>
+            </a:r>
+          </a:p>
+          <a:p>
+            <a:pPr>
+              <a:spcAft>
+                <a:spcPts val="0"/>
+              </a:spcAft>
+            </a:pPr>
+            <a:r>
+              <a:rPr lang="en-CA" sz="900" dirty="0">
+                <a:latin typeface="Courier" pitchFamily="2" charset="0"/>
+                <a:ea typeface="Calibri" panose="020F0502020204030204" pitchFamily="34" charset="0"/>
+                <a:cs typeface="Courier New" panose="02070309020205020404" pitchFamily="49" charset="0"/>
+              </a:rPr>
+              <a:t>    +-+-+-+-+-+-+-+-+-+-+-+-+-+-+-+-+-+-+-+-+-+-+-+-+-+-+-+-+-+-+-+-+</a:t>
+            </a:r>
+          </a:p>
+          <a:p>
+            <a:pPr>
+              <a:spcAft>
+                <a:spcPts val="0"/>
+              </a:spcAft>
+            </a:pPr>
+            <a:r>
+              <a:rPr lang="en-CA" sz="900" dirty="0">
+                <a:latin typeface="Courier" pitchFamily="2" charset="0"/>
+                <a:ea typeface="Calibri" panose="020F0502020204030204" pitchFamily="34" charset="0"/>
+                <a:cs typeface="Courier New" panose="02070309020205020404" pitchFamily="49" charset="0"/>
+              </a:rPr>
+              <a:t>    |                    Return Path Sub-TLVs                       |</a:t>
+            </a:r>
+          </a:p>
+          <a:p>
+            <a:pPr>
+              <a:spcAft>
+                <a:spcPts val="0"/>
+              </a:spcAft>
+            </a:pPr>
+            <a:r>
+              <a:rPr lang="en-CA" sz="900" dirty="0">
+                <a:latin typeface="Courier" pitchFamily="2" charset="0"/>
+                <a:ea typeface="Calibri" panose="020F0502020204030204" pitchFamily="34" charset="0"/>
+                <a:cs typeface="Courier New" panose="02070309020205020404" pitchFamily="49" charset="0"/>
+              </a:rPr>
+              <a:t>    .                                                               .</a:t>
+            </a:r>
+          </a:p>
+          <a:p>
+            <a:pPr>
+              <a:spcAft>
+                <a:spcPts val="0"/>
+              </a:spcAft>
+            </a:pPr>
+            <a:r>
+              <a:rPr lang="en-CA" sz="900" dirty="0">
+                <a:latin typeface="Courier" pitchFamily="2" charset="0"/>
+                <a:ea typeface="Calibri" panose="020F0502020204030204" pitchFamily="34" charset="0"/>
+                <a:cs typeface="Courier New" panose="02070309020205020404" pitchFamily="49" charset="0"/>
+              </a:rPr>
+              <a:t>    +-+-+-+-+-+-+-+-+-+-+-+-+-+-+-+-+-+-+-+-+-+-+-+-+-+-+-+-+-+-+-+-+</a:t>
+            </a:r>
+          </a:p>
+          <a:p>
+            <a:pPr>
+              <a:spcAft>
+                <a:spcPts val="0"/>
+              </a:spcAft>
+            </a:pPr>
+            <a:r>
+              <a:rPr lang="en-CA" sz="900" dirty="0">
+                <a:latin typeface="Courier" pitchFamily="2" charset="0"/>
+                <a:ea typeface="Calibri" panose="020F0502020204030204" pitchFamily="34" charset="0"/>
+                <a:cs typeface="Courier New" panose="02070309020205020404" pitchFamily="49" charset="0"/>
+              </a:rPr>
+              <a:t> </a:t>
+            </a:r>
+          </a:p>
+          <a:p>
+            <a:pPr>
+              <a:spcAft>
+                <a:spcPts val="0"/>
+              </a:spcAft>
+            </a:pPr>
+            <a:r>
+              <a:rPr lang="en-CA" sz="900" dirty="0">
+                <a:latin typeface="Courier" pitchFamily="2" charset="0"/>
+                <a:ea typeface="Calibri" panose="020F0502020204030204" pitchFamily="34" charset="0"/>
+                <a:cs typeface="Courier New" panose="02070309020205020404" pitchFamily="49" charset="0"/>
+              </a:rPr>
+              <a:t>                      Figure: Return Path TLV</a:t>
+            </a:r>
+          </a:p>
+        </p:txBody>
+      </p:sp>
+      <p:sp>
+        <p:nvSpPr>
+          <p:cNvPr id="6" name="Title 1">
+            <a:extLst>
+              <a:ext uri="{FF2B5EF4-FFF2-40B4-BE49-F238E27FC236}">
+                <a16:creationId xmlns:a16="http://schemas.microsoft.com/office/drawing/2014/main" id="{DB06EA39-A9DB-46A1-A4BB-54CBE90776C1}"/>
+              </a:ext>
+            </a:extLst>
+          </p:cNvPr>
+          <p:cNvSpPr>
+            <a:spLocks noGrp="1"/>
+          </p:cNvSpPr>
+          <p:nvPr>
+            <p:ph type="title"/>
+          </p:nvPr>
+        </p:nvSpPr>
+        <p:spPr>
+          <a:xfrm>
+            <a:off x="449036" y="-98111"/>
+            <a:ext cx="8390164" cy="857250"/>
+          </a:xfrm>
+        </p:spPr>
+        <p:txBody>
+          <a:bodyPr/>
+          <a:lstStyle/>
+          <a:p>
+            <a:r>
+              <a:rPr lang="en-US" sz="3600" dirty="0">
+                <a:solidFill>
+                  <a:srgbClr val="0070C0"/>
+                </a:solidFill>
+                <a:latin typeface="Calibri Light" panose="020F0302020204030204" pitchFamily="34" charset="0"/>
+                <a:cs typeface="Calibri Light" panose="020F0302020204030204" pitchFamily="34" charset="0"/>
+              </a:rPr>
+              <a:t>Return Path TLV for Two-way Measurement</a:t>
+            </a:r>
+          </a:p>
+        </p:txBody>
+      </p:sp>
+      <p:sp>
+        <p:nvSpPr>
+          <p:cNvPr id="5" name="Rectangle 4">
+            <a:extLst>
+              <a:ext uri="{FF2B5EF4-FFF2-40B4-BE49-F238E27FC236}">
+                <a16:creationId xmlns:a16="http://schemas.microsoft.com/office/drawing/2014/main" id="{6C936816-6F5E-CD4B-A1B2-D5DF14306FD1}"/>
+              </a:ext>
+            </a:extLst>
+          </p:cNvPr>
+          <p:cNvSpPr/>
+          <p:nvPr/>
+        </p:nvSpPr>
+        <p:spPr>
+          <a:xfrm>
+            <a:off x="234417" y="1009913"/>
+            <a:ext cx="3664395" cy="2002792"/>
+          </a:xfrm>
+          <a:prstGeom prst="rect">
+            <a:avLst/>
+          </a:prstGeom>
+        </p:spPr>
+        <p:txBody>
+          <a:bodyPr wrap="square">
+            <a:spAutoFit/>
+          </a:bodyPr>
+          <a:lstStyle/>
+          <a:p>
+            <a:pPr>
+              <a:lnSpc>
+                <a:spcPts val="2140"/>
+              </a:lnSpc>
+              <a:spcBef>
+                <a:spcPts val="600"/>
+              </a:spcBef>
+              <a:spcAft>
+                <a:spcPts val="600"/>
+              </a:spcAft>
+            </a:pPr>
+            <a:r>
+              <a:rPr lang="en-CA" sz="1600" dirty="0">
+                <a:latin typeface="Calibri" panose="020F0502020204030204" pitchFamily="34" charset="0"/>
+                <a:ea typeface="Calibri" panose="020F0502020204030204" pitchFamily="34" charset="0"/>
+                <a:cs typeface="Calibri" panose="020F0502020204030204" pitchFamily="34" charset="0"/>
+              </a:rPr>
+              <a:t>Sub-TLV </a:t>
+            </a:r>
+            <a:r>
+              <a:rPr lang="en-CA" sz="1600" dirty="0">
+                <a:solidFill>
+                  <a:srgbClr val="0070C0"/>
+                </a:solidFill>
+                <a:latin typeface="Calibri" panose="020F0502020204030204" pitchFamily="34" charset="0"/>
+                <a:ea typeface="Calibri" panose="020F0502020204030204" pitchFamily="34" charset="0"/>
+                <a:cs typeface="Calibri" panose="020F0502020204030204" pitchFamily="34" charset="0"/>
+              </a:rPr>
+              <a:t>Types</a:t>
+            </a:r>
+            <a:r>
+              <a:rPr lang="en-CA" sz="1600" dirty="0">
+                <a:latin typeface="Calibri" panose="020F0502020204030204" pitchFamily="34" charset="0"/>
+                <a:ea typeface="Calibri" panose="020F0502020204030204" pitchFamily="34" charset="0"/>
+                <a:cs typeface="Calibri" panose="020F0502020204030204" pitchFamily="34" charset="0"/>
+              </a:rPr>
+              <a:t>:</a:t>
+            </a:r>
+          </a:p>
+          <a:p>
+            <a:pPr marL="342900" indent="-342900">
+              <a:lnSpc>
+                <a:spcPts val="2140"/>
+              </a:lnSpc>
+              <a:spcBef>
+                <a:spcPts val="600"/>
+              </a:spcBef>
+              <a:spcAft>
+                <a:spcPts val="600"/>
+              </a:spcAft>
+              <a:buFont typeface="+mj-lt"/>
+              <a:buAutoNum type="arabicPeriod"/>
+            </a:pPr>
+            <a:r>
+              <a:rPr lang="en-CA" sz="1600" dirty="0">
+                <a:latin typeface="Calibri" panose="020F0502020204030204" pitchFamily="34" charset="0"/>
+                <a:ea typeface="Calibri" panose="020F0502020204030204" pitchFamily="34" charset="0"/>
+                <a:cs typeface="Calibri" panose="020F0502020204030204" pitchFamily="34" charset="0"/>
+              </a:rPr>
+              <a:t>Type (value 1): SR-MPLS Segment List (Label Stack) of the Reverse SR Path</a:t>
+            </a:r>
+          </a:p>
+          <a:p>
+            <a:pPr marL="342900" indent="-342900">
+              <a:lnSpc>
+                <a:spcPts val="2140"/>
+              </a:lnSpc>
+              <a:spcBef>
+                <a:spcPts val="600"/>
+              </a:spcBef>
+              <a:spcAft>
+                <a:spcPts val="600"/>
+              </a:spcAft>
+              <a:buFont typeface="+mj-lt"/>
+              <a:buAutoNum type="arabicPeriod"/>
+            </a:pPr>
+            <a:r>
+              <a:rPr lang="en-CA" sz="1600" dirty="0">
+                <a:latin typeface="Calibri" panose="020F0502020204030204" pitchFamily="34" charset="0"/>
+                <a:ea typeface="Calibri" panose="020F0502020204030204" pitchFamily="34" charset="0"/>
+                <a:cs typeface="Calibri" panose="020F0502020204030204" pitchFamily="34" charset="0"/>
+              </a:rPr>
+              <a:t>Type (value 2): SR-MPLS Binding SID [</a:t>
+            </a:r>
+            <a:r>
+              <a:rPr lang="en-CA" sz="1600" dirty="0">
+                <a:latin typeface="Calibri" panose="020F0502020204030204" pitchFamily="34" charset="0"/>
+                <a:cs typeface="Calibri" panose="020F0502020204030204" pitchFamily="34" charset="0"/>
+              </a:rPr>
+              <a:t>draft-</a:t>
+            </a:r>
+            <a:r>
+              <a:rPr lang="en-CA" sz="1600" dirty="0" err="1">
+                <a:latin typeface="Calibri" panose="020F0502020204030204" pitchFamily="34" charset="0"/>
+                <a:cs typeface="Calibri" panose="020F0502020204030204" pitchFamily="34" charset="0"/>
+              </a:rPr>
+              <a:t>ietf</a:t>
+            </a:r>
+            <a:r>
+              <a:rPr lang="en-CA" sz="1600" dirty="0">
+                <a:latin typeface="Calibri" panose="020F0502020204030204" pitchFamily="34" charset="0"/>
+                <a:cs typeface="Calibri" panose="020F0502020204030204" pitchFamily="34" charset="0"/>
+              </a:rPr>
+              <a:t>-</a:t>
+            </a:r>
+            <a:r>
+              <a:rPr lang="en-CA" sz="1600" dirty="0" err="1">
+                <a:latin typeface="Calibri" panose="020F0502020204030204" pitchFamily="34" charset="0"/>
+                <a:cs typeface="Calibri" panose="020F0502020204030204" pitchFamily="34" charset="0"/>
+              </a:rPr>
+              <a:t>pce</a:t>
+            </a:r>
+            <a:r>
+              <a:rPr lang="en-CA" sz="1600" dirty="0">
+                <a:latin typeface="Calibri" panose="020F0502020204030204" pitchFamily="34" charset="0"/>
+                <a:cs typeface="Calibri" panose="020F0502020204030204" pitchFamily="34" charset="0"/>
+              </a:rPr>
+              <a:t>-binding-label-</a:t>
+            </a:r>
+            <a:r>
+              <a:rPr lang="en-CA" sz="1600" dirty="0" err="1">
+                <a:latin typeface="Calibri" panose="020F0502020204030204" pitchFamily="34" charset="0"/>
+                <a:cs typeface="Calibri" panose="020F0502020204030204" pitchFamily="34" charset="0"/>
+              </a:rPr>
+              <a:t>sid</a:t>
+            </a:r>
+            <a:r>
+              <a:rPr lang="en-CA" sz="1600" dirty="0">
+                <a:latin typeface="Calibri" panose="020F0502020204030204" pitchFamily="34" charset="0"/>
+                <a:ea typeface="Calibri" panose="020F0502020204030204" pitchFamily="34" charset="0"/>
+                <a:cs typeface="Calibri" panose="020F0502020204030204" pitchFamily="34" charset="0"/>
+              </a:rPr>
+              <a:t>] of the Reverse SR Policy</a:t>
+            </a:r>
+            <a:endParaRPr lang="en-US" sz="1600" dirty="0">
+              <a:latin typeface="Calibri" panose="020F0502020204030204" pitchFamily="34" charset="0"/>
+              <a:cs typeface="Calibri" panose="020F0502020204030204" pitchFamily="34" charset="0"/>
+            </a:endParaRPr>
+          </a:p>
+        </p:txBody>
+      </p:sp>
+      <p:sp>
+        <p:nvSpPr>
+          <p:cNvPr id="7" name="TextBox 6">
+            <a:extLst>
+              <a:ext uri="{FF2B5EF4-FFF2-40B4-BE49-F238E27FC236}">
+                <a16:creationId xmlns:a16="http://schemas.microsoft.com/office/drawing/2014/main" id="{BC588423-55EC-4340-8BD0-816D2C153886}"/>
+              </a:ext>
+            </a:extLst>
+          </p:cNvPr>
+          <p:cNvSpPr txBox="1"/>
+          <p:nvPr/>
+        </p:nvSpPr>
+        <p:spPr>
+          <a:xfrm>
+            <a:off x="234416" y="3398621"/>
+            <a:ext cx="3664394" cy="1323439"/>
+          </a:xfrm>
+          <a:prstGeom prst="rect">
+            <a:avLst/>
+          </a:prstGeom>
+          <a:noFill/>
+        </p:spPr>
+        <p:txBody>
+          <a:bodyPr wrap="square" rtlCol="0">
+            <a:spAutoFit/>
+          </a:bodyPr>
+          <a:lstStyle/>
+          <a:p>
+            <a:pPr marL="285750" indent="-285750">
+              <a:buFont typeface="Arial" panose="020B0604020202020204" pitchFamily="34" charset="0"/>
+              <a:buChar char="•"/>
+            </a:pPr>
+            <a:r>
+              <a:rPr lang="en-US" sz="1600" b="1" dirty="0">
+                <a:latin typeface="Calibri" panose="020F0502020204030204" pitchFamily="34" charset="0"/>
+                <a:cs typeface="Calibri" panose="020F0502020204030204" pitchFamily="34" charset="0"/>
+              </a:rPr>
+              <a:t>TLV is mandatory when carried in a probe query message and if responder does not support, it MUST return Error </a:t>
+            </a:r>
+            <a:r>
+              <a:rPr lang="en-CA" sz="1600" b="1" dirty="0">
+                <a:latin typeface="Calibri" panose="020F0502020204030204" pitchFamily="34" charset="0"/>
+                <a:cs typeface="Calibri" panose="020F0502020204030204" pitchFamily="34" charset="0"/>
+              </a:rPr>
+              <a:t>0x17: Unsupported Mandatory TLV Object</a:t>
+            </a:r>
+            <a:endParaRPr lang="en-US" sz="1600" b="1" dirty="0">
+              <a:latin typeface="Calibri" panose="020F0502020204030204" pitchFamily="34" charset="0"/>
+              <a:cs typeface="Calibri" panose="020F0502020204030204" pitchFamily="34" charset="0"/>
+            </a:endParaRPr>
+          </a:p>
+        </p:txBody>
+      </p:sp>
+      <p:sp>
+        <p:nvSpPr>
+          <p:cNvPr id="10" name="Rectangle 9">
+            <a:extLst>
+              <a:ext uri="{FF2B5EF4-FFF2-40B4-BE49-F238E27FC236}">
+                <a16:creationId xmlns:a16="http://schemas.microsoft.com/office/drawing/2014/main" id="{2001BEBD-7EA5-2646-8A98-C2A4FDCB721B}"/>
+              </a:ext>
+            </a:extLst>
+          </p:cNvPr>
+          <p:cNvSpPr/>
+          <p:nvPr/>
+        </p:nvSpPr>
+        <p:spPr>
+          <a:xfrm>
+            <a:off x="3956583" y="2236531"/>
+            <a:ext cx="4953000" cy="2446824"/>
+          </a:xfrm>
+          <a:prstGeom prst="rect">
+            <a:avLst/>
+          </a:prstGeom>
+          <a:solidFill>
+            <a:schemeClr val="bg1">
+              <a:lumMod val="95000"/>
+            </a:schemeClr>
+          </a:solidFill>
+        </p:spPr>
+        <p:txBody>
+          <a:bodyPr wrap="square">
+            <a:spAutoFit/>
+          </a:bodyPr>
+          <a:lstStyle/>
+          <a:p>
+            <a:pPr>
+              <a:spcAft>
+                <a:spcPts val="0"/>
+              </a:spcAft>
+            </a:pPr>
+            <a:r>
+              <a:rPr lang="en-CA" sz="900" dirty="0">
+                <a:latin typeface="Courier" pitchFamily="2" charset="0"/>
+                <a:ea typeface="Calibri" panose="020F0502020204030204" pitchFamily="34" charset="0"/>
+                <a:cs typeface="Courier New" panose="02070309020205020404" pitchFamily="49" charset="0"/>
+              </a:rPr>
+              <a:t>    0                   1                   2                   3</a:t>
+            </a:r>
+          </a:p>
+          <a:p>
+            <a:pPr>
+              <a:spcAft>
+                <a:spcPts val="0"/>
+              </a:spcAft>
+            </a:pPr>
+            <a:r>
+              <a:rPr lang="en-CA" sz="900" dirty="0">
+                <a:latin typeface="Courier" pitchFamily="2" charset="0"/>
+                <a:ea typeface="Calibri" panose="020F0502020204030204" pitchFamily="34" charset="0"/>
+                <a:cs typeface="Courier New" panose="02070309020205020404" pitchFamily="49" charset="0"/>
+              </a:rPr>
+              <a:t>    0 1 2 3 4 5 6 7 8 9 0 1 2 3 4 5 6 7 8 9 0 1 2 3 4 5 6 7 8 9 0 1</a:t>
+            </a:r>
+          </a:p>
+          <a:p>
+            <a:pPr>
+              <a:spcAft>
+                <a:spcPts val="0"/>
+              </a:spcAft>
+            </a:pPr>
+            <a:r>
+              <a:rPr lang="en-CA" sz="900" dirty="0">
+                <a:latin typeface="Courier" pitchFamily="2" charset="0"/>
+                <a:ea typeface="Calibri" panose="020F0502020204030204" pitchFamily="34" charset="0"/>
+                <a:cs typeface="Courier New" panose="02070309020205020404" pitchFamily="49" charset="0"/>
+              </a:rPr>
+              <a:t>    +-+-+-+-+-+-+-+-+-+-+-+-+-+-+-+-+-+-+-+-+-+-+-+-+-+-+-+-+-+-+-+-+</a:t>
+            </a:r>
+          </a:p>
+          <a:p>
+            <a:pPr>
+              <a:spcAft>
+                <a:spcPts val="0"/>
+              </a:spcAft>
+            </a:pPr>
+            <a:r>
+              <a:rPr lang="en-CA" sz="900" dirty="0">
+                <a:latin typeface="Courier" pitchFamily="2" charset="0"/>
+                <a:ea typeface="Calibri" panose="020F0502020204030204" pitchFamily="34" charset="0"/>
+                <a:cs typeface="Courier New" panose="02070309020205020404" pitchFamily="49" charset="0"/>
+              </a:rPr>
+              <a:t>    |     </a:t>
+            </a:r>
+            <a:r>
+              <a:rPr lang="en-CA" sz="900" dirty="0">
+                <a:solidFill>
+                  <a:srgbClr val="0070C0"/>
+                </a:solidFill>
+                <a:latin typeface="Courier" pitchFamily="2" charset="0"/>
+                <a:ea typeface="Calibri" panose="020F0502020204030204" pitchFamily="34" charset="0"/>
+                <a:cs typeface="Courier New" panose="02070309020205020404" pitchFamily="49" charset="0"/>
+              </a:rPr>
+              <a:t>Type</a:t>
+            </a:r>
+            <a:r>
+              <a:rPr lang="en-CA" sz="900" dirty="0">
+                <a:latin typeface="Courier" pitchFamily="2" charset="0"/>
+                <a:ea typeface="Calibri" panose="020F0502020204030204" pitchFamily="34" charset="0"/>
+                <a:cs typeface="Courier New" panose="02070309020205020404" pitchFamily="49" charset="0"/>
+              </a:rPr>
+              <a:t>      |    Length     |      Reserved                 |</a:t>
+            </a:r>
+          </a:p>
+          <a:p>
+            <a:pPr>
+              <a:spcAft>
+                <a:spcPts val="0"/>
+              </a:spcAft>
+            </a:pPr>
+            <a:r>
+              <a:rPr lang="en-CA" sz="900" dirty="0">
+                <a:latin typeface="Courier" pitchFamily="2" charset="0"/>
+                <a:ea typeface="Calibri" panose="020F0502020204030204" pitchFamily="34" charset="0"/>
+                <a:cs typeface="Courier New" panose="02070309020205020404" pitchFamily="49" charset="0"/>
+              </a:rPr>
+              <a:t>    +-+-+-+-+-+-+-+-+-+-+-+-+-+-+-+-+-+-+-+-+-+-+-+-+-+-+-+-+-+-+-+-+</a:t>
+            </a:r>
+          </a:p>
+          <a:p>
+            <a:pPr>
+              <a:spcAft>
+                <a:spcPts val="0"/>
+              </a:spcAft>
+            </a:pPr>
+            <a:r>
+              <a:rPr lang="en-CA" sz="900" dirty="0">
+                <a:latin typeface="Courier" pitchFamily="2" charset="0"/>
+                <a:ea typeface="Calibri" panose="020F0502020204030204" pitchFamily="34" charset="0"/>
+                <a:cs typeface="Courier New" panose="02070309020205020404" pitchFamily="49" charset="0"/>
+              </a:rPr>
+              <a:t>    |                    Label(1)                                   |</a:t>
+            </a:r>
+          </a:p>
+          <a:p>
+            <a:pPr>
+              <a:spcAft>
+                <a:spcPts val="0"/>
+              </a:spcAft>
+            </a:pPr>
+            <a:r>
+              <a:rPr lang="en-CA" sz="900" dirty="0">
+                <a:latin typeface="Courier" pitchFamily="2" charset="0"/>
+                <a:ea typeface="Calibri" panose="020F0502020204030204" pitchFamily="34" charset="0"/>
+                <a:cs typeface="Courier New" panose="02070309020205020404" pitchFamily="49" charset="0"/>
+              </a:rPr>
+              <a:t>    .                                                               .</a:t>
+            </a:r>
+          </a:p>
+          <a:p>
+            <a:pPr>
+              <a:spcAft>
+                <a:spcPts val="0"/>
+              </a:spcAft>
+            </a:pPr>
+            <a:r>
+              <a:rPr lang="en-CA" sz="900" dirty="0">
+                <a:latin typeface="Courier" pitchFamily="2" charset="0"/>
+                <a:ea typeface="Calibri" panose="020F0502020204030204" pitchFamily="34" charset="0"/>
+                <a:cs typeface="Courier New" panose="02070309020205020404" pitchFamily="49" charset="0"/>
+              </a:rPr>
+              <a:t>    +-+-+-+-+-+-+-+-+-+-+-+-+-+-+-+-+-+-+-+-+-+-+-+-+-+-+-+-+-+-+-+-+</a:t>
+            </a:r>
+          </a:p>
+          <a:p>
+            <a:pPr>
+              <a:spcAft>
+                <a:spcPts val="0"/>
+              </a:spcAft>
+            </a:pPr>
+            <a:r>
+              <a:rPr lang="en-CA" sz="900" dirty="0">
+                <a:latin typeface="Courier" pitchFamily="2" charset="0"/>
+                <a:ea typeface="Calibri" panose="020F0502020204030204" pitchFamily="34" charset="0"/>
+                <a:cs typeface="Courier New" panose="02070309020205020404" pitchFamily="49" charset="0"/>
+              </a:rPr>
+              <a:t>    .                                                               .</a:t>
+            </a:r>
+          </a:p>
+          <a:p>
+            <a:pPr>
+              <a:spcAft>
+                <a:spcPts val="0"/>
+              </a:spcAft>
+            </a:pPr>
+            <a:r>
+              <a:rPr lang="en-CA" sz="900" dirty="0">
+                <a:latin typeface="Courier" pitchFamily="2" charset="0"/>
+                <a:ea typeface="Calibri" panose="020F0502020204030204" pitchFamily="34" charset="0"/>
+                <a:cs typeface="Courier New" panose="02070309020205020404" pitchFamily="49" charset="0"/>
+              </a:rPr>
+              <a:t>    .                                                               .</a:t>
+            </a:r>
+          </a:p>
+          <a:p>
+            <a:pPr>
+              <a:spcAft>
+                <a:spcPts val="0"/>
+              </a:spcAft>
+            </a:pPr>
+            <a:r>
+              <a:rPr lang="en-CA" sz="900" dirty="0">
+                <a:latin typeface="Courier" pitchFamily="2" charset="0"/>
+                <a:ea typeface="Calibri" panose="020F0502020204030204" pitchFamily="34" charset="0"/>
+                <a:cs typeface="Courier New" panose="02070309020205020404" pitchFamily="49" charset="0"/>
+              </a:rPr>
+              <a:t>    .                                                               .</a:t>
+            </a:r>
+          </a:p>
+          <a:p>
+            <a:pPr>
+              <a:spcAft>
+                <a:spcPts val="0"/>
+              </a:spcAft>
+            </a:pPr>
+            <a:r>
+              <a:rPr lang="en-CA" sz="900" dirty="0">
+                <a:latin typeface="Courier" pitchFamily="2" charset="0"/>
+                <a:ea typeface="Calibri" panose="020F0502020204030204" pitchFamily="34" charset="0"/>
+                <a:cs typeface="Courier New" panose="02070309020205020404" pitchFamily="49" charset="0"/>
+              </a:rPr>
+              <a:t>    +-+-+-+-+-+-+-+-+-+-+-+-+-+-+-+-+-+-+-+-+-+-+-+-+-+-+-+-+-+-+-+-+</a:t>
+            </a:r>
+          </a:p>
+          <a:p>
+            <a:pPr>
+              <a:spcAft>
+                <a:spcPts val="0"/>
+              </a:spcAft>
+            </a:pPr>
+            <a:r>
+              <a:rPr lang="en-CA" sz="900" dirty="0">
+                <a:latin typeface="Courier" pitchFamily="2" charset="0"/>
+                <a:ea typeface="Calibri" panose="020F0502020204030204" pitchFamily="34" charset="0"/>
+                <a:cs typeface="Courier New" panose="02070309020205020404" pitchFamily="49" charset="0"/>
+              </a:rPr>
+              <a:t>    |                    Label(n)                                   |</a:t>
+            </a:r>
+          </a:p>
+          <a:p>
+            <a:pPr>
+              <a:spcAft>
+                <a:spcPts val="0"/>
+              </a:spcAft>
+            </a:pPr>
+            <a:r>
+              <a:rPr lang="en-CA" sz="900" dirty="0">
+                <a:latin typeface="Courier" pitchFamily="2" charset="0"/>
+                <a:ea typeface="Calibri" panose="020F0502020204030204" pitchFamily="34" charset="0"/>
+                <a:cs typeface="Courier New" panose="02070309020205020404" pitchFamily="49" charset="0"/>
+              </a:rPr>
+              <a:t>    .                                                               .</a:t>
+            </a:r>
+          </a:p>
+          <a:p>
+            <a:pPr>
+              <a:spcAft>
+                <a:spcPts val="0"/>
+              </a:spcAft>
+            </a:pPr>
+            <a:r>
+              <a:rPr lang="en-CA" sz="900" dirty="0">
+                <a:latin typeface="Courier" pitchFamily="2" charset="0"/>
+                <a:ea typeface="Calibri" panose="020F0502020204030204" pitchFamily="34" charset="0"/>
+                <a:cs typeface="Courier New" panose="02070309020205020404" pitchFamily="49" charset="0"/>
+              </a:rPr>
+              <a:t>    +-+-+-+-+-+-+-+-+-+-+-+-+-+-+-+-+-+-+-+-+-+-+-+-+-+-+-+-+-+-+-+-+</a:t>
+            </a:r>
+          </a:p>
+          <a:p>
+            <a:pPr>
+              <a:spcAft>
+                <a:spcPts val="0"/>
+              </a:spcAft>
+            </a:pPr>
+            <a:r>
+              <a:rPr lang="en-CA" sz="900" dirty="0">
+                <a:latin typeface="Courier" pitchFamily="2" charset="0"/>
+                <a:ea typeface="Calibri" panose="020F0502020204030204" pitchFamily="34" charset="0"/>
+                <a:cs typeface="Courier New" panose="02070309020205020404" pitchFamily="49" charset="0"/>
+              </a:rPr>
+              <a:t> </a:t>
+            </a:r>
+          </a:p>
+          <a:p>
+            <a:pPr>
+              <a:spcAft>
+                <a:spcPts val="0"/>
+              </a:spcAft>
+            </a:pPr>
+            <a:r>
+              <a:rPr lang="en-CA" sz="900" dirty="0">
+                <a:latin typeface="Courier" pitchFamily="2" charset="0"/>
+                <a:ea typeface="Calibri" panose="020F0502020204030204" pitchFamily="34" charset="0"/>
+                <a:cs typeface="Courier New" panose="02070309020205020404" pitchFamily="49" charset="0"/>
+              </a:rPr>
+              <a:t>           Figure: Segment List Sub-TLV in Return Path TLV</a:t>
+            </a:r>
+            <a:endParaRPr lang="en-CA" sz="900" dirty="0">
+              <a:latin typeface="Courier" pitchFamily="2" charset="0"/>
+              <a:cs typeface="Courier New" panose="02070309020205020404" pitchFamily="49" charset="0"/>
+            </a:endParaRPr>
+          </a:p>
+        </p:txBody>
+      </p:sp>
+    </p:spTree>
+    <p:extLst>
+      <p:ext uri="{BB962C8B-B14F-4D97-AF65-F5344CB8AC3E}">
+        <p14:creationId xmlns:p14="http://schemas.microsoft.com/office/powerpoint/2010/main" val="1992549758"/>
+      </p:ext>
+    </p:extLst>
+  </p:cSld>
+  <p:clrMapOvr>
+    <a:masterClrMapping/>
+  </p:clrMapOvr>
+</p:sld>
+</file>
+
+<file path=ppt/slides/slide13.xml><?xml version="1.0" encoding="utf-8"?>
+<p:sld xmlns:a="http://schemas.openxmlformats.org/drawingml/2006/main" xmlns:r="http://schemas.openxmlformats.org/officeDocument/2006/relationships" xmlns:p="http://schemas.openxmlformats.org/presentationml/2006/main">
+  <p:cSld>
+    <p:spTree>
+      <p:nvGrpSpPr>
+        <p:cNvPr id="1" name=""/>
+        <p:cNvGrpSpPr/>
+        <p:nvPr/>
+      </p:nvGrpSpPr>
+      <p:grpSpPr>
+        <a:xfrm>
+          <a:off x="0" y="0"/>
+          <a:ext cx="0" cy="0"/>
+          <a:chOff x="0" y="0"/>
+          <a:chExt cx="0" cy="0"/>
+        </a:xfrm>
+      </p:grpSpPr>
+      <p:sp>
+        <p:nvSpPr>
+          <p:cNvPr id="2" name="Title 1">
+            <a:extLst>
+              <a:ext uri="{FF2B5EF4-FFF2-40B4-BE49-F238E27FC236}">
+                <a16:creationId xmlns:a16="http://schemas.microsoft.com/office/drawing/2014/main" id="{C03D8875-E35B-1A40-A197-42EBEA9AE483}"/>
+              </a:ext>
+            </a:extLst>
+          </p:cNvPr>
+          <p:cNvSpPr>
+            <a:spLocks noGrp="1"/>
+          </p:cNvSpPr>
+          <p:nvPr>
+            <p:ph type="title"/>
+          </p:nvPr>
+        </p:nvSpPr>
+        <p:spPr>
+          <a:xfrm>
+            <a:off x="152400" y="34621"/>
+            <a:ext cx="8534400" cy="857250"/>
+          </a:xfrm>
+        </p:spPr>
+        <p:txBody>
+          <a:bodyPr/>
+          <a:lstStyle/>
+          <a:p>
+            <a:r>
+              <a:rPr lang="en-US" sz="3600" dirty="0">
+                <a:solidFill>
+                  <a:srgbClr val="0070C0"/>
+                </a:solidFill>
+                <a:latin typeface="Calibri Light" panose="020F0302020204030204" pitchFamily="34" charset="0"/>
+                <a:cs typeface="Calibri Light" panose="020F0302020204030204" pitchFamily="34" charset="0"/>
+              </a:rPr>
+              <a:t>Destination Address TLV (Type 129) Handling</a:t>
+            </a:r>
+            <a:endParaRPr lang="en-US" sz="3600" dirty="0"/>
+          </a:p>
+        </p:txBody>
+      </p:sp>
+      <p:sp>
+        <p:nvSpPr>
+          <p:cNvPr id="3" name="Content Placeholder 2">
+            <a:extLst>
+              <a:ext uri="{FF2B5EF4-FFF2-40B4-BE49-F238E27FC236}">
+                <a16:creationId xmlns:a16="http://schemas.microsoft.com/office/drawing/2014/main" id="{AAD5DA16-7688-E349-A626-DAB858F3A554}"/>
+              </a:ext>
+            </a:extLst>
+          </p:cNvPr>
+          <p:cNvSpPr>
+            <a:spLocks noGrp="1"/>
+          </p:cNvSpPr>
+          <p:nvPr>
+            <p:ph idx="1"/>
+          </p:nvPr>
+        </p:nvSpPr>
+        <p:spPr>
+          <a:xfrm>
+            <a:off x="457200" y="1123950"/>
+            <a:ext cx="8229600" cy="2666999"/>
+          </a:xfrm>
+        </p:spPr>
+        <p:txBody>
+          <a:bodyPr/>
+          <a:lstStyle/>
+          <a:p>
+            <a:pPr>
+              <a:lnSpc>
+                <a:spcPts val="2460"/>
+              </a:lnSpc>
+              <a:spcBef>
+                <a:spcPts val="600"/>
+              </a:spcBef>
+            </a:pPr>
+            <a:r>
+              <a:rPr lang="en-US" sz="2000" dirty="0">
+                <a:latin typeface="Calibri" panose="020F0502020204030204" pitchFamily="34" charset="0"/>
+                <a:cs typeface="Calibri" panose="020F0502020204030204" pitchFamily="34" charset="0"/>
+              </a:rPr>
+              <a:t>To ensure that the probe query message is processed by the intended responder node, Destination Address TLV [RFC6374] can be sent in the probe query message.  </a:t>
+            </a:r>
+          </a:p>
+          <a:p>
+            <a:pPr>
+              <a:lnSpc>
+                <a:spcPts val="2460"/>
+              </a:lnSpc>
+              <a:spcBef>
+                <a:spcPts val="600"/>
+              </a:spcBef>
+            </a:pPr>
+            <a:r>
+              <a:rPr lang="en-US" sz="2000" dirty="0">
+                <a:latin typeface="Calibri" panose="020F0502020204030204" pitchFamily="34" charset="0"/>
+                <a:cs typeface="Calibri" panose="020F0502020204030204" pitchFamily="34" charset="0"/>
+              </a:rPr>
+              <a:t>The responder node only replies with Success in Control Code if it is the intended destination for the probe query.</a:t>
+            </a:r>
+          </a:p>
+          <a:p>
+            <a:pPr>
+              <a:lnSpc>
+                <a:spcPts val="2460"/>
+              </a:lnSpc>
+              <a:spcBef>
+                <a:spcPts val="600"/>
+              </a:spcBef>
+            </a:pPr>
+            <a:r>
+              <a:rPr lang="en-US" sz="2000" dirty="0">
+                <a:latin typeface="Calibri" panose="020F0502020204030204" pitchFamily="34" charset="0"/>
+                <a:cs typeface="Calibri" panose="020F0502020204030204" pitchFamily="34" charset="0"/>
+              </a:rPr>
+              <a:t>Otherwise, it MUST return 0x15: Error - Invalid Destination Node Identifier.</a:t>
+            </a:r>
+          </a:p>
+          <a:p>
+            <a:pPr>
+              <a:lnSpc>
+                <a:spcPts val="2460"/>
+              </a:lnSpc>
+              <a:spcBef>
+                <a:spcPts val="600"/>
+              </a:spcBef>
+            </a:pPr>
+            <a:endParaRPr lang="en-US" sz="2000" dirty="0">
+              <a:latin typeface="Calibri" panose="020F0502020204030204" pitchFamily="34" charset="0"/>
+              <a:cs typeface="Calibri" panose="020F0502020204030204" pitchFamily="34" charset="0"/>
+            </a:endParaRPr>
+          </a:p>
+        </p:txBody>
+      </p:sp>
+      <p:sp>
+        <p:nvSpPr>
+          <p:cNvPr id="4" name="Footer Placeholder 3">
+            <a:extLst>
+              <a:ext uri="{FF2B5EF4-FFF2-40B4-BE49-F238E27FC236}">
+                <a16:creationId xmlns:a16="http://schemas.microsoft.com/office/drawing/2014/main" id="{2E78017C-D609-6248-A3A7-96803D52C893}"/>
+              </a:ext>
+            </a:extLst>
+          </p:cNvPr>
+          <p:cNvSpPr>
+            <a:spLocks noGrp="1"/>
+          </p:cNvSpPr>
+          <p:nvPr>
+            <p:ph type="ftr" sz="quarter" idx="11"/>
+          </p:nvPr>
+        </p:nvSpPr>
+        <p:spPr>
+          <a:xfrm>
+            <a:off x="3124200" y="4772170"/>
+            <a:ext cx="2895600" cy="357188"/>
+          </a:xfrm>
+        </p:spPr>
+        <p:txBody>
+          <a:bodyPr/>
+          <a:lstStyle/>
+          <a:p>
+            <a:pPr>
+              <a:defRPr/>
+            </a:pPr>
+            <a:r>
+              <a:rPr lang="en-US" altLang="zh-CN" dirty="0"/>
+              <a:t>108</a:t>
+            </a:r>
+            <a:r>
+              <a:rPr lang="en-US" altLang="zh-CN" baseline="30000" dirty="0"/>
+              <a:t>th</a:t>
+            </a:r>
+            <a:r>
+              <a:rPr lang="en-US" altLang="zh-CN" dirty="0"/>
+              <a:t> IETF @ Madrid</a:t>
+            </a:r>
+          </a:p>
+        </p:txBody>
+      </p:sp>
+      <p:sp>
+        <p:nvSpPr>
+          <p:cNvPr id="5" name="Slide Number Placeholder 4">
+            <a:extLst>
+              <a:ext uri="{FF2B5EF4-FFF2-40B4-BE49-F238E27FC236}">
+                <a16:creationId xmlns:a16="http://schemas.microsoft.com/office/drawing/2014/main" id="{28761364-BCAD-394F-B301-A41AE19B26D3}"/>
+              </a:ext>
+            </a:extLst>
+          </p:cNvPr>
+          <p:cNvSpPr>
+            <a:spLocks noGrp="1"/>
+          </p:cNvSpPr>
+          <p:nvPr>
+            <p:ph type="sldNum" sz="quarter" idx="12"/>
+          </p:nvPr>
+        </p:nvSpPr>
+        <p:spPr/>
+        <p:txBody>
+          <a:bodyPr/>
+          <a:lstStyle/>
+          <a:p>
+            <a:pPr>
+              <a:defRPr/>
+            </a:pPr>
+            <a:fld id="{BD6E0F59-1DD8-40FC-9C92-B6295CBA6CCA}" type="slidenum">
+              <a:rPr lang="en-US" altLang="zh-CN" smtClean="0"/>
+              <a:pPr>
+                <a:defRPr/>
+              </a:pPr>
+              <a:t>13</a:t>
+            </a:fld>
+            <a:endParaRPr lang="en-US" altLang="zh-CN"/>
+          </a:p>
+        </p:txBody>
+      </p:sp>
+    </p:spTree>
+    <p:extLst>
+      <p:ext uri="{BB962C8B-B14F-4D97-AF65-F5344CB8AC3E}">
+        <p14:creationId xmlns:p14="http://schemas.microsoft.com/office/powerpoint/2010/main" val="3563827989"/>
+      </p:ext>
+    </p:extLst>
+  </p:cSld>
+  <p:clrMapOvr>
+    <a:masterClrMapping/>
+  </p:clrMapOvr>
+</p:sld>
+</file>
+
+<file path=ppt/slides/slide14.xml><?xml version="1.0" encoding="utf-8"?>
+<p:sld xmlns:a="http://schemas.openxmlformats.org/drawingml/2006/main" xmlns:r="http://schemas.openxmlformats.org/officeDocument/2006/relationships" xmlns:p="http://schemas.openxmlformats.org/presentationml/2006/main">
+  <p:cSld>
+    <p:spTree>
+      <p:nvGrpSpPr>
+        <p:cNvPr id="1" name=""/>
+        <p:cNvGrpSpPr/>
+        <p:nvPr/>
+      </p:nvGrpSpPr>
+      <p:grpSpPr>
+        <a:xfrm>
+          <a:off x="0" y="0"/>
+          <a:ext cx="0" cy="0"/>
+          <a:chOff x="0" y="0"/>
+          <a:chExt cx="0" cy="0"/>
+        </a:xfrm>
+      </p:grpSpPr>
+      <p:sp>
+        <p:nvSpPr>
           <p:cNvPr id="4" name="Footer Placeholder 3"/>
           <p:cNvSpPr>
             <a:spLocks noGrp="1"/>
@@ -6060,9 +7742,1041 @@
           <a:bodyPr/>
           <a:lstStyle/>
           <a:p>
-            <a:r>
-              <a:rPr lang="en-CA" dirty="0"/>
-              <a:t>IETF MPLS WG Interim – April 2020 </a:t>
+            <a:pPr>
+              <a:defRPr/>
+            </a:pPr>
+            <a:r>
+              <a:rPr lang="en-US" altLang="zh-CN" dirty="0"/>
+              <a:t>108</a:t>
+            </a:r>
+            <a:r>
+              <a:rPr lang="en-US" altLang="zh-CN" baseline="30000" dirty="0"/>
+              <a:t>th</a:t>
+            </a:r>
+            <a:r>
+              <a:rPr lang="en-US" altLang="zh-CN" dirty="0"/>
+              <a:t> IETF @ Madrid</a:t>
+            </a:r>
+          </a:p>
+        </p:txBody>
+      </p:sp>
+      <p:sp>
+        <p:nvSpPr>
+          <p:cNvPr id="2" name="Slide Number Placeholder 1"/>
+          <p:cNvSpPr>
+            <a:spLocks noGrp="1"/>
+          </p:cNvSpPr>
+          <p:nvPr>
+            <p:ph type="sldNum" sz="quarter" idx="12"/>
+          </p:nvPr>
+        </p:nvSpPr>
+        <p:spPr/>
+        <p:txBody>
+          <a:bodyPr/>
+          <a:lstStyle/>
+          <a:p>
+            <a:pPr>
+              <a:defRPr/>
+            </a:pPr>
+            <a:fld id="{BD6E0F59-1DD8-40FC-9C92-B6295CBA6CCA}" type="slidenum">
+              <a:rPr lang="en-US" altLang="zh-CN" smtClean="0"/>
+              <a:pPr>
+                <a:defRPr/>
+              </a:pPr>
+              <a:t>14</a:t>
+            </a:fld>
+            <a:endParaRPr lang="en-US" altLang="zh-CN"/>
+          </a:p>
+        </p:txBody>
+      </p:sp>
+      <p:sp>
+        <p:nvSpPr>
+          <p:cNvPr id="3" name="Rectangle 2">
+            <a:extLst>
+              <a:ext uri="{FF2B5EF4-FFF2-40B4-BE49-F238E27FC236}">
+                <a16:creationId xmlns:a16="http://schemas.microsoft.com/office/drawing/2014/main" id="{F6C70268-634F-470C-8DFE-DEA87DC6C54D}"/>
+              </a:ext>
+            </a:extLst>
+          </p:cNvPr>
+          <p:cNvSpPr/>
+          <p:nvPr/>
+        </p:nvSpPr>
+        <p:spPr>
+          <a:xfrm>
+            <a:off x="685800" y="958004"/>
+            <a:ext cx="7772400" cy="1600438"/>
+          </a:xfrm>
+          <a:prstGeom prst="rect">
+            <a:avLst/>
+          </a:prstGeom>
+          <a:solidFill>
+            <a:schemeClr val="bg1">
+              <a:lumMod val="95000"/>
+            </a:schemeClr>
+          </a:solidFill>
+        </p:spPr>
+        <p:txBody>
+          <a:bodyPr wrap="square">
+            <a:spAutoFit/>
+          </a:bodyPr>
+          <a:lstStyle/>
+          <a:p>
+            <a:pPr>
+              <a:spcAft>
+                <a:spcPts val="0"/>
+              </a:spcAft>
+            </a:pPr>
+            <a:r>
+              <a:rPr lang="en-CA" sz="1400" dirty="0">
+                <a:latin typeface="Courier" pitchFamily="2" charset="0"/>
+                <a:ea typeface="Calibri" panose="020F0502020204030204" pitchFamily="34" charset="0"/>
+                <a:cs typeface="Courier New" panose="02070309020205020404" pitchFamily="49" charset="0"/>
+              </a:rPr>
+              <a:t>   </a:t>
+            </a:r>
+            <a:r>
+              <a:rPr lang="en-CA" sz="1400" dirty="0">
+                <a:latin typeface="Courier" pitchFamily="2" charset="0"/>
+                <a:ea typeface="Calibri" panose="020F0502020204030204" pitchFamily="34" charset="0"/>
+                <a:cs typeface="Times New Roman" panose="02020603050405020304" pitchFamily="18" charset="0"/>
+              </a:rPr>
+              <a:t> 0                   1                   2                   3</a:t>
+            </a:r>
+          </a:p>
+          <a:p>
+            <a:pPr>
+              <a:spcAft>
+                <a:spcPts val="0"/>
+              </a:spcAft>
+            </a:pPr>
+            <a:r>
+              <a:rPr lang="en-CA" sz="1400" dirty="0">
+                <a:latin typeface="Courier" pitchFamily="2" charset="0"/>
+                <a:ea typeface="Calibri" panose="020F0502020204030204" pitchFamily="34" charset="0"/>
+                <a:cs typeface="Times New Roman" panose="02020603050405020304" pitchFamily="18" charset="0"/>
+              </a:rPr>
+              <a:t>    0 1 2 3 4 5 6 7 8 9 0 1 2 3 4 5 6 7 8 9 0 1 2 3 4 5 6 7 8 9 0 1</a:t>
+            </a:r>
+          </a:p>
+          <a:p>
+            <a:pPr>
+              <a:spcAft>
+                <a:spcPts val="0"/>
+              </a:spcAft>
+            </a:pPr>
+            <a:r>
+              <a:rPr lang="en-CA" sz="1400" dirty="0">
+                <a:latin typeface="Courier" pitchFamily="2" charset="0"/>
+                <a:ea typeface="Calibri" panose="020F0502020204030204" pitchFamily="34" charset="0"/>
+                <a:cs typeface="Times New Roman" panose="02020603050405020304" pitchFamily="18" charset="0"/>
+              </a:rPr>
+              <a:t>    +-+-+-+-+-+-+-+-+-+-+-+-+-+-+-+-+-+-+-+-+-+-+-+-+-+-+-+-+-+-+-+-+</a:t>
+            </a:r>
+          </a:p>
+          <a:p>
+            <a:pPr>
+              <a:spcAft>
+                <a:spcPts val="0"/>
+              </a:spcAft>
+            </a:pPr>
+            <a:r>
+              <a:rPr lang="en-CA" sz="1400" dirty="0">
+                <a:latin typeface="Courier" pitchFamily="2" charset="0"/>
+                <a:ea typeface="Calibri" panose="020F0502020204030204" pitchFamily="34" charset="0"/>
+                <a:cs typeface="Times New Roman" panose="02020603050405020304" pitchFamily="18" charset="0"/>
+              </a:rPr>
+              <a:t>    |  Type = TBA2  |    Length     | Reserved      | Block Number  |</a:t>
+            </a:r>
+          </a:p>
+          <a:p>
+            <a:pPr>
+              <a:spcAft>
+                <a:spcPts val="0"/>
+              </a:spcAft>
+            </a:pPr>
+            <a:r>
+              <a:rPr lang="en-CA" sz="1400" dirty="0">
+                <a:latin typeface="Courier" pitchFamily="2" charset="0"/>
+                <a:ea typeface="Calibri" panose="020F0502020204030204" pitchFamily="34" charset="0"/>
+                <a:cs typeface="Times New Roman" panose="02020603050405020304" pitchFamily="18" charset="0"/>
+              </a:rPr>
+              <a:t>    +-+-+-+-+-+-+-+-+-+-+-+-+-+-+-+-+-+-+-+-+-+-+-+-+-+-+-+-+-+-+-+-+  </a:t>
+            </a:r>
+          </a:p>
+          <a:p>
+            <a:pPr>
+              <a:spcAft>
+                <a:spcPts val="0"/>
+              </a:spcAft>
+            </a:pPr>
+            <a:r>
+              <a:rPr lang="en-CA" sz="1400" dirty="0">
+                <a:latin typeface="Courier" pitchFamily="2" charset="0"/>
+                <a:ea typeface="Calibri" panose="020F0502020204030204" pitchFamily="34" charset="0"/>
+                <a:cs typeface="Times New Roman" panose="02020603050405020304" pitchFamily="18" charset="0"/>
+              </a:rPr>
+              <a:t>                    </a:t>
+            </a:r>
+          </a:p>
+          <a:p>
+            <a:pPr>
+              <a:spcAft>
+                <a:spcPts val="0"/>
+              </a:spcAft>
+            </a:pPr>
+            <a:r>
+              <a:rPr lang="en-CA" sz="1400" dirty="0">
+                <a:latin typeface="Courier" pitchFamily="2" charset="0"/>
+                <a:ea typeface="Calibri" panose="020F0502020204030204" pitchFamily="34" charset="0"/>
+                <a:cs typeface="Times New Roman" panose="02020603050405020304" pitchFamily="18" charset="0"/>
+              </a:rPr>
+              <a:t>                       Figure: Block Number TLV</a:t>
+            </a:r>
+            <a:endParaRPr lang="en-CA" sz="1400" dirty="0">
+              <a:latin typeface="Courier" pitchFamily="2" charset="0"/>
+              <a:cs typeface="Courier New" panose="02070309020205020404" pitchFamily="49" charset="0"/>
+            </a:endParaRPr>
+          </a:p>
+        </p:txBody>
+      </p:sp>
+      <p:sp>
+        <p:nvSpPr>
+          <p:cNvPr id="6" name="Title 1">
+            <a:extLst>
+              <a:ext uri="{FF2B5EF4-FFF2-40B4-BE49-F238E27FC236}">
+                <a16:creationId xmlns:a16="http://schemas.microsoft.com/office/drawing/2014/main" id="{DB06EA39-A9DB-46A1-A4BB-54CBE90776C1}"/>
+              </a:ext>
+            </a:extLst>
+          </p:cNvPr>
+          <p:cNvSpPr>
+            <a:spLocks noGrp="1"/>
+          </p:cNvSpPr>
+          <p:nvPr>
+            <p:ph type="title"/>
+          </p:nvPr>
+        </p:nvSpPr>
+        <p:spPr>
+          <a:xfrm>
+            <a:off x="421419" y="29902"/>
+            <a:ext cx="8229600" cy="857250"/>
+          </a:xfrm>
+        </p:spPr>
+        <p:txBody>
+          <a:bodyPr/>
+          <a:lstStyle/>
+          <a:p>
+            <a:r>
+              <a:rPr lang="en-US" sz="3600" dirty="0">
+                <a:solidFill>
+                  <a:srgbClr val="0070C0"/>
+                </a:solidFill>
+                <a:latin typeface="Calibri Light" panose="020F0302020204030204" pitchFamily="34" charset="0"/>
+                <a:cs typeface="Calibri Light" panose="020F0302020204030204" pitchFamily="34" charset="0"/>
+              </a:rPr>
+              <a:t>Block Number TLV for Loss Measurement</a:t>
+            </a:r>
+          </a:p>
+        </p:txBody>
+      </p:sp>
+      <p:sp>
+        <p:nvSpPr>
+          <p:cNvPr id="7" name="Rectangle 6">
+            <a:extLst>
+              <a:ext uri="{FF2B5EF4-FFF2-40B4-BE49-F238E27FC236}">
+                <a16:creationId xmlns:a16="http://schemas.microsoft.com/office/drawing/2014/main" id="{A6585BB8-1D69-7546-8C41-35193C3A9708}"/>
+              </a:ext>
+            </a:extLst>
+          </p:cNvPr>
+          <p:cNvSpPr/>
+          <p:nvPr/>
+        </p:nvSpPr>
+        <p:spPr>
+          <a:xfrm>
+            <a:off x="609600" y="2803062"/>
+            <a:ext cx="8229600" cy="1815882"/>
+          </a:xfrm>
+          <a:prstGeom prst="rect">
+            <a:avLst/>
+          </a:prstGeom>
+          <a:ln>
+            <a:noFill/>
+          </a:ln>
+        </p:spPr>
+        <p:txBody>
+          <a:bodyPr wrap="square">
+            <a:spAutoFit/>
+          </a:bodyPr>
+          <a:lstStyle/>
+          <a:p>
+            <a:pPr marL="285750" indent="-285750">
+              <a:buFont typeface="Arial" panose="020B0604020202020204" pitchFamily="34" charset="0"/>
+              <a:buChar char="•"/>
+            </a:pPr>
+            <a:r>
+              <a:rPr lang="en-US" sz="1600" dirty="0">
+                <a:solidFill>
+                  <a:schemeClr val="tx2"/>
+                </a:solidFill>
+                <a:latin typeface="Calibri" panose="020F0502020204030204" pitchFamily="34" charset="0"/>
+                <a:cs typeface="Calibri" panose="020F0502020204030204" pitchFamily="34" charset="0"/>
+              </a:rPr>
+              <a:t>Carry the Block Number (8-bit) of the traffic counters in the probe query and response messages for loss measurement</a:t>
+            </a:r>
+          </a:p>
+          <a:p>
+            <a:pPr marL="285750" indent="-285750">
+              <a:buFont typeface="Arial" panose="020B0604020202020204" pitchFamily="34" charset="0"/>
+              <a:buChar char="•"/>
+            </a:pPr>
+            <a:r>
+              <a:rPr lang="en-US" sz="1600" b="1" dirty="0">
+                <a:solidFill>
+                  <a:schemeClr val="tx2"/>
+                </a:solidFill>
+                <a:latin typeface="Calibri" panose="020F0502020204030204" pitchFamily="34" charset="0"/>
+                <a:cs typeface="Calibri" panose="020F0502020204030204" pitchFamily="34" charset="0"/>
+              </a:rPr>
+              <a:t>Correlate</a:t>
+            </a:r>
+            <a:r>
+              <a:rPr lang="en-US" sz="1600" dirty="0">
+                <a:solidFill>
+                  <a:schemeClr val="tx2"/>
+                </a:solidFill>
+                <a:latin typeface="Calibri" panose="020F0502020204030204" pitchFamily="34" charset="0"/>
+                <a:cs typeface="Calibri" panose="020F0502020204030204" pitchFamily="34" charset="0"/>
+              </a:rPr>
+              <a:t> PM data (e.g. counters) from both endpoints</a:t>
+            </a:r>
+          </a:p>
+          <a:p>
+            <a:pPr marL="285750" indent="-285750">
+              <a:buFont typeface="Arial" panose="020B0604020202020204" pitchFamily="34" charset="0"/>
+              <a:buChar char="•"/>
+            </a:pPr>
+            <a:r>
+              <a:rPr lang="en-US" sz="1600" b="1" dirty="0">
+                <a:solidFill>
+                  <a:schemeClr val="tx2"/>
+                </a:solidFill>
+                <a:latin typeface="Calibri" panose="020F0502020204030204" pitchFamily="34" charset="0"/>
+                <a:cs typeface="Calibri" panose="020F0502020204030204" pitchFamily="34" charset="0"/>
+              </a:rPr>
+              <a:t>Aggregate</a:t>
+            </a:r>
+            <a:r>
+              <a:rPr lang="en-US" sz="1600" dirty="0">
+                <a:solidFill>
+                  <a:schemeClr val="tx2"/>
+                </a:solidFill>
+                <a:latin typeface="Calibri" panose="020F0502020204030204" pitchFamily="34" charset="0"/>
+                <a:cs typeface="Calibri" panose="020F0502020204030204" pitchFamily="34" charset="0"/>
+              </a:rPr>
+              <a:t> PM data collected in data plane</a:t>
+            </a:r>
+          </a:p>
+          <a:p>
+            <a:pPr marL="285750" indent="-285750">
+              <a:buFont typeface="Arial" panose="020B0604020202020204" pitchFamily="34" charset="0"/>
+              <a:buChar char="•"/>
+            </a:pPr>
+            <a:r>
+              <a:rPr lang="en-US" sz="1600" b="1" dirty="0">
+                <a:solidFill>
+                  <a:schemeClr val="tx2"/>
+                </a:solidFill>
+                <a:latin typeface="Calibri" panose="020F0502020204030204" pitchFamily="34" charset="0"/>
+                <a:cs typeface="Calibri" panose="020F0502020204030204" pitchFamily="34" charset="0"/>
+              </a:rPr>
+              <a:t>TLV is mandatory when carried in a probe query message and if responder does not support, it MUST return </a:t>
+            </a:r>
+          </a:p>
+          <a:p>
+            <a:pPr marL="742950" lvl="1" indent="-285750">
+              <a:buFont typeface="Arial" panose="020B0604020202020204" pitchFamily="34" charset="0"/>
+              <a:buChar char="•"/>
+            </a:pPr>
+            <a:r>
+              <a:rPr lang="en-US" sz="1600" b="1" dirty="0">
+                <a:solidFill>
+                  <a:schemeClr val="tx2"/>
+                </a:solidFill>
+                <a:latin typeface="Calibri" panose="020F0502020204030204" pitchFamily="34" charset="0"/>
+                <a:cs typeface="Calibri" panose="020F0502020204030204" pitchFamily="34" charset="0"/>
+              </a:rPr>
+              <a:t>Error </a:t>
+            </a:r>
+            <a:r>
+              <a:rPr lang="en-CA" sz="1600" b="1" dirty="0">
+                <a:solidFill>
+                  <a:schemeClr val="tx2"/>
+                </a:solidFill>
+                <a:latin typeface="Calibri" panose="020F0502020204030204" pitchFamily="34" charset="0"/>
+                <a:cs typeface="Calibri" panose="020F0502020204030204" pitchFamily="34" charset="0"/>
+              </a:rPr>
+              <a:t>0x17: Unsupported Mandatory TLV Object</a:t>
+            </a:r>
+            <a:endParaRPr lang="en-US" sz="1600" b="1" dirty="0">
+              <a:solidFill>
+                <a:schemeClr val="tx2"/>
+              </a:solidFill>
+              <a:latin typeface="Calibri" panose="020F0502020204030204" pitchFamily="34" charset="0"/>
+              <a:cs typeface="Calibri" panose="020F0502020204030204" pitchFamily="34" charset="0"/>
+            </a:endParaRPr>
+          </a:p>
+        </p:txBody>
+      </p:sp>
+    </p:spTree>
+    <p:extLst>
+      <p:ext uri="{BB962C8B-B14F-4D97-AF65-F5344CB8AC3E}">
+        <p14:creationId xmlns:p14="http://schemas.microsoft.com/office/powerpoint/2010/main" val="2969179"/>
+      </p:ext>
+    </p:extLst>
+  </p:cSld>
+  <p:clrMapOvr>
+    <a:masterClrMapping/>
+  </p:clrMapOvr>
+</p:sld>
+</file>
+
+<file path=ppt/slides/slide15.xml><?xml version="1.0" encoding="utf-8"?>
+<p:sld xmlns:a="http://schemas.openxmlformats.org/drawingml/2006/main" xmlns:r="http://schemas.openxmlformats.org/officeDocument/2006/relationships" xmlns:p="http://schemas.openxmlformats.org/presentationml/2006/main">
+  <p:cSld>
+    <p:spTree>
+      <p:nvGrpSpPr>
+        <p:cNvPr id="1" name=""/>
+        <p:cNvGrpSpPr/>
+        <p:nvPr/>
+      </p:nvGrpSpPr>
+      <p:grpSpPr>
+        <a:xfrm>
+          <a:off x="0" y="0"/>
+          <a:ext cx="0" cy="0"/>
+          <a:chOff x="0" y="0"/>
+          <a:chExt cx="0" cy="0"/>
+        </a:xfrm>
+      </p:grpSpPr>
+      <p:sp>
+        <p:nvSpPr>
+          <p:cNvPr id="4" name="Footer Placeholder 3"/>
+          <p:cNvSpPr>
+            <a:spLocks noGrp="1"/>
+          </p:cNvSpPr>
+          <p:nvPr>
+            <p:ph type="ftr" sz="quarter" idx="11"/>
+          </p:nvPr>
+        </p:nvSpPr>
+        <p:spPr>
+          <a:xfrm>
+            <a:off x="3276600" y="4805362"/>
+            <a:ext cx="2895600" cy="357188"/>
+          </a:xfrm>
+        </p:spPr>
+        <p:txBody>
+          <a:bodyPr/>
+          <a:lstStyle/>
+          <a:p>
+            <a:pPr>
+              <a:defRPr/>
+            </a:pPr>
+            <a:r>
+              <a:rPr lang="en-US" altLang="zh-CN" dirty="0"/>
+              <a:t>108</a:t>
+            </a:r>
+            <a:r>
+              <a:rPr lang="en-US" altLang="zh-CN" baseline="30000" dirty="0"/>
+              <a:t>th</a:t>
+            </a:r>
+            <a:r>
+              <a:rPr lang="en-US" altLang="zh-CN" dirty="0"/>
+              <a:t> IETF @ Madrid</a:t>
+            </a:r>
+          </a:p>
+        </p:txBody>
+      </p:sp>
+      <p:sp>
+        <p:nvSpPr>
+          <p:cNvPr id="2" name="Slide Number Placeholder 1"/>
+          <p:cNvSpPr>
+            <a:spLocks noGrp="1"/>
+          </p:cNvSpPr>
+          <p:nvPr>
+            <p:ph type="sldNum" sz="quarter" idx="12"/>
+          </p:nvPr>
+        </p:nvSpPr>
+        <p:spPr/>
+        <p:txBody>
+          <a:bodyPr/>
+          <a:lstStyle/>
+          <a:p>
+            <a:pPr>
+              <a:defRPr/>
+            </a:pPr>
+            <a:fld id="{BD6E0F59-1DD8-40FC-9C92-B6295CBA6CCA}" type="slidenum">
+              <a:rPr lang="en-US" altLang="zh-CN" smtClean="0"/>
+              <a:pPr>
+                <a:defRPr/>
+              </a:pPr>
+              <a:t>15</a:t>
+            </a:fld>
+            <a:endParaRPr lang="en-US" altLang="zh-CN"/>
+          </a:p>
+        </p:txBody>
+      </p:sp>
+      <p:sp>
+        <p:nvSpPr>
+          <p:cNvPr id="3" name="Rectangle 2">
+            <a:extLst>
+              <a:ext uri="{FF2B5EF4-FFF2-40B4-BE49-F238E27FC236}">
+                <a16:creationId xmlns:a16="http://schemas.microsoft.com/office/drawing/2014/main" id="{F6C70268-634F-470C-8DFE-DEA87DC6C54D}"/>
+              </a:ext>
+            </a:extLst>
+          </p:cNvPr>
+          <p:cNvSpPr/>
+          <p:nvPr/>
+        </p:nvSpPr>
+        <p:spPr>
+          <a:xfrm>
+            <a:off x="1181100" y="857876"/>
+            <a:ext cx="6819900" cy="2123658"/>
+          </a:xfrm>
+          <a:prstGeom prst="rect">
+            <a:avLst/>
+          </a:prstGeom>
+          <a:solidFill>
+            <a:schemeClr val="bg1">
+              <a:lumMod val="95000"/>
+            </a:schemeClr>
+          </a:solidFill>
+        </p:spPr>
+        <p:txBody>
+          <a:bodyPr wrap="square">
+            <a:spAutoFit/>
+          </a:bodyPr>
+          <a:lstStyle/>
+          <a:p>
+            <a:r>
+              <a:rPr lang="en-CA" sz="1200" dirty="0">
+                <a:latin typeface="Courier" pitchFamily="2" charset="0"/>
+              </a:rPr>
+              <a:t>    0                   1                   2                   3</a:t>
+            </a:r>
+          </a:p>
+          <a:p>
+            <a:r>
+              <a:rPr lang="en-CA" sz="1200" dirty="0">
+                <a:latin typeface="Courier" pitchFamily="2" charset="0"/>
+              </a:rPr>
+              <a:t>    0 1 2 3 4 5 6 7 8 9 0 1 2 3 4 5 6 7 8 9 0 1 2 3 4 5 6 7 8 9 0 1</a:t>
+            </a:r>
+          </a:p>
+          <a:p>
+            <a:r>
+              <a:rPr lang="en-CA" sz="1200" dirty="0">
+                <a:latin typeface="Courier" pitchFamily="2" charset="0"/>
+              </a:rPr>
+              <a:t>    +-+-+-+-+-+-+-+-+-+-+-+-+-+-+-+-+-+-+-+-+-+-+-+-+-+-+-+-+-+-+-+-+</a:t>
+            </a:r>
+          </a:p>
+          <a:p>
+            <a:r>
+              <a:rPr lang="en-CA" sz="1200" dirty="0">
+                <a:latin typeface="Courier" pitchFamily="2" charset="0"/>
+              </a:rPr>
+              <a:t>    |              Replication SID          | TC  |S|      TTL      |</a:t>
+            </a:r>
+          </a:p>
+          <a:p>
+            <a:r>
+              <a:rPr lang="en-CA" sz="1200" dirty="0">
+                <a:latin typeface="Courier" pitchFamily="2" charset="0"/>
+              </a:rPr>
+              <a:t>    +-+-+-+-+-+-+-+-+-+-+-+-+-+-+-+-+-+-+-+-+-+-+-+-+-+-+-+-+-+-+-+-+</a:t>
+            </a:r>
+          </a:p>
+          <a:p>
+            <a:r>
+              <a:rPr lang="en-CA" sz="1200" dirty="0">
+                <a:latin typeface="Courier" pitchFamily="2" charset="0"/>
+              </a:rPr>
+              <a:t>    |              GAL (value 13)           | TC  |1|      TTL      |</a:t>
+            </a:r>
+          </a:p>
+          <a:p>
+            <a:r>
+              <a:rPr lang="en-CA" sz="1200" dirty="0">
+                <a:latin typeface="Courier" pitchFamily="2" charset="0"/>
+              </a:rPr>
+              <a:t>    +-+-+-+-+-+-+-+-+-+-+-+-+-+-+-+-+-+-+-+-+-+-+-+-+-+-+-+-+-+-+-+-+</a:t>
+            </a:r>
+          </a:p>
+          <a:p>
+            <a:r>
+              <a:rPr lang="en-CA" sz="1200" dirty="0">
+                <a:latin typeface="Courier" pitchFamily="2" charset="0"/>
+              </a:rPr>
+              <a:t>    |0 0 0 1|Version|  Reserved     | GAL Channel Type              |</a:t>
+            </a:r>
+          </a:p>
+          <a:p>
+            <a:r>
+              <a:rPr lang="en-CA" sz="1200" dirty="0">
+                <a:latin typeface="Courier" pitchFamily="2" charset="0"/>
+              </a:rPr>
+              <a:t>    +-+-+-+-+-+-+-+-+-+-+-+-+-+-+-+-+-+-+-+-+-+-+-+-+-+-+-+-+-+-+-+-+</a:t>
+            </a:r>
+          </a:p>
+          <a:p>
+            <a:r>
+              <a:rPr lang="en-CA" sz="1200" dirty="0">
+                <a:latin typeface="Courier" pitchFamily="2" charset="0"/>
+              </a:rPr>
+              <a:t> </a:t>
+            </a:r>
+          </a:p>
+          <a:p>
+            <a:r>
+              <a:rPr lang="en-CA" sz="1200" dirty="0">
+                <a:latin typeface="Courier" pitchFamily="2" charset="0"/>
+              </a:rPr>
+              <a:t> Figure: Example Probe Query with Replication Segment for P2MP SR Policy</a:t>
+            </a:r>
+            <a:endParaRPr lang="en-CA" sz="1200" dirty="0">
+              <a:latin typeface="Courier" pitchFamily="2" charset="0"/>
+              <a:cs typeface="Courier New" panose="02070309020205020404" pitchFamily="49" charset="0"/>
+            </a:endParaRPr>
+          </a:p>
+        </p:txBody>
+      </p:sp>
+      <p:sp>
+        <p:nvSpPr>
+          <p:cNvPr id="6" name="Title 1">
+            <a:extLst>
+              <a:ext uri="{FF2B5EF4-FFF2-40B4-BE49-F238E27FC236}">
+                <a16:creationId xmlns:a16="http://schemas.microsoft.com/office/drawing/2014/main" id="{DB06EA39-A9DB-46A1-A4BB-54CBE90776C1}"/>
+              </a:ext>
+            </a:extLst>
+          </p:cNvPr>
+          <p:cNvSpPr>
+            <a:spLocks noGrp="1"/>
+          </p:cNvSpPr>
+          <p:nvPr>
+            <p:ph type="title"/>
+          </p:nvPr>
+        </p:nvSpPr>
+        <p:spPr>
+          <a:xfrm>
+            <a:off x="381000" y="0"/>
+            <a:ext cx="8229600" cy="857250"/>
+          </a:xfrm>
+        </p:spPr>
+        <p:txBody>
+          <a:bodyPr/>
+          <a:lstStyle/>
+          <a:p>
+            <a:r>
+              <a:rPr lang="en-US" sz="3600" dirty="0">
+                <a:solidFill>
+                  <a:srgbClr val="0070C0"/>
+                </a:solidFill>
+                <a:latin typeface="Calibri Light" panose="020F0302020204030204" pitchFamily="34" charset="0"/>
+                <a:cs typeface="Calibri Light" panose="020F0302020204030204" pitchFamily="34" charset="0"/>
+              </a:rPr>
+              <a:t>PM Probe Query for P2MP SR Policy</a:t>
+            </a:r>
+          </a:p>
+        </p:txBody>
+      </p:sp>
+      <p:sp>
+        <p:nvSpPr>
+          <p:cNvPr id="5" name="Rectangle 4">
+            <a:extLst>
+              <a:ext uri="{FF2B5EF4-FFF2-40B4-BE49-F238E27FC236}">
+                <a16:creationId xmlns:a16="http://schemas.microsoft.com/office/drawing/2014/main" id="{E6C60723-2AD3-804D-BCA6-3C39A468AD68}"/>
+              </a:ext>
+            </a:extLst>
+          </p:cNvPr>
+          <p:cNvSpPr/>
+          <p:nvPr/>
+        </p:nvSpPr>
+        <p:spPr>
+          <a:xfrm>
+            <a:off x="495300" y="3159740"/>
+            <a:ext cx="8229600" cy="1467005"/>
+          </a:xfrm>
+          <a:prstGeom prst="rect">
+            <a:avLst/>
+          </a:prstGeom>
+        </p:spPr>
+        <p:txBody>
+          <a:bodyPr wrap="square">
+            <a:spAutoFit/>
+          </a:bodyPr>
+          <a:lstStyle/>
+          <a:p>
+            <a:pPr marL="171450" indent="-171450">
+              <a:lnSpc>
+                <a:spcPts val="1840"/>
+              </a:lnSpc>
+              <a:spcBef>
+                <a:spcPts val="600"/>
+              </a:spcBef>
+              <a:buFont typeface="Arial" panose="020B0604020202020204" pitchFamily="34" charset="0"/>
+              <a:buChar char="•"/>
+            </a:pPr>
+            <a:r>
+              <a:rPr lang="en-US" sz="1400" dirty="0">
+                <a:solidFill>
+                  <a:schemeClr val="tx2"/>
+                </a:solidFill>
+                <a:latin typeface="Calibri" panose="020F0502020204030204" pitchFamily="34" charset="0"/>
+                <a:cs typeface="Calibri" panose="020F0502020204030204" pitchFamily="34" charset="0"/>
+              </a:rPr>
+              <a:t>Applicable to one-way mode for delay and loss measurement for P2MP SR Policy.</a:t>
+            </a:r>
+          </a:p>
+          <a:p>
+            <a:pPr marL="171450" indent="-171450">
+              <a:lnSpc>
+                <a:spcPts val="1840"/>
+              </a:lnSpc>
+              <a:spcBef>
+                <a:spcPts val="600"/>
+              </a:spcBef>
+              <a:buFont typeface="Arial" panose="020B0604020202020204" pitchFamily="34" charset="0"/>
+              <a:buChar char="•"/>
+            </a:pPr>
+            <a:r>
+              <a:rPr lang="en-US" sz="1400" dirty="0">
+                <a:solidFill>
+                  <a:schemeClr val="tx2"/>
+                </a:solidFill>
+                <a:latin typeface="Calibri" panose="020F0502020204030204" pitchFamily="34" charset="0"/>
+                <a:cs typeface="Calibri" panose="020F0502020204030204" pitchFamily="34" charset="0"/>
+              </a:rPr>
+              <a:t>The querier root node sends probe query messages using the Replication Segment for the P2MP SR Policy</a:t>
+            </a:r>
+          </a:p>
+          <a:p>
+            <a:pPr marL="171450" indent="-171450">
+              <a:lnSpc>
+                <a:spcPts val="1840"/>
+              </a:lnSpc>
+              <a:spcBef>
+                <a:spcPts val="600"/>
+              </a:spcBef>
+              <a:buFont typeface="Arial" panose="020B0604020202020204" pitchFamily="34" charset="0"/>
+              <a:buChar char="•"/>
+            </a:pPr>
+            <a:r>
+              <a:rPr lang="en-US" sz="1400" dirty="0">
+                <a:solidFill>
+                  <a:schemeClr val="tx2"/>
+                </a:solidFill>
+                <a:latin typeface="Calibri" panose="020F0502020204030204" pitchFamily="34" charset="0"/>
+                <a:cs typeface="Calibri" panose="020F0502020204030204" pitchFamily="34" charset="0"/>
+              </a:rPr>
+              <a:t>Each responder leaf node adds the "Source Address" TLV (Type 130) [RFC6374] with its IP address in the probe response messages</a:t>
+            </a:r>
+          </a:p>
+          <a:p>
+            <a:pPr marL="628650" lvl="1" indent="-171450">
+              <a:lnSpc>
+                <a:spcPts val="1840"/>
+              </a:lnSpc>
+              <a:spcBef>
+                <a:spcPts val="600"/>
+              </a:spcBef>
+              <a:buFont typeface="Arial" panose="020B0604020202020204" pitchFamily="34" charset="0"/>
+              <a:buChar char="•"/>
+            </a:pPr>
+            <a:r>
+              <a:rPr lang="en-US" sz="1400" dirty="0">
+                <a:solidFill>
+                  <a:schemeClr val="tx2"/>
+                </a:solidFill>
+                <a:latin typeface="Calibri" panose="020F0502020204030204" pitchFamily="34" charset="0"/>
+                <a:cs typeface="Calibri" panose="020F0502020204030204" pitchFamily="34" charset="0"/>
+              </a:rPr>
+              <a:t>This TLV allows the querier root node to identify the responder leaf nodes of the P2MP SR Policy</a:t>
+            </a:r>
+          </a:p>
+        </p:txBody>
+      </p:sp>
+    </p:spTree>
+    <p:extLst>
+      <p:ext uri="{BB962C8B-B14F-4D97-AF65-F5344CB8AC3E}">
+        <p14:creationId xmlns:p14="http://schemas.microsoft.com/office/powerpoint/2010/main" val="3250645217"/>
+      </p:ext>
+    </p:extLst>
+  </p:cSld>
+  <p:clrMapOvr>
+    <a:masterClrMapping/>
+  </p:clrMapOvr>
+</p:sld>
+</file>
+
+<file path=ppt/slides/slide16.xml><?xml version="1.0" encoding="utf-8"?>
+<p:sld xmlns:a="http://schemas.openxmlformats.org/drawingml/2006/main" xmlns:r="http://schemas.openxmlformats.org/officeDocument/2006/relationships" xmlns:p="http://schemas.openxmlformats.org/presentationml/2006/main">
+  <p:cSld>
+    <p:spTree>
+      <p:nvGrpSpPr>
+        <p:cNvPr id="1" name=""/>
+        <p:cNvGrpSpPr/>
+        <p:nvPr/>
+      </p:nvGrpSpPr>
+      <p:grpSpPr>
+        <a:xfrm>
+          <a:off x="0" y="0"/>
+          <a:ext cx="0" cy="0"/>
+          <a:chOff x="0" y="0"/>
+          <a:chExt cx="0" cy="0"/>
+        </a:xfrm>
+      </p:grpSpPr>
+      <p:sp>
+        <p:nvSpPr>
+          <p:cNvPr id="2" name="Title 1"/>
+          <p:cNvSpPr>
+            <a:spLocks noGrp="1"/>
+          </p:cNvSpPr>
+          <p:nvPr>
+            <p:ph type="title"/>
+          </p:nvPr>
+        </p:nvSpPr>
+        <p:spPr>
+          <a:xfrm>
+            <a:off x="457200" y="0"/>
+            <a:ext cx="8229600" cy="857250"/>
+          </a:xfrm>
+        </p:spPr>
+        <p:txBody>
+          <a:bodyPr/>
+          <a:lstStyle/>
+          <a:p>
+            <a:r>
+              <a:rPr lang="en-US" sz="3600" dirty="0">
+                <a:solidFill>
+                  <a:srgbClr val="0070C0"/>
+                </a:solidFill>
+                <a:latin typeface="Calibri Light" panose="020F0302020204030204" pitchFamily="34" charset="0"/>
+                <a:cs typeface="Calibri Light" panose="020F0302020204030204" pitchFamily="34" charset="0"/>
+              </a:rPr>
+              <a:t>WG Co-ordination Plan</a:t>
+            </a:r>
+          </a:p>
+        </p:txBody>
+      </p:sp>
+      <p:sp>
+        <p:nvSpPr>
+          <p:cNvPr id="3" name="Content Placeholder 2"/>
+          <p:cNvSpPr>
+            <a:spLocks noGrp="1"/>
+          </p:cNvSpPr>
+          <p:nvPr>
+            <p:ph idx="1"/>
+          </p:nvPr>
+        </p:nvSpPr>
+        <p:spPr>
+          <a:xfrm>
+            <a:off x="685800" y="971550"/>
+            <a:ext cx="8001000" cy="2971800"/>
+          </a:xfrm>
+        </p:spPr>
+        <p:txBody>
+          <a:bodyPr/>
+          <a:lstStyle/>
+          <a:p>
+            <a:r>
+              <a:rPr lang="en-US" sz="2400" dirty="0">
+                <a:solidFill>
+                  <a:schemeClr val="tx2"/>
+                </a:solidFill>
+              </a:rPr>
+              <a:t>IANA code-points to be allocated by MPLS WG</a:t>
+            </a:r>
+          </a:p>
+          <a:p>
+            <a:r>
+              <a:rPr lang="en-US" sz="2400" dirty="0">
+                <a:solidFill>
+                  <a:schemeClr val="tx2"/>
+                </a:solidFill>
+              </a:rPr>
+              <a:t>Draft to progress in MPLS WG</a:t>
+            </a:r>
+            <a:endParaRPr lang="en-CA" sz="2400" dirty="0">
+              <a:solidFill>
+                <a:schemeClr val="tx2"/>
+              </a:solidFill>
+            </a:endParaRPr>
+          </a:p>
+          <a:p>
+            <a:r>
+              <a:rPr lang="en-US" sz="2400" dirty="0">
+                <a:solidFill>
+                  <a:schemeClr val="tx2"/>
+                </a:solidFill>
+              </a:rPr>
+              <a:t>From Bruno:</a:t>
+            </a:r>
+            <a:endParaRPr lang="en-CA" sz="2400" dirty="0">
+              <a:solidFill>
+                <a:schemeClr val="tx2"/>
+              </a:solidFill>
+            </a:endParaRPr>
+          </a:p>
+          <a:p>
+            <a:pPr lvl="1"/>
+            <a:r>
+              <a:rPr lang="en-CA" sz="2400" dirty="0">
+                <a:solidFill>
+                  <a:schemeClr val="tx2"/>
+                </a:solidFill>
+              </a:rPr>
+              <a:t>Please keep SPRING in the loop for the SPRING specific content</a:t>
+            </a:r>
+          </a:p>
+          <a:p>
+            <a:pPr lvl="1"/>
+            <a:endParaRPr lang="en-US" sz="2400" dirty="0">
+              <a:solidFill>
+                <a:schemeClr val="tx2"/>
+              </a:solidFill>
+            </a:endParaRPr>
+          </a:p>
+        </p:txBody>
+      </p:sp>
+      <p:sp>
+        <p:nvSpPr>
+          <p:cNvPr id="4" name="Footer Placeholder 3"/>
+          <p:cNvSpPr>
+            <a:spLocks noGrp="1"/>
+          </p:cNvSpPr>
+          <p:nvPr>
+            <p:ph type="ftr" sz="quarter" idx="11"/>
+          </p:nvPr>
+        </p:nvSpPr>
+        <p:spPr>
+          <a:xfrm>
+            <a:off x="3124200" y="4786312"/>
+            <a:ext cx="2895600" cy="357188"/>
+          </a:xfrm>
+        </p:spPr>
+        <p:txBody>
+          <a:bodyPr/>
+          <a:lstStyle/>
+          <a:p>
+            <a:pPr>
+              <a:defRPr/>
+            </a:pPr>
+            <a:r>
+              <a:rPr lang="en-US" altLang="zh-CN" dirty="0"/>
+              <a:t>108</a:t>
+            </a:r>
+            <a:r>
+              <a:rPr lang="en-US" altLang="zh-CN" baseline="30000" dirty="0"/>
+              <a:t>th</a:t>
+            </a:r>
+            <a:r>
+              <a:rPr lang="en-US" altLang="zh-CN" dirty="0"/>
+              <a:t> IETF @ Madrid</a:t>
+            </a:r>
+          </a:p>
+        </p:txBody>
+      </p:sp>
+      <p:sp>
+        <p:nvSpPr>
+          <p:cNvPr id="5" name="Slide Number Placeholder 4"/>
+          <p:cNvSpPr>
+            <a:spLocks noGrp="1"/>
+          </p:cNvSpPr>
+          <p:nvPr>
+            <p:ph type="sldNum" sz="quarter" idx="12"/>
+          </p:nvPr>
+        </p:nvSpPr>
+        <p:spPr/>
+        <p:txBody>
+          <a:bodyPr/>
+          <a:lstStyle/>
+          <a:p>
+            <a:pPr>
+              <a:defRPr/>
+            </a:pPr>
+            <a:fld id="{BD6E0F59-1DD8-40FC-9C92-B6295CBA6CCA}" type="slidenum">
+              <a:rPr lang="en-US" altLang="zh-CN" smtClean="0"/>
+              <a:pPr>
+                <a:defRPr/>
+              </a:pPr>
+              <a:t>16</a:t>
+            </a:fld>
+            <a:endParaRPr lang="en-US" altLang="zh-CN"/>
+          </a:p>
+        </p:txBody>
+      </p:sp>
+    </p:spTree>
+    <p:extLst>
+      <p:ext uri="{BB962C8B-B14F-4D97-AF65-F5344CB8AC3E}">
+        <p14:creationId xmlns:p14="http://schemas.microsoft.com/office/powerpoint/2010/main" val="1382224980"/>
+      </p:ext>
+    </p:extLst>
+  </p:cSld>
+  <p:clrMapOvr>
+    <a:masterClrMapping/>
+  </p:clrMapOvr>
+</p:sld>
+</file>
+
+<file path=ppt/slides/slide17.xml><?xml version="1.0" encoding="utf-8"?>
+<p:sld xmlns:a="http://schemas.openxmlformats.org/drawingml/2006/main" xmlns:r="http://schemas.openxmlformats.org/officeDocument/2006/relationships" xmlns:p="http://schemas.openxmlformats.org/presentationml/2006/main">
+  <p:cSld>
+    <p:spTree>
+      <p:nvGrpSpPr>
+        <p:cNvPr id="1" name=""/>
+        <p:cNvGrpSpPr/>
+        <p:nvPr/>
+      </p:nvGrpSpPr>
+      <p:grpSpPr>
+        <a:xfrm>
+          <a:off x="0" y="0"/>
+          <a:ext cx="0" cy="0"/>
+          <a:chOff x="0" y="0"/>
+          <a:chExt cx="0" cy="0"/>
+        </a:xfrm>
+      </p:grpSpPr>
+      <p:sp>
+        <p:nvSpPr>
+          <p:cNvPr id="4" name="Footer Placeholder 3"/>
+          <p:cNvSpPr>
+            <a:spLocks noGrp="1"/>
+          </p:cNvSpPr>
+          <p:nvPr>
+            <p:ph type="ftr" sz="quarter" idx="11"/>
+          </p:nvPr>
+        </p:nvSpPr>
+        <p:spPr>
+          <a:xfrm>
+            <a:off x="3276600" y="4763387"/>
+            <a:ext cx="2895600" cy="357188"/>
+          </a:xfrm>
+        </p:spPr>
+        <p:txBody>
+          <a:bodyPr/>
+          <a:lstStyle/>
+          <a:p>
+            <a:pPr>
+              <a:defRPr/>
+            </a:pPr>
+            <a:r>
+              <a:rPr lang="en-US" altLang="zh-CN" dirty="0"/>
+              <a:t>108</a:t>
+            </a:r>
+            <a:r>
+              <a:rPr lang="en-US" altLang="zh-CN" baseline="30000" dirty="0"/>
+              <a:t>th</a:t>
+            </a:r>
+            <a:r>
+              <a:rPr lang="en-US" altLang="zh-CN" dirty="0"/>
+              <a:t> IETF @ Madrid</a:t>
             </a:r>
           </a:p>
         </p:txBody>
@@ -6279,7 +8993,7 @@
               <a:pPr>
                 <a:defRPr/>
               </a:pPr>
-              <a:t>11</a:t>
+              <a:t>17</a:t>
             </a:fld>
             <a:endParaRPr lang="en-US" altLang="zh-CN"/>
           </a:p>
@@ -6288,7 +9002,7 @@
     </p:spTree>
     <p:extLst>
       <p:ext uri="{BB962C8B-B14F-4D97-AF65-F5344CB8AC3E}">
-        <p14:creationId xmlns:p14="http://schemas.microsoft.com/office/powerpoint/2010/main" val="15840811"/>
+        <p14:creationId xmlns:p14="http://schemas.microsoft.com/office/powerpoint/2010/main" val="399591076"/>
       </p:ext>
     </p:extLst>
   </p:cSld>
@@ -6298,7 +9012,7 @@
 </p:sld>
 </file>
 
-<file path=ppt/slides/slide12.xml><?xml version="1.0" encoding="utf-8"?>
+<file path=ppt/slides/slide2.xml><?xml version="1.0" encoding="utf-8"?>
 <p:sld xmlns:a="http://schemas.openxmlformats.org/drawingml/2006/main" xmlns:r="http://schemas.openxmlformats.org/officeDocument/2006/relationships" xmlns:p="http://schemas.openxmlformats.org/presentationml/2006/main">
   <p:cSld>
     <p:spTree>
@@ -6343,7 +9057,58 @@
                 <a:latin typeface="Calibri Light" panose="020F0302020204030204" pitchFamily="34" charset="0"/>
                 <a:cs typeface="Calibri Light" panose="020F0302020204030204" pitchFamily="34" charset="0"/>
               </a:rPr>
-              <a:t>PM Probes for SR Links</a:t>
+              <a:t>Agenda</a:t>
+            </a:r>
+          </a:p>
+        </p:txBody>
+      </p:sp>
+      <p:sp>
+        <p:nvSpPr>
+          <p:cNvPr id="3" name="Content Placeholder 2"/>
+          <p:cNvSpPr>
+            <a:spLocks noGrp="1"/>
+          </p:cNvSpPr>
+          <p:nvPr>
+            <p:ph idx="1"/>
+          </p:nvPr>
+        </p:nvSpPr>
+        <p:spPr>
+          <a:xfrm>
+            <a:off x="457200" y="1047750"/>
+            <a:ext cx="8229600" cy="3223022"/>
+          </a:xfrm>
+        </p:spPr>
+        <p:txBody>
+          <a:bodyPr/>
+          <a:lstStyle/>
+          <a:p>
+            <a:r>
+              <a:rPr lang="en-US" sz="2400" dirty="0"/>
+              <a:t>Requirements and Scope</a:t>
+            </a:r>
+          </a:p>
+          <a:p>
+            <a:r>
+              <a:rPr lang="en-US" sz="2400" dirty="0"/>
+              <a:t>History of the Draft</a:t>
+            </a:r>
+          </a:p>
+          <a:p>
+            <a:r>
+              <a:rPr lang="en-US" sz="2400" dirty="0"/>
+              <a:t>Updates Since IETF-107</a:t>
+            </a:r>
+          </a:p>
+          <a:p>
+            <a:r>
+              <a:rPr lang="en-US" sz="2400" dirty="0"/>
+              <a:t>Summary</a:t>
+            </a:r>
+          </a:p>
+          <a:p>
+            <a:r>
+              <a:rPr lang="en-US" sz="2400" dirty="0"/>
+              <a:t>Next Steps</a:t>
             </a:r>
           </a:p>
         </p:txBody>
@@ -6368,180 +9133,35 @@
           <a:bodyPr/>
           <a:lstStyle/>
           <a:p>
-            <a:r>
-              <a:rPr lang="en-CA" dirty="0"/>
-              <a:t>IETF MPLS WG Interim – April 2020 </a:t>
-            </a:r>
-          </a:p>
-        </p:txBody>
-      </p:sp>
-      <p:sp>
-        <p:nvSpPr>
-          <p:cNvPr id="6" name="Content Placeholder 2"/>
+            <a:pPr>
+              <a:defRPr/>
+            </a:pPr>
+            <a:r>
+              <a:rPr lang="en-US" altLang="zh-CN" dirty="0"/>
+              <a:t>108</a:t>
+            </a:r>
+            <a:r>
+              <a:rPr lang="en-US" altLang="zh-CN" baseline="30000" dirty="0"/>
+              <a:t>th</a:t>
+            </a:r>
+            <a:r>
+              <a:rPr lang="en-US" altLang="zh-CN" dirty="0"/>
+              <a:t> IETF @ Madrid</a:t>
+            </a:r>
+          </a:p>
+        </p:txBody>
+      </p:sp>
+      <p:sp>
+        <p:nvSpPr>
+          <p:cNvPr id="5" name="Slide Number Placeholder 4"/>
           <p:cNvSpPr>
             <a:spLocks noGrp="1"/>
           </p:cNvSpPr>
           <p:nvPr>
-            <p:ph idx="1"/>
-          </p:nvPr>
-        </p:nvSpPr>
-        <p:spPr>
-          <a:xfrm>
-            <a:off x="533400" y="3180338"/>
-            <a:ext cx="8153400" cy="990600"/>
-          </a:xfrm>
-        </p:spPr>
-        <p:txBody>
-          <a:bodyPr/>
-          <a:lstStyle/>
-          <a:p>
-            <a:pPr lvl="0"/>
-            <a:r>
-              <a:rPr lang="en-US" sz="2000" dirty="0"/>
-              <a:t>For SR links, the PM probe query messages for link delay and packet loss measurements are sent using MPLS GAL/</a:t>
-            </a:r>
-            <a:r>
-              <a:rPr lang="en-US" sz="2000" dirty="0" err="1"/>
-              <a:t>GAch</a:t>
-            </a:r>
-            <a:r>
-              <a:rPr lang="en-US" sz="2000" dirty="0"/>
-              <a:t> header as defined in [RFC6374].</a:t>
-            </a:r>
-          </a:p>
-        </p:txBody>
-      </p:sp>
-      <p:sp>
-        <p:nvSpPr>
-          <p:cNvPr id="7" name="Rectangle 6">
-            <a:extLst>
-              <a:ext uri="{FF2B5EF4-FFF2-40B4-BE49-F238E27FC236}">
-                <a16:creationId xmlns:a16="http://schemas.microsoft.com/office/drawing/2014/main" id="{21CF5025-6E26-9D49-AAE8-1710C85F1444}"/>
-              </a:ext>
-            </a:extLst>
-          </p:cNvPr>
-          <p:cNvSpPr/>
-          <p:nvPr/>
-        </p:nvSpPr>
-        <p:spPr>
-          <a:xfrm>
-            <a:off x="1371600" y="955169"/>
-            <a:ext cx="6781800" cy="1754326"/>
-          </a:xfrm>
-          <a:prstGeom prst="rect">
-            <a:avLst/>
-          </a:prstGeom>
-          <a:solidFill>
-            <a:schemeClr val="bg1">
-              <a:lumMod val="95000"/>
-            </a:schemeClr>
-          </a:solidFill>
-        </p:spPr>
-        <p:txBody>
-          <a:bodyPr wrap="square">
-            <a:spAutoFit/>
-          </a:bodyPr>
-          <a:lstStyle/>
-          <a:p>
-            <a:r>
-              <a:rPr lang="en-CA" sz="1200" dirty="0">
-                <a:latin typeface="Courier" pitchFamily="2" charset="0"/>
-              </a:rPr>
-              <a:t>    0                   1                   2                   3</a:t>
-            </a:r>
-          </a:p>
-          <a:p>
-            <a:r>
-              <a:rPr lang="en-CA" sz="1200" dirty="0">
-                <a:latin typeface="Courier" pitchFamily="2" charset="0"/>
-              </a:rPr>
-              <a:t>    0 1 2 3 4 5 6 7 8 9 0 1 2 3 4 5 6 7 8 9 0 1 2 3 4 5 6 7 8 9 0 1</a:t>
-            </a:r>
-          </a:p>
-          <a:p>
-            <a:r>
-              <a:rPr lang="en-CA" sz="1200" dirty="0">
-                <a:latin typeface="Courier" pitchFamily="2" charset="0"/>
-              </a:rPr>
-              <a:t>    +-+-+-+-+-+-+-+-+-+-+-+-+-+-+-+-+-+-+-+-+-+-+-+-+-+-+-+-+-+-+-+-+</a:t>
-            </a:r>
-          </a:p>
-          <a:p>
-            <a:r>
-              <a:rPr lang="en-CA" sz="1200" dirty="0">
-                <a:latin typeface="Courier" pitchFamily="2" charset="0"/>
-              </a:rPr>
-              <a:t>    |             GAL (value 13)            | TC  |1|      TTL      |</a:t>
-            </a:r>
-          </a:p>
-          <a:p>
-            <a:r>
-              <a:rPr lang="en-CA" sz="1200" dirty="0">
-                <a:latin typeface="Courier" pitchFamily="2" charset="0"/>
-              </a:rPr>
-              <a:t>    +-+-+-+-+-+-+-+-+-+-+-+-+-+-+-+-+-+-+-+-+-+-+-+-+-+-+-+-+-+-+-+-+</a:t>
-            </a:r>
-          </a:p>
-          <a:p>
-            <a:r>
-              <a:rPr lang="en-CA" sz="1200" dirty="0">
-                <a:latin typeface="Courier" pitchFamily="2" charset="0"/>
-              </a:rPr>
-              <a:t>    |0 0 0 1|Version|  Reserved     | GAL Channel Type              |</a:t>
-            </a:r>
-          </a:p>
-          <a:p>
-            <a:r>
-              <a:rPr lang="en-CA" sz="1200" dirty="0">
-                <a:latin typeface="Courier" pitchFamily="2" charset="0"/>
-              </a:rPr>
-              <a:t>    +-+-+-+-+-+-+-+-+-+-+-+-+-+-+-+-+-+-+-+-+-+-+-+-+-+-+-+-+-+-+-+-+</a:t>
-            </a:r>
-          </a:p>
-          <a:p>
-            <a:r>
-              <a:rPr lang="en-CA" sz="1200" dirty="0">
-                <a:latin typeface="Courier" pitchFamily="2" charset="0"/>
-              </a:rPr>
-              <a:t> </a:t>
-            </a:r>
-          </a:p>
-          <a:p>
-            <a:r>
-              <a:rPr lang="en-CA" sz="1200" dirty="0">
-                <a:latin typeface="Courier" pitchFamily="2" charset="0"/>
-              </a:rPr>
-              <a:t>           Figure: Probe Message Header for an SR-MPLS Link</a:t>
-            </a:r>
-            <a:endParaRPr lang="en-CA" sz="1200" b="1" dirty="0">
-              <a:latin typeface="Courier" pitchFamily="2" charset="0"/>
-              <a:cs typeface="Courier New" panose="02070309020205020404" pitchFamily="49" charset="0"/>
-            </a:endParaRPr>
-          </a:p>
-        </p:txBody>
-      </p:sp>
-      <p:sp>
-        <p:nvSpPr>
-          <p:cNvPr id="8" name="Slide Number Placeholder 1">
-            <a:extLst>
-              <a:ext uri="{FF2B5EF4-FFF2-40B4-BE49-F238E27FC236}">
-                <a16:creationId xmlns:a16="http://schemas.microsoft.com/office/drawing/2014/main" id="{891D73F7-27E6-B84F-8B7C-F7816F25B4A8}"/>
-              </a:ext>
-            </a:extLst>
-          </p:cNvPr>
-          <p:cNvSpPr>
-            <a:spLocks noGrp="1"/>
-          </p:cNvSpPr>
-          <p:nvPr>
             <p:ph type="sldNum" sz="quarter" idx="12"/>
           </p:nvPr>
         </p:nvSpPr>
-        <p:spPr>
-          <a:xfrm>
-            <a:off x="6553200" y="4740062"/>
-            <a:ext cx="2133600" cy="357188"/>
-          </a:xfrm>
-        </p:spPr>
+        <p:spPr/>
         <p:txBody>
           <a:bodyPr/>
           <a:lstStyle/>
@@ -6554,16 +9174,16 @@
               <a:pPr>
                 <a:defRPr/>
               </a:pPr>
-              <a:t>12</a:t>
+              <a:t>2</a:t>
             </a:fld>
-            <a:endParaRPr lang="en-US" altLang="zh-CN" dirty="0"/>
+            <a:endParaRPr lang="en-US" altLang="zh-CN"/>
           </a:p>
         </p:txBody>
       </p:sp>
     </p:spTree>
     <p:extLst>
       <p:ext uri="{BB962C8B-B14F-4D97-AF65-F5344CB8AC3E}">
-        <p14:creationId xmlns:p14="http://schemas.microsoft.com/office/powerpoint/2010/main" val="1258353492"/>
+        <p14:creationId xmlns:p14="http://schemas.microsoft.com/office/powerpoint/2010/main" val="1157046242"/>
       </p:ext>
     </p:extLst>
   </p:cSld>
@@ -6573,7 +9193,7 @@
 </p:sld>
 </file>
 
-<file path=ppt/slides/slide13.xml><?xml version="1.0" encoding="utf-8"?>
+<file path=ppt/slides/slide3.xml><?xml version="1.0" encoding="utf-8"?>
 <p:sld xmlns:a="http://schemas.openxmlformats.org/drawingml/2006/main" xmlns:r="http://schemas.openxmlformats.org/officeDocument/2006/relationships" xmlns:p="http://schemas.openxmlformats.org/presentationml/2006/main">
   <p:cSld>
     <p:spTree>
@@ -6602,8 +9222,8 @@
         </p:nvSpPr>
         <p:spPr>
           <a:xfrm>
-            <a:off x="381000" y="3362"/>
-            <a:ext cx="8314765" cy="857250"/>
+            <a:off x="457200" y="0"/>
+            <a:ext cx="8229600" cy="857250"/>
           </a:xfrm>
         </p:spPr>
         <p:txBody>
@@ -6618,7 +9238,7 @@
                 <a:latin typeface="Calibri Light" panose="020F0302020204030204" pitchFamily="34" charset="0"/>
                 <a:cs typeface="Calibri Light" panose="020F0302020204030204" pitchFamily="34" charset="0"/>
               </a:rPr>
-              <a:t>SR Link Extended TE Metrics Advertisement</a:t>
+              <a:t>Requirements and Scope</a:t>
             </a:r>
           </a:p>
         </p:txBody>
@@ -6635,58 +9255,99 @@
         </p:nvSpPr>
         <p:spPr>
           <a:xfrm>
-            <a:off x="488577" y="971550"/>
-            <a:ext cx="8229600" cy="3276600"/>
+            <a:off x="457200" y="857250"/>
+            <a:ext cx="8229600" cy="3771900"/>
           </a:xfrm>
-          <a:noFill/>
-          <a:ln w="9525">
-            <a:noFill/>
-            <a:miter lim="800000"/>
-            <a:headEnd/>
-            <a:tailEnd/>
-          </a:ln>
-          <a:effectLst/>
         </p:spPr>
         <p:txBody>
           <a:bodyPr/>
           <a:lstStyle/>
           <a:p>
-            <a:r>
-              <a:rPr lang="en-US" sz="2000" dirty="0"/>
-              <a:t>Measure delay and loss performance of SR Links. </a:t>
-            </a:r>
-          </a:p>
-          <a:p>
-            <a:r>
-              <a:rPr lang="en-US" sz="2000" dirty="0"/>
-              <a:t>Compute SR Link Delay metrics (minimum-delay, maximum-delay, average-delay, delay-variance) and SR Link Packet Loss metric.</a:t>
-            </a:r>
-          </a:p>
-          <a:p>
-            <a:r>
-              <a:rPr lang="en-US" sz="2000" dirty="0"/>
-              <a:t>SR link extended TE metrics advertised in the network using the TLVs defined in the following RFCs/Drafts:</a:t>
-            </a:r>
-          </a:p>
-          <a:p>
-            <a:pPr lvl="1"/>
-            <a:r>
-              <a:rPr lang="en-US" sz="2000" dirty="0"/>
-              <a:t>OSPF      [RFC7471]</a:t>
-            </a:r>
-          </a:p>
-          <a:p>
-            <a:pPr lvl="1"/>
-            <a:r>
-              <a:rPr lang="en-US" sz="2000" dirty="0"/>
-              <a:t>ISIS         [RFC7810] [RFC8570]</a:t>
-            </a:r>
-          </a:p>
-          <a:p>
-            <a:pPr lvl="1"/>
-            <a:r>
-              <a:rPr lang="en-US" sz="2000" dirty="0"/>
-              <a:t>BGP-LS   [RFC8571]</a:t>
+            <a:pPr marL="0" indent="0">
+              <a:buNone/>
+            </a:pPr>
+            <a:r>
+              <a:rPr lang="en-US" sz="1800" dirty="0"/>
+              <a:t>Requirements:</a:t>
+            </a:r>
+          </a:p>
+          <a:p>
+            <a:pPr lvl="1">
+              <a:buFont typeface="Wingdings" charset="2"/>
+              <a:buChar char="§"/>
+            </a:pPr>
+            <a:r>
+              <a:rPr lang="en-US" sz="1800" dirty="0"/>
+              <a:t>Delay and Loss Performance Measurement (PM)</a:t>
+            </a:r>
+          </a:p>
+          <a:p>
+            <a:pPr lvl="2">
+              <a:buFont typeface="Wingdings" charset="2"/>
+              <a:buChar char="§"/>
+            </a:pPr>
+            <a:r>
+              <a:rPr lang="en-US" sz="1800" dirty="0"/>
+              <a:t>SR Links and end-to-end P2P/ P2MP SR Paths</a:t>
+            </a:r>
+          </a:p>
+          <a:p>
+            <a:pPr lvl="1">
+              <a:buFont typeface="Wingdings" charset="2"/>
+              <a:buChar char="§"/>
+            </a:pPr>
+            <a:r>
+              <a:rPr lang="en-US" sz="1800" dirty="0"/>
+              <a:t>Delay and Loss extended TE link metrics advertisement in the network</a:t>
+            </a:r>
+          </a:p>
+          <a:p>
+            <a:pPr lvl="1">
+              <a:buFont typeface="Wingdings" charset="2"/>
+              <a:buChar char="§"/>
+            </a:pPr>
+            <a:r>
+              <a:rPr lang="en-US" sz="1800" dirty="0"/>
+              <a:t>One-way, two-way and loopback measurement modes</a:t>
+            </a:r>
+          </a:p>
+          <a:p>
+            <a:pPr marL="0" lvl="1" indent="0">
+              <a:buNone/>
+            </a:pPr>
+            <a:r>
+              <a:rPr lang="en-US" sz="1800" dirty="0"/>
+              <a:t>Scope:</a:t>
+            </a:r>
+          </a:p>
+          <a:p>
+            <a:pPr marL="685800" lvl="2">
+              <a:buFont typeface="Wingdings" charset="2"/>
+              <a:buChar char="§"/>
+            </a:pPr>
+            <a:r>
+              <a:rPr lang="en-US" sz="1800" dirty="0"/>
+              <a:t>Segment Routing (SR) with MPLS data plane</a:t>
+            </a:r>
+          </a:p>
+          <a:p>
+            <a:pPr marL="685800" lvl="2">
+              <a:buFont typeface="Wingdings" charset="2"/>
+              <a:buChar char="§"/>
+            </a:pPr>
+            <a:r>
+              <a:rPr lang="en-US" sz="1800" dirty="0"/>
+              <a:t>RFC 6374 for probe query and response messages</a:t>
+            </a:r>
+          </a:p>
+          <a:p>
+            <a:pPr marL="685800" lvl="2">
+              <a:buFont typeface="Wingdings" charset="2"/>
+              <a:buChar char="§"/>
+            </a:pPr>
+            <a:r>
+              <a:rPr lang="en-US" sz="1800" dirty="0"/>
+              <a:t>RFC 7876 (UDP return path) for probe response messages</a:t>
             </a:r>
           </a:p>
         </p:txBody>
@@ -6711,22 +9372,27 @@
           <a:bodyPr/>
           <a:lstStyle/>
           <a:p>
-            <a:r>
-              <a:rPr lang="en-CA" dirty="0"/>
-              <a:t>IETF MPLS WG Interim – April 2020 </a:t>
-            </a:r>
-          </a:p>
-        </p:txBody>
-      </p:sp>
-      <p:sp>
-        <p:nvSpPr>
-          <p:cNvPr id="5" name="Slide Number Placeholder 1">
-            <a:extLst>
-              <a:ext uri="{FF2B5EF4-FFF2-40B4-BE49-F238E27FC236}">
-                <a16:creationId xmlns:a16="http://schemas.microsoft.com/office/drawing/2014/main" id="{9C36BCA6-7742-6743-9EE4-ECAB917AB3B5}"/>
-              </a:ext>
-            </a:extLst>
-          </p:cNvPr>
+            <a:pPr>
+              <a:defRPr/>
+            </a:pPr>
+            <a:r>
+              <a:rPr lang="en-US" altLang="zh-CN" dirty="0"/>
+              <a:t>108</a:t>
+            </a:r>
+            <a:r>
+              <a:rPr lang="en-US" altLang="zh-CN" baseline="30000" dirty="0"/>
+              <a:t>th</a:t>
+            </a:r>
+            <a:r>
+              <a:rPr lang="en-US" altLang="zh-CN" dirty="0"/>
+              <a:t> IETF @ Madrid</a:t>
+            </a:r>
+          </a:p>
+        </p:txBody>
+      </p:sp>
+      <p:sp>
+        <p:nvSpPr>
+          <p:cNvPr id="5" name="Slide Number Placeholder 4"/>
           <p:cNvSpPr>
             <a:spLocks noGrp="1"/>
           </p:cNvSpPr>
@@ -6734,12 +9400,7 @@
             <p:ph type="sldNum" sz="quarter" idx="12"/>
           </p:nvPr>
         </p:nvSpPr>
-        <p:spPr>
-          <a:xfrm>
-            <a:off x="6553200" y="4740062"/>
-            <a:ext cx="2133600" cy="357188"/>
-          </a:xfrm>
-        </p:spPr>
+        <p:spPr/>
         <p:txBody>
           <a:bodyPr/>
           <a:lstStyle/>
@@ -6752,16 +9413,16 @@
               <a:pPr>
                 <a:defRPr/>
               </a:pPr>
-              <a:t>13</a:t>
+              <a:t>3</a:t>
             </a:fld>
-            <a:endParaRPr lang="en-US" altLang="zh-CN" dirty="0"/>
+            <a:endParaRPr lang="en-US" altLang="zh-CN"/>
           </a:p>
         </p:txBody>
       </p:sp>
     </p:spTree>
     <p:extLst>
       <p:ext uri="{BB962C8B-B14F-4D97-AF65-F5344CB8AC3E}">
-        <p14:creationId xmlns:p14="http://schemas.microsoft.com/office/powerpoint/2010/main" val="1727117888"/>
+        <p14:creationId xmlns:p14="http://schemas.microsoft.com/office/powerpoint/2010/main" val="1165196509"/>
       </p:ext>
     </p:extLst>
   </p:cSld>
@@ -6771,7 +9432,7 @@
 </p:sld>
 </file>
 
-<file path=ppt/slides/slide14.xml><?xml version="1.0" encoding="utf-8"?>
+<file path=ppt/slides/slide4.xml><?xml version="1.0" encoding="utf-8"?>
 <p:sld xmlns:a="http://schemas.openxmlformats.org/drawingml/2006/main" xmlns:r="http://schemas.openxmlformats.org/officeDocument/2006/relationships" xmlns:p="http://schemas.openxmlformats.org/presentationml/2006/main">
   <p:cSld>
     <p:spTree>
@@ -6816,24 +9477,217 @@
                 <a:latin typeface="Calibri Light" panose="020F0302020204030204" pitchFamily="34" charset="0"/>
                 <a:cs typeface="Calibri Light" panose="020F0302020204030204" pitchFamily="34" charset="0"/>
               </a:rPr>
-              <a:t>PM Probes for SR Policy</a:t>
-            </a:r>
-          </a:p>
-        </p:txBody>
-      </p:sp>
-      <p:sp>
-        <p:nvSpPr>
-          <p:cNvPr id="4" name="Footer Placeholder 3"/>
+              <a:t>History of the Draft</a:t>
+            </a:r>
+          </a:p>
+        </p:txBody>
+      </p:sp>
+      <p:sp>
+        <p:nvSpPr>
+          <p:cNvPr id="3" name="Content Placeholder 2"/>
           <p:cNvSpPr>
             <a:spLocks noGrp="1"/>
           </p:cNvSpPr>
           <p:nvPr>
-            <p:ph type="ftr" sz="quarter" idx="11"/>
+            <p:ph idx="1"/>
           </p:nvPr>
         </p:nvSpPr>
         <p:spPr>
           <a:xfrm>
-            <a:off x="3124200" y="4800151"/>
+            <a:off x="838200" y="857250"/>
+            <a:ext cx="6934200" cy="3657600"/>
+          </a:xfrm>
+        </p:spPr>
+        <p:txBody>
+          <a:bodyPr/>
+          <a:lstStyle/>
+          <a:p>
+            <a:r>
+              <a:rPr lang="en-US" sz="1100" dirty="0"/>
+              <a:t>Feb 14, 2018</a:t>
+            </a:r>
+          </a:p>
+          <a:p>
+            <a:pPr lvl="1"/>
+            <a:r>
+              <a:rPr lang="en-US" sz="1100" dirty="0"/>
+              <a:t>Draft was published </a:t>
+            </a:r>
+            <a:r>
+              <a:rPr lang="en-CA" sz="1100" i="1" dirty="0"/>
+              <a:t>draft-gandhi-spring-sr-mpls-pm-00</a:t>
+            </a:r>
+            <a:endParaRPr lang="en-US" sz="1100" i="1" dirty="0"/>
+          </a:p>
+          <a:p>
+            <a:r>
+              <a:rPr lang="en-US" sz="1100" dirty="0"/>
+              <a:t>July 2018</a:t>
+            </a:r>
+          </a:p>
+          <a:p>
+            <a:pPr lvl="1"/>
+            <a:r>
+              <a:rPr lang="en-US" sz="1100" dirty="0"/>
+              <a:t>Draft </a:t>
+            </a:r>
+            <a:r>
+              <a:rPr lang="en-CA" sz="1100" i="1" dirty="0"/>
+              <a:t>draft-gandhi-spring-sr-mpls-pm-02 </a:t>
+            </a:r>
+            <a:r>
+              <a:rPr lang="en-US" sz="1100" dirty="0"/>
+              <a:t>was introduced at IETF 102 Montreal in SPRING WG</a:t>
+            </a:r>
+          </a:p>
+          <a:p>
+            <a:r>
+              <a:rPr lang="en-US" sz="1100" dirty="0"/>
+              <a:t>Nov 2018</a:t>
+            </a:r>
+          </a:p>
+          <a:p>
+            <a:pPr lvl="1"/>
+            <a:r>
+              <a:rPr lang="en-US" sz="1100" dirty="0"/>
+              <a:t>Presented </a:t>
+            </a:r>
+            <a:r>
+              <a:rPr lang="en-CA" sz="1100" i="1" dirty="0"/>
+              <a:t>draft-gandhi-spring-sr-mpls-pm-03</a:t>
+            </a:r>
+            <a:r>
+              <a:rPr lang="en-US" sz="1100" dirty="0"/>
+              <a:t> at IETF 103 Bangkok in SPRING and IPPM WGs</a:t>
+            </a:r>
+          </a:p>
+          <a:p>
+            <a:r>
+              <a:rPr lang="en-US" sz="1100" dirty="0"/>
+              <a:t>Feb 14, 2019</a:t>
+            </a:r>
+          </a:p>
+          <a:p>
+            <a:pPr lvl="1"/>
+            <a:r>
+              <a:rPr lang="en-US" sz="1100" dirty="0"/>
+              <a:t>Draft was renamed to </a:t>
+            </a:r>
+            <a:r>
+              <a:rPr lang="en-CA" sz="1100" i="1" dirty="0"/>
+              <a:t>draft-gandhi-spring-rfc6374-srpm-mpls-00</a:t>
+            </a:r>
+            <a:endParaRPr lang="en-US" sz="1100" i="1" dirty="0"/>
+          </a:p>
+          <a:p>
+            <a:r>
+              <a:rPr lang="en-US" sz="1100" dirty="0"/>
+              <a:t>Mar 2019</a:t>
+            </a:r>
+          </a:p>
+          <a:p>
+            <a:pPr lvl="1"/>
+            <a:r>
+              <a:rPr lang="en-US" sz="1100" dirty="0"/>
+              <a:t>Presented </a:t>
+            </a:r>
+            <a:r>
+              <a:rPr lang="en-CA" sz="1100" i="1" dirty="0"/>
+              <a:t>draft-gandhi-spring-rfc6374-srpm-mpls-00 </a:t>
+            </a:r>
+            <a:r>
+              <a:rPr lang="en-US" sz="1100" dirty="0"/>
+              <a:t>at IETF 104 Prague in SPRING WG</a:t>
+            </a:r>
+          </a:p>
+          <a:p>
+            <a:r>
+              <a:rPr lang="en-US" sz="1100" dirty="0"/>
+              <a:t>Oct 2019</a:t>
+            </a:r>
+          </a:p>
+          <a:p>
+            <a:pPr lvl="1"/>
+            <a:r>
+              <a:rPr lang="en-US" sz="1100" b="1" dirty="0"/>
+              <a:t>Chairs agreed to progress the work in MPLS WG</a:t>
+            </a:r>
+          </a:p>
+          <a:p>
+            <a:pPr lvl="1"/>
+            <a:r>
+              <a:rPr lang="en-US" sz="1100" dirty="0"/>
+              <a:t>Draft renamed to </a:t>
+            </a:r>
+            <a:r>
+              <a:rPr lang="en-US" sz="1100" i="1" dirty="0"/>
+              <a:t>draft-gandhi-mpls-rfc6374-sr-00</a:t>
+            </a:r>
+            <a:endParaRPr lang="en-US" sz="1100" dirty="0"/>
+          </a:p>
+          <a:p>
+            <a:r>
+              <a:rPr lang="en-US" sz="1100" dirty="0"/>
+              <a:t>Nov 2019</a:t>
+            </a:r>
+          </a:p>
+          <a:p>
+            <a:pPr lvl="1"/>
+            <a:r>
+              <a:rPr lang="en-US" sz="1100" dirty="0"/>
+              <a:t>Presented </a:t>
+            </a:r>
+            <a:r>
+              <a:rPr lang="en-US" sz="1100" i="1" dirty="0"/>
+              <a:t>draft-gandhi-mpls-rfc6374-sr-00 </a:t>
+            </a:r>
+            <a:r>
+              <a:rPr lang="en-US" sz="1100" dirty="0"/>
+              <a:t>at IETF 106 Singapore in MPLS WG</a:t>
+            </a:r>
+          </a:p>
+          <a:p>
+            <a:r>
+              <a:rPr lang="en-CA" sz="1100" dirty="0"/>
+              <a:t>Apr 2020</a:t>
+            </a:r>
+          </a:p>
+          <a:p>
+            <a:pPr lvl="1"/>
+            <a:r>
+              <a:rPr lang="en-US" sz="1100" dirty="0"/>
+              <a:t>Presented </a:t>
+            </a:r>
+            <a:r>
+              <a:rPr lang="en-US" sz="1100" i="1" dirty="0"/>
+              <a:t>draft-gandhi-mpls-rfc6374-sr-02 </a:t>
+            </a:r>
+            <a:r>
+              <a:rPr lang="en-US" sz="1100" dirty="0"/>
+              <a:t>at IETF 107 in MPLS WG Interim</a:t>
+            </a:r>
+          </a:p>
+          <a:p>
+            <a:pPr marL="0" indent="0">
+              <a:buNone/>
+            </a:pPr>
+            <a:endParaRPr lang="en-US" sz="1100" dirty="0"/>
+          </a:p>
+        </p:txBody>
+      </p:sp>
+      <p:sp>
+        <p:nvSpPr>
+          <p:cNvPr id="4" name="Footer Placeholder 3"/>
+          <p:cNvSpPr>
+            <a:spLocks noGrp="1"/>
+          </p:cNvSpPr>
+          <p:nvPr>
+            <p:ph type="ftr" sz="quarter" idx="11"/>
+          </p:nvPr>
+        </p:nvSpPr>
+        <p:spPr>
+          <a:xfrm>
+            <a:off x="3124200" y="4786312"/>
             <a:ext cx="2895600" cy="357188"/>
           </a:xfrm>
         </p:spPr>
@@ -6841,388 +9695,35 @@
           <a:bodyPr/>
           <a:lstStyle/>
           <a:p>
-            <a:r>
-              <a:rPr lang="en-CA" dirty="0"/>
-              <a:t>IETF MPLS WG Interim – April 2020 </a:t>
-            </a:r>
-          </a:p>
-        </p:txBody>
-      </p:sp>
-      <p:sp>
-        <p:nvSpPr>
-          <p:cNvPr id="6" name="Content Placeholder 2"/>
+            <a:pPr>
+              <a:defRPr/>
+            </a:pPr>
+            <a:r>
+              <a:rPr lang="en-US" altLang="zh-CN" dirty="0"/>
+              <a:t>108</a:t>
+            </a:r>
+            <a:r>
+              <a:rPr lang="en-US" altLang="zh-CN" baseline="30000" dirty="0"/>
+              <a:t>th</a:t>
+            </a:r>
+            <a:r>
+              <a:rPr lang="en-US" altLang="zh-CN" dirty="0"/>
+              <a:t> IETF @ Madrid</a:t>
+            </a:r>
+          </a:p>
+        </p:txBody>
+      </p:sp>
+      <p:sp>
+        <p:nvSpPr>
+          <p:cNvPr id="5" name="Slide Number Placeholder 4"/>
           <p:cNvSpPr>
             <a:spLocks noGrp="1"/>
           </p:cNvSpPr>
           <p:nvPr>
-            <p:ph idx="1"/>
-          </p:nvPr>
-        </p:nvSpPr>
-        <p:spPr>
-          <a:xfrm>
-            <a:off x="838200" y="3961411"/>
-            <a:ext cx="7620002" cy="778651"/>
-          </a:xfrm>
-        </p:spPr>
-        <p:txBody>
-          <a:bodyPr/>
-          <a:lstStyle/>
-          <a:p>
-            <a:pPr lvl="0"/>
-            <a:r>
-              <a:rPr lang="en-US" sz="1400" dirty="0"/>
-              <a:t>For end-to-end measurement of SR Policy, the PM probe query messages for delay and loss measurements are sent on the congruent path with data traffic using MPLS GAL/</a:t>
-            </a:r>
-            <a:r>
-              <a:rPr lang="en-US" sz="1400" dirty="0" err="1"/>
-              <a:t>GAch</a:t>
-            </a:r>
-            <a:r>
-              <a:rPr lang="en-US" sz="1400" dirty="0"/>
-              <a:t> header as defined in [RFC6374] and SR-MPLS label stack of the SR Policy.</a:t>
-            </a:r>
-          </a:p>
-        </p:txBody>
-      </p:sp>
-      <p:sp>
-        <p:nvSpPr>
-          <p:cNvPr id="5" name="Rectangle 4">
-            <a:extLst>
-              <a:ext uri="{FF2B5EF4-FFF2-40B4-BE49-F238E27FC236}">
-                <a16:creationId xmlns:a16="http://schemas.microsoft.com/office/drawing/2014/main" id="{2C5661F2-CEE4-4FFE-9888-E03272882217}"/>
-              </a:ext>
-            </a:extLst>
-          </p:cNvPr>
-          <p:cNvSpPr/>
-          <p:nvPr/>
-        </p:nvSpPr>
-        <p:spPr>
-          <a:xfrm>
-            <a:off x="1371599" y="742950"/>
-            <a:ext cx="6400800" cy="3139321"/>
-          </a:xfrm>
-          <a:prstGeom prst="rect">
-            <a:avLst/>
-          </a:prstGeom>
-          <a:solidFill>
-            <a:schemeClr val="bg1">
-              <a:lumMod val="95000"/>
-            </a:schemeClr>
-          </a:solidFill>
-        </p:spPr>
-        <p:txBody>
-          <a:bodyPr wrap="square">
-            <a:spAutoFit/>
-          </a:bodyPr>
-          <a:lstStyle/>
-          <a:p>
-            <a:pPr>
-              <a:spcAft>
-                <a:spcPts val="0"/>
-              </a:spcAft>
-            </a:pPr>
-            <a:r>
-              <a:rPr lang="en-CA" sz="1100" dirty="0">
-                <a:latin typeface="Courier" pitchFamily="2" charset="0"/>
-                <a:ea typeface="Calibri" panose="020F0502020204030204" pitchFamily="34" charset="0"/>
-                <a:cs typeface="Courier New" panose="02070309020205020404" pitchFamily="49" charset="0"/>
-              </a:rPr>
-              <a:t>     0 1 2 3 4 5 6 7 8 9 0 1 2 3 4 5 6 7 8 9 0 1 2 3 4 5 6 7 8 9 0 1</a:t>
-            </a:r>
-          </a:p>
-          <a:p>
-            <a:pPr>
-              <a:spcAft>
-                <a:spcPts val="0"/>
-              </a:spcAft>
-            </a:pPr>
-            <a:r>
-              <a:rPr lang="en-CA" sz="1100" dirty="0">
-                <a:latin typeface="Courier" pitchFamily="2" charset="0"/>
-                <a:ea typeface="Calibri" panose="020F0502020204030204" pitchFamily="34" charset="0"/>
-                <a:cs typeface="Courier New" panose="02070309020205020404" pitchFamily="49" charset="0"/>
-              </a:rPr>
-              <a:t>    +-+-+-+-+-+-+-+-+-+-+-+-+-+-+-+-+-+-+-+-+-+-+-+-+-+-+-+-+-+-+-+-+</a:t>
-            </a:r>
-          </a:p>
-          <a:p>
-            <a:pPr>
-              <a:spcAft>
-                <a:spcPts val="0"/>
-              </a:spcAft>
-            </a:pPr>
-            <a:r>
-              <a:rPr lang="en-CA" sz="1100" dirty="0">
-                <a:latin typeface="Courier" pitchFamily="2" charset="0"/>
-                <a:ea typeface="Calibri" panose="020F0502020204030204" pitchFamily="34" charset="0"/>
-                <a:cs typeface="Courier New" panose="02070309020205020404" pitchFamily="49" charset="0"/>
-              </a:rPr>
-              <a:t>    |                  Label(1)             | TC  |S|      TTL      |</a:t>
-            </a:r>
-          </a:p>
-          <a:p>
-            <a:pPr>
-              <a:spcAft>
-                <a:spcPts val="0"/>
-              </a:spcAft>
-            </a:pPr>
-            <a:r>
-              <a:rPr lang="en-CA" sz="1100" dirty="0">
-                <a:latin typeface="Courier" pitchFamily="2" charset="0"/>
-                <a:ea typeface="Calibri" panose="020F0502020204030204" pitchFamily="34" charset="0"/>
-                <a:cs typeface="Courier New" panose="02070309020205020404" pitchFamily="49" charset="0"/>
-              </a:rPr>
-              <a:t>    +-+-+-+-+-+-+-+-+-+-+-+-+-+-+-+-+-+-+-+-+-+-+-+-+-+-+-+-+-+-+-+-+</a:t>
-            </a:r>
-          </a:p>
-          <a:p>
-            <a:pPr>
-              <a:spcAft>
-                <a:spcPts val="0"/>
-              </a:spcAft>
-            </a:pPr>
-            <a:r>
-              <a:rPr lang="en-CA" sz="1100" dirty="0">
-                <a:latin typeface="Courier" pitchFamily="2" charset="0"/>
-                <a:ea typeface="Calibri" panose="020F0502020204030204" pitchFamily="34" charset="0"/>
-                <a:cs typeface="Courier New" panose="02070309020205020404" pitchFamily="49" charset="0"/>
-              </a:rPr>
-              <a:t>    .                                                               .</a:t>
-            </a:r>
-          </a:p>
-          <a:p>
-            <a:pPr>
-              <a:spcAft>
-                <a:spcPts val="0"/>
-              </a:spcAft>
-            </a:pPr>
-            <a:r>
-              <a:rPr lang="en-CA" sz="1100" dirty="0">
-                <a:latin typeface="Courier" pitchFamily="2" charset="0"/>
-                <a:ea typeface="Calibri" panose="020F0502020204030204" pitchFamily="34" charset="0"/>
-                <a:cs typeface="Courier New" panose="02070309020205020404" pitchFamily="49" charset="0"/>
-              </a:rPr>
-              <a:t>    .                                                               .</a:t>
-            </a:r>
-          </a:p>
-          <a:p>
-            <a:pPr>
-              <a:spcAft>
-                <a:spcPts val="0"/>
-              </a:spcAft>
-            </a:pPr>
-            <a:r>
-              <a:rPr lang="en-CA" sz="1100" dirty="0">
-                <a:latin typeface="Courier" pitchFamily="2" charset="0"/>
-                <a:ea typeface="Calibri" panose="020F0502020204030204" pitchFamily="34" charset="0"/>
-                <a:cs typeface="Courier New" panose="02070309020205020404" pitchFamily="49" charset="0"/>
-              </a:rPr>
-              <a:t>    .                                                               .</a:t>
-            </a:r>
-          </a:p>
-          <a:p>
-            <a:pPr>
-              <a:spcAft>
-                <a:spcPts val="0"/>
-              </a:spcAft>
-            </a:pPr>
-            <a:r>
-              <a:rPr lang="en-CA" sz="1100" dirty="0">
-                <a:latin typeface="Courier" pitchFamily="2" charset="0"/>
-                <a:ea typeface="Calibri" panose="020F0502020204030204" pitchFamily="34" charset="0"/>
-                <a:cs typeface="Courier New" panose="02070309020205020404" pitchFamily="49" charset="0"/>
-              </a:rPr>
-              <a:t>    +-+-+-+-+-+-+-+-+-+-+-+-+-+-+-+-+-+-+-+-+-+-+-+-+-+-+-+-+-+-+-+-+</a:t>
-            </a:r>
-          </a:p>
-          <a:p>
-            <a:pPr>
-              <a:spcAft>
-                <a:spcPts val="0"/>
-              </a:spcAft>
-            </a:pPr>
-            <a:r>
-              <a:rPr lang="en-CA" sz="1100" dirty="0">
-                <a:latin typeface="Courier" pitchFamily="2" charset="0"/>
-                <a:ea typeface="Calibri" panose="020F0502020204030204" pitchFamily="34" charset="0"/>
-                <a:cs typeface="Courier New" panose="02070309020205020404" pitchFamily="49" charset="0"/>
-              </a:rPr>
-              <a:t>    |                  Label(n)             | TC  |S|      TTL      |</a:t>
-            </a:r>
-          </a:p>
-          <a:p>
-            <a:r>
-              <a:rPr lang="en-CA" sz="1100" dirty="0">
-                <a:latin typeface="Courier" pitchFamily="2" charset="0"/>
-                <a:cs typeface="Courier New" panose="02070309020205020404" pitchFamily="49" charset="0"/>
-              </a:rPr>
-              <a:t>    +-+-+-+-+-+-+-+-+-+-+-+-+-+-+-+-+-+-+-+-+-+-+-+-+-+-+-+-+-+-+-+-+</a:t>
-            </a:r>
-          </a:p>
-          <a:p>
-            <a:r>
-              <a:rPr lang="en-CA" sz="1100" dirty="0">
-                <a:latin typeface="Courier" pitchFamily="2" charset="0"/>
-                <a:cs typeface="Courier New" panose="02070309020205020404" pitchFamily="49" charset="0"/>
-              </a:rPr>
-              <a:t>    |                  </a:t>
-            </a:r>
-            <a:r>
-              <a:rPr lang="en-CA" sz="1100" dirty="0">
-                <a:solidFill>
-                  <a:srgbClr val="0070C0"/>
-                </a:solidFill>
-                <a:latin typeface="Courier" pitchFamily="2" charset="0"/>
-                <a:cs typeface="Courier New" panose="02070309020205020404" pitchFamily="49" charset="0"/>
-              </a:rPr>
-              <a:t>PSID   </a:t>
-            </a:r>
-            <a:r>
-              <a:rPr lang="en-CA" sz="1100" dirty="0">
-                <a:latin typeface="Courier" pitchFamily="2" charset="0"/>
-                <a:cs typeface="Courier New" panose="02070309020205020404" pitchFamily="49" charset="0"/>
-              </a:rPr>
-              <a:t>              | TC  |S|      TTL      |</a:t>
-            </a:r>
-            <a:endParaRPr lang="en-CA" sz="1100" dirty="0">
-              <a:latin typeface="Courier" pitchFamily="2" charset="0"/>
-              <a:ea typeface="Calibri" panose="020F0502020204030204" pitchFamily="34" charset="0"/>
-              <a:cs typeface="Courier New" panose="02070309020205020404" pitchFamily="49" charset="0"/>
-            </a:endParaRPr>
-          </a:p>
-          <a:p>
-            <a:pPr>
-              <a:spcAft>
-                <a:spcPts val="0"/>
-              </a:spcAft>
-            </a:pPr>
-            <a:r>
-              <a:rPr lang="en-CA" sz="1100" dirty="0">
-                <a:latin typeface="Courier" pitchFamily="2" charset="0"/>
-                <a:ea typeface="Calibri" panose="020F0502020204030204" pitchFamily="34" charset="0"/>
-                <a:cs typeface="Courier New" panose="02070309020205020404" pitchFamily="49" charset="0"/>
-              </a:rPr>
-              <a:t>    +-+-+-+-+-+-+-+-+-+-+-+-+-+-+-+-+-+-+-+-+-+-+-+-+-+-+-+-+-+-+-+-+</a:t>
-            </a:r>
-          </a:p>
-          <a:p>
-            <a:pPr>
-              <a:spcAft>
-                <a:spcPts val="0"/>
-              </a:spcAft>
-            </a:pPr>
-            <a:r>
-              <a:rPr lang="en-CA" sz="1100" dirty="0">
-                <a:latin typeface="Courier" pitchFamily="2" charset="0"/>
-                <a:ea typeface="Calibri" panose="020F0502020204030204" pitchFamily="34" charset="0"/>
-                <a:cs typeface="Courier New" panose="02070309020205020404" pitchFamily="49" charset="0"/>
-              </a:rPr>
-              <a:t>    |                  GAL (value 13)       | TC  |1|      TTL      |</a:t>
-            </a:r>
-          </a:p>
-          <a:p>
-            <a:pPr>
-              <a:spcAft>
-                <a:spcPts val="0"/>
-              </a:spcAft>
-            </a:pPr>
-            <a:r>
-              <a:rPr lang="en-CA" sz="1100" dirty="0">
-                <a:latin typeface="Courier" pitchFamily="2" charset="0"/>
-                <a:ea typeface="Calibri" panose="020F0502020204030204" pitchFamily="34" charset="0"/>
-                <a:cs typeface="Courier New" panose="02070309020205020404" pitchFamily="49" charset="0"/>
-              </a:rPr>
-              <a:t>    +-+-+-+-+-+-+-+-+-+-+-+-+-+-+-+-+-+-+-+-+-+-+-+-+-+-+-+-+-+-+-+-+</a:t>
-            </a:r>
-          </a:p>
-          <a:p>
-            <a:pPr>
-              <a:spcAft>
-                <a:spcPts val="0"/>
-              </a:spcAft>
-            </a:pPr>
-            <a:r>
-              <a:rPr lang="en-CA" sz="1100" dirty="0">
-                <a:latin typeface="Courier" pitchFamily="2" charset="0"/>
-                <a:ea typeface="Calibri" panose="020F0502020204030204" pitchFamily="34" charset="0"/>
-                <a:cs typeface="Courier New" panose="02070309020205020404" pitchFamily="49" charset="0"/>
-              </a:rPr>
-              <a:t>    |0 0 0 1|Version|  Reserved     | GAL Channel Type              |</a:t>
-            </a:r>
-          </a:p>
-          <a:p>
-            <a:pPr>
-              <a:spcAft>
-                <a:spcPts val="0"/>
-              </a:spcAft>
-            </a:pPr>
-            <a:r>
-              <a:rPr lang="en-CA" sz="1100" dirty="0">
-                <a:latin typeface="Courier" pitchFamily="2" charset="0"/>
-                <a:ea typeface="Calibri" panose="020F0502020204030204" pitchFamily="34" charset="0"/>
-                <a:cs typeface="Courier New" panose="02070309020205020404" pitchFamily="49" charset="0"/>
-              </a:rPr>
-              <a:t>    +-+-+-+-+-+-+-+-+-+-+-+-+-+-+-+-+-+-+-+-+-+-+-+-+-+-+-+-+-+-+-+-+</a:t>
-            </a:r>
-          </a:p>
-          <a:p>
-            <a:pPr>
-              <a:spcAft>
-                <a:spcPts val="0"/>
-              </a:spcAft>
-            </a:pPr>
-            <a:r>
-              <a:rPr lang="en-CA" sz="1100" dirty="0">
-                <a:latin typeface="Courier" pitchFamily="2" charset="0"/>
-                <a:ea typeface="Calibri" panose="020F0502020204030204" pitchFamily="34" charset="0"/>
-                <a:cs typeface="Courier New" panose="02070309020205020404" pitchFamily="49" charset="0"/>
-              </a:rPr>
-              <a:t> </a:t>
-            </a:r>
-          </a:p>
-          <a:p>
-            <a:pPr>
-              <a:spcAft>
-                <a:spcPts val="0"/>
-              </a:spcAft>
-            </a:pPr>
-            <a:r>
-              <a:rPr lang="en-CA" sz="1100" dirty="0">
-                <a:latin typeface="Courier" pitchFamily="2" charset="0"/>
-                <a:ea typeface="Calibri" panose="020F0502020204030204" pitchFamily="34" charset="0"/>
-                <a:cs typeface="Courier New" panose="02070309020205020404" pitchFamily="49" charset="0"/>
-              </a:rPr>
-              <a:t>   Figure: Example Probe Message Header for an End-to-end SR-MPLS Policy</a:t>
-            </a:r>
-            <a:endParaRPr lang="en-CA" sz="1100" dirty="0">
-              <a:latin typeface="Courier" pitchFamily="2" charset="0"/>
-              <a:cs typeface="Courier New" panose="02070309020205020404" pitchFamily="49" charset="0"/>
-            </a:endParaRPr>
-          </a:p>
-        </p:txBody>
-      </p:sp>
-      <p:sp>
-        <p:nvSpPr>
-          <p:cNvPr id="7" name="Slide Number Placeholder 1">
-            <a:extLst>
-              <a:ext uri="{FF2B5EF4-FFF2-40B4-BE49-F238E27FC236}">
-                <a16:creationId xmlns:a16="http://schemas.microsoft.com/office/drawing/2014/main" id="{A7D1E127-E8AA-D646-B679-5809D9B5EF2F}"/>
-              </a:ext>
-            </a:extLst>
-          </p:cNvPr>
-          <p:cNvSpPr>
-            <a:spLocks noGrp="1"/>
-          </p:cNvSpPr>
-          <p:nvPr>
             <p:ph type="sldNum" sz="quarter" idx="12"/>
           </p:nvPr>
         </p:nvSpPr>
-        <p:spPr>
-          <a:xfrm>
-            <a:off x="6553200" y="4740062"/>
-            <a:ext cx="2133600" cy="357188"/>
-          </a:xfrm>
-        </p:spPr>
+        <p:spPr/>
         <p:txBody>
           <a:bodyPr/>
           <a:lstStyle/>
@@ -7235,16 +9736,16 @@
               <a:pPr>
                 <a:defRPr/>
               </a:pPr>
-              <a:t>14</a:t>
+              <a:t>4</a:t>
             </a:fld>
-            <a:endParaRPr lang="en-US" altLang="zh-CN" dirty="0"/>
+            <a:endParaRPr lang="en-US" altLang="zh-CN"/>
           </a:p>
         </p:txBody>
       </p:sp>
     </p:spTree>
     <p:extLst>
       <p:ext uri="{BB962C8B-B14F-4D97-AF65-F5344CB8AC3E}">
-        <p14:creationId xmlns:p14="http://schemas.microsoft.com/office/powerpoint/2010/main" val="358295288"/>
+        <p14:creationId xmlns:p14="http://schemas.microsoft.com/office/powerpoint/2010/main" val="4189620026"/>
       </p:ext>
     </p:extLst>
   </p:cSld>
@@ -7254,7 +9755,7 @@
 </p:sld>
 </file>
 
-<file path=ppt/slides/slide15.xml><?xml version="1.0" encoding="utf-8"?>
+<file path=ppt/slides/slide5.xml><?xml version="1.0" encoding="utf-8"?>
 <p:sld xmlns:a="http://schemas.openxmlformats.org/drawingml/2006/main" xmlns:r="http://schemas.openxmlformats.org/officeDocument/2006/relationships" xmlns:p="http://schemas.openxmlformats.org/presentationml/2006/main">
   <p:cSld>
     <p:spTree>
@@ -7273,204 +9774,17 @@
       </p:grpSpPr>
       <p:sp>
         <p:nvSpPr>
-          <p:cNvPr id="4" name="Footer Placeholder 3"/>
+          <p:cNvPr id="2" name="Title 1"/>
           <p:cNvSpPr>
             <a:spLocks noGrp="1"/>
           </p:cNvSpPr>
           <p:nvPr>
-            <p:ph type="ftr" sz="quarter" idx="11"/>
+            <p:ph type="title"/>
           </p:nvPr>
         </p:nvSpPr>
         <p:spPr>
           <a:xfrm>
-            <a:off x="3276600" y="4805362"/>
-            <a:ext cx="2895600" cy="357188"/>
-          </a:xfrm>
-        </p:spPr>
-        <p:txBody>
-          <a:bodyPr/>
-          <a:lstStyle/>
-          <a:p>
-            <a:r>
-              <a:rPr lang="en-CA" dirty="0"/>
-              <a:t>IETF MPLS WG Interim – April 2020 </a:t>
-            </a:r>
-          </a:p>
-        </p:txBody>
-      </p:sp>
-      <p:sp>
-        <p:nvSpPr>
-          <p:cNvPr id="2" name="Slide Number Placeholder 1"/>
-          <p:cNvSpPr>
-            <a:spLocks noGrp="1"/>
-          </p:cNvSpPr>
-          <p:nvPr>
-            <p:ph type="sldNum" sz="quarter" idx="12"/>
-          </p:nvPr>
-        </p:nvSpPr>
-        <p:spPr/>
-        <p:txBody>
-          <a:bodyPr/>
-          <a:lstStyle/>
-          <a:p>
-            <a:pPr>
-              <a:defRPr/>
-            </a:pPr>
-            <a:fld id="{BD6E0F59-1DD8-40FC-9C92-B6295CBA6CCA}" type="slidenum">
-              <a:rPr lang="en-US" altLang="zh-CN" smtClean="0"/>
-              <a:pPr>
-                <a:defRPr/>
-              </a:pPr>
-              <a:t>15</a:t>
-            </a:fld>
-            <a:endParaRPr lang="en-US" altLang="zh-CN"/>
-          </a:p>
-        </p:txBody>
-      </p:sp>
-      <p:sp>
-        <p:nvSpPr>
-          <p:cNvPr id="3" name="Rectangle 2">
-            <a:extLst>
-              <a:ext uri="{FF2B5EF4-FFF2-40B4-BE49-F238E27FC236}">
-                <a16:creationId xmlns:a16="http://schemas.microsoft.com/office/drawing/2014/main" id="{F6C70268-634F-470C-8DFE-DEA87DC6C54D}"/>
-              </a:ext>
-            </a:extLst>
-          </p:cNvPr>
-          <p:cNvSpPr/>
-          <p:nvPr/>
-        </p:nvSpPr>
-        <p:spPr>
-          <a:xfrm>
-            <a:off x="1181100" y="857876"/>
-            <a:ext cx="6819900" cy="2123658"/>
-          </a:xfrm>
-          <a:prstGeom prst="rect">
-            <a:avLst/>
-          </a:prstGeom>
-          <a:solidFill>
-            <a:schemeClr val="bg1">
-              <a:lumMod val="95000"/>
-            </a:schemeClr>
-          </a:solidFill>
-        </p:spPr>
-        <p:txBody>
-          <a:bodyPr wrap="square">
-            <a:spAutoFit/>
-          </a:bodyPr>
-          <a:lstStyle/>
-          <a:p>
-            <a:r>
-              <a:rPr lang="en-CA" sz="1200" dirty="0">
-                <a:latin typeface="Courier" pitchFamily="2" charset="0"/>
-              </a:rPr>
-              <a:t>    0                   1                   2                   3</a:t>
-            </a:r>
-          </a:p>
-          <a:p>
-            <a:r>
-              <a:rPr lang="en-CA" sz="1200" dirty="0">
-                <a:latin typeface="Courier" pitchFamily="2" charset="0"/>
-              </a:rPr>
-              <a:t>    0 1 2 3 4 5 6 7 8 9 0 1 2 3 4 5 6 7 8 9 0 1 2 3 4 5 6 7 8 9 0 1</a:t>
-            </a:r>
-          </a:p>
-          <a:p>
-            <a:r>
-              <a:rPr lang="en-CA" sz="1200" dirty="0">
-                <a:latin typeface="Courier" pitchFamily="2" charset="0"/>
-              </a:rPr>
-              <a:t>    +-+-+-+-+-+-+-+-+-+-+-+-+-+-+-+-+-+-+-+-+-+-+-+-+-+-+-+-+-+-+-+-+</a:t>
-            </a:r>
-          </a:p>
-          <a:p>
-            <a:r>
-              <a:rPr lang="en-CA" sz="1200" dirty="0">
-                <a:latin typeface="Courier" pitchFamily="2" charset="0"/>
-              </a:rPr>
-              <a:t>    |              Replication SID          | TC  |S|      TTL      |</a:t>
-            </a:r>
-          </a:p>
-          <a:p>
-            <a:r>
-              <a:rPr lang="en-CA" sz="1200" dirty="0">
-                <a:latin typeface="Courier" pitchFamily="2" charset="0"/>
-              </a:rPr>
-              <a:t>    +-+-+-+-+-+-+-+-+-+-+-+-+-+-+-+-+-+-+-+-+-+-+-+-+-+-+-+-+-+-+-+-+</a:t>
-            </a:r>
-          </a:p>
-          <a:p>
-            <a:r>
-              <a:rPr lang="en-CA" sz="1200" dirty="0">
-                <a:latin typeface="Courier" pitchFamily="2" charset="0"/>
-              </a:rPr>
-              <a:t>    |              GAL (value 13)           | TC  |1|      TTL      |</a:t>
-            </a:r>
-          </a:p>
-          <a:p>
-            <a:r>
-              <a:rPr lang="en-CA" sz="1200" dirty="0">
-                <a:latin typeface="Courier" pitchFamily="2" charset="0"/>
-              </a:rPr>
-              <a:t>    +-+-+-+-+-+-+-+-+-+-+-+-+-+-+-+-+-+-+-+-+-+-+-+-+-+-+-+-+-+-+-+-+</a:t>
-            </a:r>
-          </a:p>
-          <a:p>
-            <a:r>
-              <a:rPr lang="en-CA" sz="1200" dirty="0">
-                <a:latin typeface="Courier" pitchFamily="2" charset="0"/>
-              </a:rPr>
-              <a:t>    |0 0 0 1|Version|  Reserved     | GAL Channel Type              |</a:t>
-            </a:r>
-          </a:p>
-          <a:p>
-            <a:r>
-              <a:rPr lang="en-CA" sz="1200" dirty="0">
-                <a:latin typeface="Courier" pitchFamily="2" charset="0"/>
-              </a:rPr>
-              <a:t>    +-+-+-+-+-+-+-+-+-+-+-+-+-+-+-+-+-+-+-+-+-+-+-+-+-+-+-+-+-+-+-+-+</a:t>
-            </a:r>
-          </a:p>
-          <a:p>
-            <a:r>
-              <a:rPr lang="en-CA" sz="1200" dirty="0">
-                <a:latin typeface="Courier" pitchFamily="2" charset="0"/>
-              </a:rPr>
-              <a:t> </a:t>
-            </a:r>
-          </a:p>
-          <a:p>
-            <a:r>
-              <a:rPr lang="en-CA" sz="1200" dirty="0">
-                <a:latin typeface="Courier" pitchFamily="2" charset="0"/>
-              </a:rPr>
-              <a:t> Figure: Example Probe Query with Replication Segment for P2MP SR Policy</a:t>
-            </a:r>
-            <a:endParaRPr lang="en-CA" sz="1200" dirty="0">
-              <a:latin typeface="Courier" pitchFamily="2" charset="0"/>
-              <a:cs typeface="Courier New" panose="02070309020205020404" pitchFamily="49" charset="0"/>
-            </a:endParaRPr>
-          </a:p>
-        </p:txBody>
-      </p:sp>
-      <p:sp>
-        <p:nvSpPr>
-          <p:cNvPr id="6" name="Title 1">
-            <a:extLst>
-              <a:ext uri="{FF2B5EF4-FFF2-40B4-BE49-F238E27FC236}">
-                <a16:creationId xmlns:a16="http://schemas.microsoft.com/office/drawing/2014/main" id="{DB06EA39-A9DB-46A1-A4BB-54CBE90776C1}"/>
-              </a:ext>
-            </a:extLst>
-          </p:cNvPr>
-          <p:cNvSpPr>
-            <a:spLocks noGrp="1"/>
-          </p:cNvSpPr>
-          <p:nvPr>
-            <p:ph type="title"/>
-          </p:nvPr>
-        </p:nvSpPr>
-        <p:spPr>
-          <a:xfrm>
-            <a:off x="381000" y="0"/>
+            <a:off x="457200" y="0"/>
             <a:ext cx="8229600" cy="857250"/>
           </a:xfrm>
         </p:spPr>
@@ -7486,131 +9800,193 @@
                 <a:latin typeface="Calibri Light" panose="020F0302020204030204" pitchFamily="34" charset="0"/>
                 <a:cs typeface="Calibri Light" panose="020F0302020204030204" pitchFamily="34" charset="0"/>
               </a:rPr>
-              <a:t>PM Probe Query for P2MP SR Policy</a:t>
-            </a:r>
-          </a:p>
-        </p:txBody>
-      </p:sp>
-      <p:sp>
-        <p:nvSpPr>
-          <p:cNvPr id="5" name="Rectangle 4">
-            <a:extLst>
-              <a:ext uri="{FF2B5EF4-FFF2-40B4-BE49-F238E27FC236}">
-                <a16:creationId xmlns:a16="http://schemas.microsoft.com/office/drawing/2014/main" id="{E6C60723-2AD3-804D-BCA6-3C39A468AD68}"/>
-              </a:ext>
-            </a:extLst>
-          </p:cNvPr>
-          <p:cNvSpPr/>
-          <p:nvPr/>
+              <a:t>Updates Since IETF-107 (Version 02)</a:t>
+            </a:r>
+          </a:p>
+        </p:txBody>
+      </p:sp>
+      <p:sp>
+        <p:nvSpPr>
+          <p:cNvPr id="3" name="Content Placeholder 2"/>
+          <p:cNvSpPr>
+            <a:spLocks noGrp="1"/>
+          </p:cNvSpPr>
+          <p:nvPr>
+            <p:ph idx="1"/>
+          </p:nvPr>
         </p:nvSpPr>
         <p:spPr>
           <a:xfrm>
-            <a:off x="495300" y="3159740"/>
-            <a:ext cx="8229600" cy="1467005"/>
+            <a:off x="457200" y="1047750"/>
+            <a:ext cx="8229600" cy="3262312"/>
           </a:xfrm>
-          <a:prstGeom prst="rect">
-            <a:avLst/>
-          </a:prstGeom>
         </p:spPr>
         <p:txBody>
-          <a:bodyPr wrap="square">
-            <a:spAutoFit/>
-          </a:bodyPr>
+          <a:bodyPr/>
           <a:lstStyle/>
           <a:p>
-            <a:pPr marL="171450" indent="-171450">
+            <a:pPr marL="0" indent="0">
               <a:lnSpc>
-                <a:spcPts val="1840"/>
+                <a:spcPts val="2020"/>
               </a:lnSpc>
               <a:spcBef>
                 <a:spcPts val="600"/>
               </a:spcBef>
-              <a:buFont typeface="Arial" panose="020B0604020202020204" pitchFamily="34" charset="0"/>
-              <a:buChar char="•"/>
-            </a:pPr>
-            <a:r>
-              <a:rPr lang="en-US" sz="1400" dirty="0">
-                <a:solidFill>
-                  <a:schemeClr val="tx2"/>
-                </a:solidFill>
-                <a:latin typeface="Calibri" panose="020F0502020204030204" pitchFamily="34" charset="0"/>
-                <a:cs typeface="Calibri" panose="020F0502020204030204" pitchFamily="34" charset="0"/>
-              </a:rPr>
-              <a:t>Applicable to one-way mode for delay and loss measurement for P2MP SR Policy.</a:t>
-            </a:r>
-          </a:p>
-          <a:p>
-            <a:pPr marL="171450" indent="-171450">
+              <a:buNone/>
+            </a:pPr>
+            <a:r>
+              <a:rPr lang="en-US" sz="1800" dirty="0"/>
+              <a:t>Updates:</a:t>
+            </a:r>
+          </a:p>
+          <a:p>
+            <a:pPr lvl="1">
               <a:lnSpc>
-                <a:spcPts val="1840"/>
+                <a:spcPts val="2020"/>
               </a:lnSpc>
               <a:spcBef>
                 <a:spcPts val="600"/>
               </a:spcBef>
-              <a:buFont typeface="Arial" panose="020B0604020202020204" pitchFamily="34" charset="0"/>
-              <a:buChar char="•"/>
-            </a:pPr>
-            <a:r>
-              <a:rPr lang="en-US" sz="1400" dirty="0">
-                <a:solidFill>
-                  <a:schemeClr val="tx2"/>
-                </a:solidFill>
-                <a:latin typeface="Calibri" panose="020F0502020204030204" pitchFamily="34" charset="0"/>
-                <a:cs typeface="Calibri" panose="020F0502020204030204" pitchFamily="34" charset="0"/>
-              </a:rPr>
-              <a:t>The querier root node sends probe query messages using the Replication Segment for the P2MP SR Policy</a:t>
-            </a:r>
-          </a:p>
-          <a:p>
-            <a:pPr marL="171450" indent="-171450">
+              <a:buFont typeface="Wingdings" pitchFamily="2" charset="2"/>
+              <a:buChar char="ü"/>
+            </a:pPr>
+            <a:r>
+              <a:rPr lang="en-US" sz="1800" dirty="0"/>
+              <a:t>Addressed MPLS-RT expert review comments</a:t>
+            </a:r>
+          </a:p>
+          <a:p>
+            <a:pPr lvl="1">
               <a:lnSpc>
-                <a:spcPts val="1840"/>
+                <a:spcPts val="2020"/>
               </a:lnSpc>
               <a:spcBef>
                 <a:spcPts val="600"/>
               </a:spcBef>
-              <a:buFont typeface="Arial" panose="020B0604020202020204" pitchFamily="34" charset="0"/>
-              <a:buChar char="•"/>
-            </a:pPr>
-            <a:r>
-              <a:rPr lang="en-US" sz="1400" dirty="0">
-                <a:solidFill>
-                  <a:schemeClr val="tx2"/>
-                </a:solidFill>
-                <a:latin typeface="Calibri" panose="020F0502020204030204" pitchFamily="34" charset="0"/>
-                <a:cs typeface="Calibri" panose="020F0502020204030204" pitchFamily="34" charset="0"/>
-              </a:rPr>
-              <a:t>Each responder leaf node adds the "Source Address" TLV (Type 130) [RFC6374] with its IP address in the probe response messages</a:t>
-            </a:r>
-          </a:p>
-          <a:p>
-            <a:pPr marL="628650" lvl="1" indent="-171450">
+              <a:buFont typeface="Wingdings" pitchFamily="2" charset="2"/>
+              <a:buChar char="ü"/>
+            </a:pPr>
+            <a:r>
+              <a:rPr lang="en-US" sz="1800" dirty="0"/>
+              <a:t>Various editorial changes</a:t>
+            </a:r>
+          </a:p>
+          <a:p>
+            <a:pPr marL="0" indent="0">
               <a:lnSpc>
-                <a:spcPts val="1840"/>
+                <a:spcPts val="2020"/>
               </a:lnSpc>
               <a:spcBef>
                 <a:spcPts val="600"/>
               </a:spcBef>
-              <a:buFont typeface="Arial" panose="020B0604020202020204" pitchFamily="34" charset="0"/>
-              <a:buChar char="•"/>
-            </a:pPr>
-            <a:r>
-              <a:rPr lang="en-US" sz="1400" dirty="0">
-                <a:solidFill>
-                  <a:schemeClr val="tx2"/>
-                </a:solidFill>
-                <a:latin typeface="Calibri" panose="020F0502020204030204" pitchFamily="34" charset="0"/>
-                <a:cs typeface="Calibri" panose="020F0502020204030204" pitchFamily="34" charset="0"/>
-              </a:rPr>
-              <a:t>This TLV allows the querier root node to identify the responder leaf nodes of the P2MP SR Policy</a:t>
-            </a:r>
+              <a:buNone/>
+            </a:pPr>
+            <a:endParaRPr lang="en-US" sz="1800" dirty="0"/>
+          </a:p>
+          <a:p>
+            <a:pPr marL="0" indent="0">
+              <a:lnSpc>
+                <a:spcPts val="2020"/>
+              </a:lnSpc>
+              <a:spcBef>
+                <a:spcPts val="600"/>
+              </a:spcBef>
+              <a:buNone/>
+            </a:pPr>
+            <a:r>
+              <a:rPr lang="en-US" sz="1800" dirty="0"/>
+              <a:t>Open Items:</a:t>
+            </a:r>
+          </a:p>
+          <a:p>
+            <a:pPr marL="685800" lvl="2" indent="-285750">
+              <a:lnSpc>
+                <a:spcPts val="2020"/>
+              </a:lnSpc>
+              <a:spcBef>
+                <a:spcPts val="600"/>
+              </a:spcBef>
+              <a:buFont typeface="Wingdings" charset="2"/>
+              <a:buChar char="§"/>
+            </a:pPr>
+            <a:r>
+              <a:rPr lang="en-US" sz="1800" dirty="0"/>
+              <a:t>None</a:t>
+            </a:r>
+          </a:p>
+        </p:txBody>
+      </p:sp>
+      <p:sp>
+        <p:nvSpPr>
+          <p:cNvPr id="4" name="Footer Placeholder 3"/>
+          <p:cNvSpPr>
+            <a:spLocks noGrp="1"/>
+          </p:cNvSpPr>
+          <p:nvPr>
+            <p:ph type="ftr" sz="quarter" idx="11"/>
+          </p:nvPr>
+        </p:nvSpPr>
+        <p:spPr>
+          <a:xfrm>
+            <a:off x="3124200" y="4786312"/>
+            <a:ext cx="2895600" cy="357188"/>
+          </a:xfrm>
+        </p:spPr>
+        <p:txBody>
+          <a:bodyPr/>
+          <a:lstStyle/>
+          <a:p>
+            <a:pPr>
+              <a:defRPr/>
+            </a:pPr>
+            <a:r>
+              <a:rPr lang="en-US" altLang="zh-CN" dirty="0"/>
+              <a:t>108</a:t>
+            </a:r>
+            <a:r>
+              <a:rPr lang="en-US" altLang="zh-CN" baseline="30000" dirty="0"/>
+              <a:t>th</a:t>
+            </a:r>
+            <a:r>
+              <a:rPr lang="en-US" altLang="zh-CN" dirty="0"/>
+              <a:t> IETF @ Madrid</a:t>
+            </a:r>
+          </a:p>
+        </p:txBody>
+      </p:sp>
+      <p:sp>
+        <p:nvSpPr>
+          <p:cNvPr id="5" name="Slide Number Placeholder 4"/>
+          <p:cNvSpPr>
+            <a:spLocks noGrp="1"/>
+          </p:cNvSpPr>
+          <p:nvPr>
+            <p:ph type="sldNum" sz="quarter" idx="12"/>
+          </p:nvPr>
+        </p:nvSpPr>
+        <p:spPr/>
+        <p:txBody>
+          <a:bodyPr/>
+          <a:lstStyle/>
+          <a:p>
+            <a:pPr>
+              <a:defRPr/>
+            </a:pPr>
+            <a:fld id="{BD6E0F59-1DD8-40FC-9C92-B6295CBA6CCA}" type="slidenum">
+              <a:rPr lang="en-US" altLang="zh-CN" smtClean="0"/>
+              <a:pPr>
+                <a:defRPr/>
+              </a:pPr>
+              <a:t>5</a:t>
+            </a:fld>
+            <a:endParaRPr lang="en-US" altLang="zh-CN"/>
           </a:p>
         </p:txBody>
       </p:sp>
     </p:spTree>
     <p:extLst>
       <p:ext uri="{BB962C8B-B14F-4D97-AF65-F5344CB8AC3E}">
-        <p14:creationId xmlns:p14="http://schemas.microsoft.com/office/powerpoint/2010/main" val="3250645217"/>
+        <p14:creationId xmlns:p14="http://schemas.microsoft.com/office/powerpoint/2010/main" val="2099784755"/>
       </p:ext>
     </p:extLst>
   </p:cSld>
@@ -7620,7 +9996,7 @@
 </p:sld>
 </file>
 
-<file path=ppt/slides/slide16.xml><?xml version="1.0" encoding="utf-8"?>
+<file path=ppt/slides/slide6.xml><?xml version="1.0" encoding="utf-8"?>
 <p:sld xmlns:a="http://schemas.openxmlformats.org/drawingml/2006/main" xmlns:r="http://schemas.openxmlformats.org/officeDocument/2006/relationships" xmlns:p="http://schemas.openxmlformats.org/presentationml/2006/main">
   <p:cSld>
     <p:spTree>
@@ -7665,7 +10041,7 @@
                 <a:latin typeface="Calibri Light" panose="020F0302020204030204" pitchFamily="34" charset="0"/>
                 <a:cs typeface="Calibri Light" panose="020F0302020204030204" pitchFamily="34" charset="0"/>
               </a:rPr>
-              <a:t>WG Co-ordination Plan</a:t>
+              <a:t>Next Steps</a:t>
             </a:r>
           </a:p>
         </p:txBody>
@@ -7682,71 +10058,49 @@
         </p:nvSpPr>
         <p:spPr>
           <a:xfrm>
-            <a:off x="685800" y="971550"/>
-            <a:ext cx="8001000" cy="2971800"/>
+            <a:off x="685800" y="1047750"/>
+            <a:ext cx="8001000" cy="3048000"/>
           </a:xfrm>
         </p:spPr>
         <p:txBody>
           <a:bodyPr/>
           <a:lstStyle/>
           <a:p>
+            <a:pPr lvl="0"/>
             <a:r>
               <a:rPr lang="en-US" sz="2400" dirty="0">
-                <a:solidFill>
-                  <a:schemeClr val="tx2"/>
-                </a:solidFill>
-              </a:rPr>
-              <a:t>IANA code-points to be allocated by MPLS WG</a:t>
-            </a:r>
-          </a:p>
-          <a:p>
+                <a:latin typeface="Calibri" charset="0"/>
+                <a:ea typeface="Calibri" charset="0"/>
+                <a:cs typeface="Calibri" charset="0"/>
+              </a:rPr>
+              <a:t>Welcome your comments and suggestions</a:t>
+            </a:r>
+          </a:p>
+          <a:p>
+            <a:pPr lvl="0"/>
+            <a:r>
+              <a:rPr lang="en-US" sz="2400" dirty="0"/>
+              <a:t>Implementation exists</a:t>
+            </a:r>
+            <a:endParaRPr lang="en-US" sz="2400" dirty="0">
+              <a:latin typeface="Calibri" charset="0"/>
+              <a:ea typeface="Calibri" charset="0"/>
+              <a:cs typeface="Calibri" charset="0"/>
+            </a:endParaRPr>
+          </a:p>
+          <a:p>
+            <a:r>
+              <a:rPr lang="en-US" sz="2400" dirty="0"/>
+              <a:t>Requested </a:t>
+            </a:r>
             <a:r>
               <a:rPr lang="en-US" sz="2400" dirty="0">
-                <a:solidFill>
-                  <a:schemeClr val="tx2"/>
-                </a:solidFill>
-              </a:rPr>
-              <a:t>Draft to progress in MPLS WG</a:t>
-            </a:r>
-            <a:endParaRPr lang="en-CA" sz="2400" dirty="0">
-              <a:solidFill>
-                <a:schemeClr val="tx2"/>
-              </a:solidFill>
-            </a:endParaRPr>
-          </a:p>
-          <a:p>
-            <a:r>
-              <a:rPr lang="en-US" sz="2400" dirty="0">
-                <a:solidFill>
-                  <a:schemeClr val="tx2"/>
-                </a:solidFill>
-              </a:rPr>
-              <a:t>From Bruno:</a:t>
-            </a:r>
-            <a:endParaRPr lang="en-CA" sz="2400" dirty="0">
-              <a:solidFill>
-                <a:schemeClr val="tx2"/>
-              </a:solidFill>
-            </a:endParaRPr>
-          </a:p>
-          <a:p>
-            <a:pPr lvl="1"/>
-            <a:r>
-              <a:rPr lang="en-CA" sz="2400" dirty="0">
-                <a:solidFill>
-                  <a:schemeClr val="tx2"/>
-                </a:solidFill>
-              </a:rPr>
-              <a:t>Please keep SPRING in the loop for the SPRING specific content</a:t>
-            </a:r>
-          </a:p>
-          <a:p>
-            <a:pPr lvl="1"/>
-            <a:endParaRPr lang="en-US" sz="2400" dirty="0">
-              <a:solidFill>
-                <a:schemeClr val="tx2"/>
-              </a:solidFill>
-            </a:endParaRPr>
+                <a:latin typeface="Calibri" charset="0"/>
+                <a:ea typeface="Calibri" charset="0"/>
+                <a:cs typeface="Calibri" charset="0"/>
+              </a:rPr>
+              <a:t>adoption in MPLS WG</a:t>
+            </a:r>
           </a:p>
         </p:txBody>
       </p:sp>
@@ -7770,9 +10124,20 @@
           <a:bodyPr/>
           <a:lstStyle/>
           <a:p>
-            <a:r>
-              <a:rPr lang="en-CA" dirty="0"/>
-              <a:t>IETF MPLS WG Interim – April 2020 </a:t>
+            <a:pPr>
+              <a:defRPr/>
+            </a:pPr>
+            <a:r>
+              <a:rPr lang="en-US" altLang="zh-CN" dirty="0"/>
+              <a:t>108</a:t>
+            </a:r>
+            <a:r>
+              <a:rPr lang="en-US" altLang="zh-CN" baseline="30000" dirty="0"/>
+              <a:t>th</a:t>
+            </a:r>
+            <a:r>
+              <a:rPr lang="en-US" altLang="zh-CN" dirty="0"/>
+              <a:t> IETF @ Madrid</a:t>
             </a:r>
           </a:p>
         </p:txBody>
@@ -7800,7 +10165,7 @@
               <a:pPr>
                 <a:defRPr/>
               </a:pPr>
-              <a:t>16</a:t>
+              <a:t>6</a:t>
             </a:fld>
             <a:endParaRPr lang="en-US" altLang="zh-CN"/>
           </a:p>
@@ -7809,7 +10174,7 @@
     </p:spTree>
     <p:extLst>
       <p:ext uri="{BB962C8B-B14F-4D97-AF65-F5344CB8AC3E}">
-        <p14:creationId xmlns:p14="http://schemas.microsoft.com/office/powerpoint/2010/main" val="1382224980"/>
+        <p14:creationId xmlns:p14="http://schemas.microsoft.com/office/powerpoint/2010/main" val="2041213705"/>
       </p:ext>
     </p:extLst>
   </p:cSld>
@@ -7819,7 +10184,7 @@
 </p:sld>
 </file>
 
-<file path=ppt/slides/slide17.xml><?xml version="1.0" encoding="utf-8"?>
+<file path=ppt/slides/slide7.xml><?xml version="1.0" encoding="utf-8"?>
 <p:sld xmlns:a="http://schemas.openxmlformats.org/drawingml/2006/main" xmlns:r="http://schemas.openxmlformats.org/officeDocument/2006/relationships" xmlns:p="http://schemas.openxmlformats.org/presentationml/2006/main">
   <p:cSld>
     <p:spTree>
@@ -7856,9 +10221,20 @@
           <a:bodyPr/>
           <a:lstStyle/>
           <a:p>
-            <a:r>
-              <a:rPr lang="en-CA" dirty="0"/>
-              <a:t>IETF MPLS WG Interim – April 2020 </a:t>
+            <a:pPr>
+              <a:defRPr/>
+            </a:pPr>
+            <a:r>
+              <a:rPr lang="en-US" altLang="zh-CN" dirty="0"/>
+              <a:t>108</a:t>
+            </a:r>
+            <a:r>
+              <a:rPr lang="en-US" altLang="zh-CN" baseline="30000" dirty="0"/>
+              <a:t>th</a:t>
+            </a:r>
+            <a:r>
+              <a:rPr lang="en-US" altLang="zh-CN" dirty="0"/>
+              <a:t> IETF @ Madrid</a:t>
             </a:r>
           </a:p>
         </p:txBody>
@@ -8075,7 +10451,7 @@
               <a:pPr>
                 <a:defRPr/>
               </a:pPr>
-              <a:t>17</a:t>
+              <a:t>7</a:t>
             </a:fld>
             <a:endParaRPr lang="en-US" altLang="zh-CN"/>
           </a:p>
@@ -8084,2065 +10460,7 @@
     </p:spTree>
     <p:extLst>
       <p:ext uri="{BB962C8B-B14F-4D97-AF65-F5344CB8AC3E}">
-        <p14:creationId xmlns:p14="http://schemas.microsoft.com/office/powerpoint/2010/main" val="399591076"/>
-      </p:ext>
-    </p:extLst>
-  </p:cSld>
-  <p:clrMapOvr>
-    <a:masterClrMapping/>
-  </p:clrMapOvr>
-</p:sld>
-</file>
-
-<file path=ppt/slides/slide2.xml><?xml version="1.0" encoding="utf-8"?>
-<p:sld xmlns:a="http://schemas.openxmlformats.org/drawingml/2006/main" xmlns:r="http://schemas.openxmlformats.org/officeDocument/2006/relationships" xmlns:p="http://schemas.openxmlformats.org/presentationml/2006/main">
-  <p:cSld>
-    <p:spTree>
-      <p:nvGrpSpPr>
-        <p:cNvPr id="1" name=""/>
-        <p:cNvGrpSpPr/>
-        <p:nvPr/>
-      </p:nvGrpSpPr>
-      <p:grpSpPr>
-        <a:xfrm>
-          <a:off x="0" y="0"/>
-          <a:ext cx="0" cy="0"/>
-          <a:chOff x="0" y="0"/>
-          <a:chExt cx="0" cy="0"/>
-        </a:xfrm>
-      </p:grpSpPr>
-      <p:sp>
-        <p:nvSpPr>
-          <p:cNvPr id="2" name="Title 1"/>
-          <p:cNvSpPr>
-            <a:spLocks noGrp="1"/>
-          </p:cNvSpPr>
-          <p:nvPr>
-            <p:ph type="title"/>
-          </p:nvPr>
-        </p:nvSpPr>
-        <p:spPr>
-          <a:xfrm>
-            <a:off x="457200" y="0"/>
-            <a:ext cx="8229600" cy="857250"/>
-          </a:xfrm>
-        </p:spPr>
-        <p:txBody>
-          <a:bodyPr/>
-          <a:lstStyle/>
-          <a:p>
-            <a:r>
-              <a:rPr lang="en-US" sz="3600" dirty="0">
-                <a:solidFill>
-                  <a:srgbClr val="0070C0"/>
-                </a:solidFill>
-                <a:latin typeface="Calibri Light" panose="020F0302020204030204" pitchFamily="34" charset="0"/>
-                <a:cs typeface="Calibri Light" panose="020F0302020204030204" pitchFamily="34" charset="0"/>
-              </a:rPr>
-              <a:t>Agenda</a:t>
-            </a:r>
-          </a:p>
-        </p:txBody>
-      </p:sp>
-      <p:sp>
-        <p:nvSpPr>
-          <p:cNvPr id="3" name="Content Placeholder 2"/>
-          <p:cNvSpPr>
-            <a:spLocks noGrp="1"/>
-          </p:cNvSpPr>
-          <p:nvPr>
-            <p:ph idx="1"/>
-          </p:nvPr>
-        </p:nvSpPr>
-        <p:spPr>
-          <a:xfrm>
-            <a:off x="457200" y="1047750"/>
-            <a:ext cx="8229600" cy="3223022"/>
-          </a:xfrm>
-        </p:spPr>
-        <p:txBody>
-          <a:bodyPr/>
-          <a:lstStyle/>
-          <a:p>
-            <a:r>
-              <a:rPr lang="en-US" sz="2400" dirty="0"/>
-              <a:t>Requirements and Scope</a:t>
-            </a:r>
-          </a:p>
-          <a:p>
-            <a:r>
-              <a:rPr lang="en-US" sz="2400" dirty="0"/>
-              <a:t>History of the Draft</a:t>
-            </a:r>
-          </a:p>
-          <a:p>
-            <a:r>
-              <a:rPr lang="en-US" sz="2400" dirty="0"/>
-              <a:t>Updates Since IETF-106</a:t>
-            </a:r>
-          </a:p>
-          <a:p>
-            <a:r>
-              <a:rPr lang="en-US" sz="2400" dirty="0"/>
-              <a:t>Summary</a:t>
-            </a:r>
-          </a:p>
-          <a:p>
-            <a:r>
-              <a:rPr lang="en-US" sz="2400" dirty="0"/>
-              <a:t>Next Steps</a:t>
-            </a:r>
-          </a:p>
-        </p:txBody>
-      </p:sp>
-      <p:sp>
-        <p:nvSpPr>
-          <p:cNvPr id="4" name="Footer Placeholder 3"/>
-          <p:cNvSpPr>
-            <a:spLocks noGrp="1"/>
-          </p:cNvSpPr>
-          <p:nvPr>
-            <p:ph type="ftr" sz="quarter" idx="11"/>
-          </p:nvPr>
-        </p:nvSpPr>
-        <p:spPr>
-          <a:xfrm>
-            <a:off x="3124200" y="4786312"/>
-            <a:ext cx="2895600" cy="357188"/>
-          </a:xfrm>
-        </p:spPr>
-        <p:txBody>
-          <a:bodyPr/>
-          <a:lstStyle/>
-          <a:p>
-            <a:r>
-              <a:rPr lang="en-CA" dirty="0"/>
-              <a:t>IETF MPLS WG Interim – April 2020 </a:t>
-            </a:r>
-          </a:p>
-        </p:txBody>
-      </p:sp>
-      <p:sp>
-        <p:nvSpPr>
-          <p:cNvPr id="5" name="Slide Number Placeholder 4"/>
-          <p:cNvSpPr>
-            <a:spLocks noGrp="1"/>
-          </p:cNvSpPr>
-          <p:nvPr>
-            <p:ph type="sldNum" sz="quarter" idx="12"/>
-          </p:nvPr>
-        </p:nvSpPr>
-        <p:spPr/>
-        <p:txBody>
-          <a:bodyPr/>
-          <a:lstStyle/>
-          <a:p>
-            <a:pPr>
-              <a:defRPr/>
-            </a:pPr>
-            <a:fld id="{BD6E0F59-1DD8-40FC-9C92-B6295CBA6CCA}" type="slidenum">
-              <a:rPr lang="en-US" altLang="zh-CN" smtClean="0"/>
-              <a:pPr>
-                <a:defRPr/>
-              </a:pPr>
-              <a:t>2</a:t>
-            </a:fld>
-            <a:endParaRPr lang="en-US" altLang="zh-CN"/>
-          </a:p>
-        </p:txBody>
-      </p:sp>
-    </p:spTree>
-    <p:extLst>
-      <p:ext uri="{BB962C8B-B14F-4D97-AF65-F5344CB8AC3E}">
-        <p14:creationId xmlns:p14="http://schemas.microsoft.com/office/powerpoint/2010/main" val="1157046242"/>
-      </p:ext>
-    </p:extLst>
-  </p:cSld>
-  <p:clrMapOvr>
-    <a:masterClrMapping/>
-  </p:clrMapOvr>
-</p:sld>
-</file>
-
-<file path=ppt/slides/slide3.xml><?xml version="1.0" encoding="utf-8"?>
-<p:sld xmlns:a="http://schemas.openxmlformats.org/drawingml/2006/main" xmlns:r="http://schemas.openxmlformats.org/officeDocument/2006/relationships" xmlns:p="http://schemas.openxmlformats.org/presentationml/2006/main">
-  <p:cSld>
-    <p:spTree>
-      <p:nvGrpSpPr>
-        <p:cNvPr id="1" name=""/>
-        <p:cNvGrpSpPr/>
-        <p:nvPr/>
-      </p:nvGrpSpPr>
-      <p:grpSpPr>
-        <a:xfrm>
-          <a:off x="0" y="0"/>
-          <a:ext cx="0" cy="0"/>
-          <a:chOff x="0" y="0"/>
-          <a:chExt cx="0" cy="0"/>
-        </a:xfrm>
-      </p:grpSpPr>
-      <p:sp>
-        <p:nvSpPr>
-          <p:cNvPr id="2" name="Title 1"/>
-          <p:cNvSpPr>
-            <a:spLocks noGrp="1"/>
-          </p:cNvSpPr>
-          <p:nvPr>
-            <p:ph type="title"/>
-          </p:nvPr>
-        </p:nvSpPr>
-        <p:spPr>
-          <a:xfrm>
-            <a:off x="457200" y="0"/>
-            <a:ext cx="8229600" cy="857250"/>
-          </a:xfrm>
-        </p:spPr>
-        <p:txBody>
-          <a:bodyPr/>
-          <a:lstStyle/>
-          <a:p>
-            <a:r>
-              <a:rPr lang="en-US" sz="3600" dirty="0">
-                <a:solidFill>
-                  <a:srgbClr val="0070C0"/>
-                </a:solidFill>
-                <a:latin typeface="Calibri Light" panose="020F0302020204030204" pitchFamily="34" charset="0"/>
-                <a:cs typeface="Calibri Light" panose="020F0302020204030204" pitchFamily="34" charset="0"/>
-              </a:rPr>
-              <a:t>Requirements and Scope</a:t>
-            </a:r>
-          </a:p>
-        </p:txBody>
-      </p:sp>
-      <p:sp>
-        <p:nvSpPr>
-          <p:cNvPr id="3" name="Content Placeholder 2"/>
-          <p:cNvSpPr>
-            <a:spLocks noGrp="1"/>
-          </p:cNvSpPr>
-          <p:nvPr>
-            <p:ph idx="1"/>
-          </p:nvPr>
-        </p:nvSpPr>
-        <p:spPr>
-          <a:xfrm>
-            <a:off x="457200" y="857250"/>
-            <a:ext cx="8229600" cy="3771900"/>
-          </a:xfrm>
-        </p:spPr>
-        <p:txBody>
-          <a:bodyPr/>
-          <a:lstStyle/>
-          <a:p>
-            <a:pPr marL="0" indent="0">
-              <a:buNone/>
-            </a:pPr>
-            <a:r>
-              <a:rPr lang="en-US" sz="1800" dirty="0"/>
-              <a:t>Requirements:</a:t>
-            </a:r>
-          </a:p>
-          <a:p>
-            <a:pPr lvl="1">
-              <a:buFont typeface="Wingdings" charset="2"/>
-              <a:buChar char="§"/>
-            </a:pPr>
-            <a:r>
-              <a:rPr lang="en-US" sz="1800" dirty="0"/>
-              <a:t>Delay and Loss Performance Measurement (PM)</a:t>
-            </a:r>
-          </a:p>
-          <a:p>
-            <a:pPr lvl="2">
-              <a:buFont typeface="Wingdings" charset="2"/>
-              <a:buChar char="§"/>
-            </a:pPr>
-            <a:r>
-              <a:rPr lang="en-US" sz="1800" dirty="0"/>
-              <a:t>SR Links and end-to-end P2P/ P2MP SR Paths</a:t>
-            </a:r>
-          </a:p>
-          <a:p>
-            <a:pPr lvl="1">
-              <a:buFont typeface="Wingdings" charset="2"/>
-              <a:buChar char="§"/>
-            </a:pPr>
-            <a:r>
-              <a:rPr lang="en-US" sz="1800" dirty="0"/>
-              <a:t>Delay and Loss extended TE link metrics advertisement in the network</a:t>
-            </a:r>
-          </a:p>
-          <a:p>
-            <a:pPr lvl="1">
-              <a:buFont typeface="Wingdings" charset="2"/>
-              <a:buChar char="§"/>
-            </a:pPr>
-            <a:r>
-              <a:rPr lang="en-US" sz="1800" dirty="0"/>
-              <a:t>One-way, two-way and loopback measurement modes</a:t>
-            </a:r>
-          </a:p>
-          <a:p>
-            <a:pPr marL="0" lvl="1" indent="0">
-              <a:buNone/>
-            </a:pPr>
-            <a:r>
-              <a:rPr lang="en-US" sz="1800" dirty="0"/>
-              <a:t>Scope:</a:t>
-            </a:r>
-          </a:p>
-          <a:p>
-            <a:pPr marL="685800" lvl="2">
-              <a:buFont typeface="Wingdings" charset="2"/>
-              <a:buChar char="§"/>
-            </a:pPr>
-            <a:r>
-              <a:rPr lang="en-US" sz="1800" dirty="0"/>
-              <a:t>Segment Routing (SR) with MPLS data plane</a:t>
-            </a:r>
-          </a:p>
-          <a:p>
-            <a:pPr marL="685800" lvl="2">
-              <a:buFont typeface="Wingdings" charset="2"/>
-              <a:buChar char="§"/>
-            </a:pPr>
-            <a:r>
-              <a:rPr lang="en-US" sz="1800" dirty="0"/>
-              <a:t>RFC 6374 for probe query and response messages</a:t>
-            </a:r>
-          </a:p>
-          <a:p>
-            <a:pPr marL="685800" lvl="2">
-              <a:buFont typeface="Wingdings" charset="2"/>
-              <a:buChar char="§"/>
-            </a:pPr>
-            <a:r>
-              <a:rPr lang="en-US" sz="1800" dirty="0"/>
-              <a:t>RFC 7876 (UDP return path) for probe response messages</a:t>
-            </a:r>
-          </a:p>
-        </p:txBody>
-      </p:sp>
-      <p:sp>
-        <p:nvSpPr>
-          <p:cNvPr id="4" name="Footer Placeholder 3"/>
-          <p:cNvSpPr>
-            <a:spLocks noGrp="1"/>
-          </p:cNvSpPr>
-          <p:nvPr>
-            <p:ph type="ftr" sz="quarter" idx="11"/>
-          </p:nvPr>
-        </p:nvSpPr>
-        <p:spPr>
-          <a:xfrm>
-            <a:off x="3124200" y="4786312"/>
-            <a:ext cx="2895600" cy="357188"/>
-          </a:xfrm>
-        </p:spPr>
-        <p:txBody>
-          <a:bodyPr/>
-          <a:lstStyle/>
-          <a:p>
-            <a:r>
-              <a:rPr lang="en-CA" dirty="0"/>
-              <a:t>IETF MPLS WG Interim – April 2020 </a:t>
-            </a:r>
-          </a:p>
-        </p:txBody>
-      </p:sp>
-      <p:sp>
-        <p:nvSpPr>
-          <p:cNvPr id="5" name="Slide Number Placeholder 4"/>
-          <p:cNvSpPr>
-            <a:spLocks noGrp="1"/>
-          </p:cNvSpPr>
-          <p:nvPr>
-            <p:ph type="sldNum" sz="quarter" idx="12"/>
-          </p:nvPr>
-        </p:nvSpPr>
-        <p:spPr/>
-        <p:txBody>
-          <a:bodyPr/>
-          <a:lstStyle/>
-          <a:p>
-            <a:pPr>
-              <a:defRPr/>
-            </a:pPr>
-            <a:fld id="{BD6E0F59-1DD8-40FC-9C92-B6295CBA6CCA}" type="slidenum">
-              <a:rPr lang="en-US" altLang="zh-CN" smtClean="0"/>
-              <a:pPr>
-                <a:defRPr/>
-              </a:pPr>
-              <a:t>3</a:t>
-            </a:fld>
-            <a:endParaRPr lang="en-US" altLang="zh-CN"/>
-          </a:p>
-        </p:txBody>
-      </p:sp>
-    </p:spTree>
-    <p:extLst>
-      <p:ext uri="{BB962C8B-B14F-4D97-AF65-F5344CB8AC3E}">
-        <p14:creationId xmlns:p14="http://schemas.microsoft.com/office/powerpoint/2010/main" val="1165196509"/>
-      </p:ext>
-    </p:extLst>
-  </p:cSld>
-  <p:clrMapOvr>
-    <a:masterClrMapping/>
-  </p:clrMapOvr>
-</p:sld>
-</file>
-
-<file path=ppt/slides/slide4.xml><?xml version="1.0" encoding="utf-8"?>
-<p:sld xmlns:a="http://schemas.openxmlformats.org/drawingml/2006/main" xmlns:r="http://schemas.openxmlformats.org/officeDocument/2006/relationships" xmlns:p="http://schemas.openxmlformats.org/presentationml/2006/main">
-  <p:cSld>
-    <p:spTree>
-      <p:nvGrpSpPr>
-        <p:cNvPr id="1" name=""/>
-        <p:cNvGrpSpPr/>
-        <p:nvPr/>
-      </p:nvGrpSpPr>
-      <p:grpSpPr>
-        <a:xfrm>
-          <a:off x="0" y="0"/>
-          <a:ext cx="0" cy="0"/>
-          <a:chOff x="0" y="0"/>
-          <a:chExt cx="0" cy="0"/>
-        </a:xfrm>
-      </p:grpSpPr>
-      <p:sp>
-        <p:nvSpPr>
-          <p:cNvPr id="2" name="Title 1"/>
-          <p:cNvSpPr>
-            <a:spLocks noGrp="1"/>
-          </p:cNvSpPr>
-          <p:nvPr>
-            <p:ph type="title"/>
-          </p:nvPr>
-        </p:nvSpPr>
-        <p:spPr>
-          <a:xfrm>
-            <a:off x="457200" y="0"/>
-            <a:ext cx="8229600" cy="857250"/>
-          </a:xfrm>
-        </p:spPr>
-        <p:txBody>
-          <a:bodyPr/>
-          <a:lstStyle/>
-          <a:p>
-            <a:r>
-              <a:rPr lang="en-US" sz="3600" dirty="0">
-                <a:solidFill>
-                  <a:srgbClr val="0070C0"/>
-                </a:solidFill>
-                <a:latin typeface="Calibri Light" panose="020F0302020204030204" pitchFamily="34" charset="0"/>
-                <a:cs typeface="Calibri Light" panose="020F0302020204030204" pitchFamily="34" charset="0"/>
-              </a:rPr>
-              <a:t>History of the Draft</a:t>
-            </a:r>
-          </a:p>
-        </p:txBody>
-      </p:sp>
-      <p:sp>
-        <p:nvSpPr>
-          <p:cNvPr id="3" name="Content Placeholder 2"/>
-          <p:cNvSpPr>
-            <a:spLocks noGrp="1"/>
-          </p:cNvSpPr>
-          <p:nvPr>
-            <p:ph idx="1"/>
-          </p:nvPr>
-        </p:nvSpPr>
-        <p:spPr>
-          <a:xfrm>
-            <a:off x="647700" y="742950"/>
-            <a:ext cx="7848600" cy="3886200"/>
-          </a:xfrm>
-        </p:spPr>
-        <p:txBody>
-          <a:bodyPr/>
-          <a:lstStyle/>
-          <a:p>
-            <a:r>
-              <a:rPr lang="en-US" sz="1400" dirty="0"/>
-              <a:t>Feb 14, 2018</a:t>
-            </a:r>
-          </a:p>
-          <a:p>
-            <a:pPr lvl="1"/>
-            <a:r>
-              <a:rPr lang="en-US" sz="1400" dirty="0"/>
-              <a:t>Draft was published </a:t>
-            </a:r>
-            <a:r>
-              <a:rPr lang="en-CA" sz="1400" i="1" dirty="0"/>
-              <a:t>draft-gandhi-spring-sr-mpls-pm-00</a:t>
-            </a:r>
-            <a:endParaRPr lang="en-US" sz="1400" i="1" dirty="0"/>
-          </a:p>
-          <a:p>
-            <a:r>
-              <a:rPr lang="en-US" sz="1400" dirty="0"/>
-              <a:t>July 2018</a:t>
-            </a:r>
-          </a:p>
-          <a:p>
-            <a:pPr lvl="1"/>
-            <a:r>
-              <a:rPr lang="en-US" sz="1400" dirty="0"/>
-              <a:t>Draft </a:t>
-            </a:r>
-            <a:r>
-              <a:rPr lang="en-CA" sz="1400" i="1" dirty="0"/>
-              <a:t>draft-gandhi-spring-sr-mpls-pm-02 </a:t>
-            </a:r>
-            <a:r>
-              <a:rPr lang="en-US" sz="1400" dirty="0"/>
-              <a:t>was introduced at IETF 102 Montreal in SPRING WG</a:t>
-            </a:r>
-          </a:p>
-          <a:p>
-            <a:r>
-              <a:rPr lang="en-US" sz="1400" dirty="0"/>
-              <a:t>Nov 2018</a:t>
-            </a:r>
-          </a:p>
-          <a:p>
-            <a:pPr lvl="1"/>
-            <a:r>
-              <a:rPr lang="en-US" sz="1400" dirty="0"/>
-              <a:t>Presented </a:t>
-            </a:r>
-            <a:r>
-              <a:rPr lang="en-CA" sz="1400" i="1" dirty="0"/>
-              <a:t>draft-gandhi-spring-sr-mpls-pm-03</a:t>
-            </a:r>
-            <a:r>
-              <a:rPr lang="en-US" sz="1400" dirty="0"/>
-              <a:t> at IETF 103 Bangkok in SPRING and IPPM WGs</a:t>
-            </a:r>
-          </a:p>
-          <a:p>
-            <a:r>
-              <a:rPr lang="en-US" sz="1400" dirty="0"/>
-              <a:t>Feb 14, 2019</a:t>
-            </a:r>
-          </a:p>
-          <a:p>
-            <a:pPr lvl="1"/>
-            <a:r>
-              <a:rPr lang="en-US" sz="1400" dirty="0"/>
-              <a:t>Draft was renamed to </a:t>
-            </a:r>
-            <a:r>
-              <a:rPr lang="en-CA" sz="1400" i="1" dirty="0"/>
-              <a:t>draft-gandhi-spring-rfc6374-srpm-mpls-00</a:t>
-            </a:r>
-            <a:endParaRPr lang="en-US" sz="1400" i="1" dirty="0"/>
-          </a:p>
-          <a:p>
-            <a:r>
-              <a:rPr lang="en-US" sz="1400" dirty="0"/>
-              <a:t>Mar 2019</a:t>
-            </a:r>
-          </a:p>
-          <a:p>
-            <a:pPr lvl="1"/>
-            <a:r>
-              <a:rPr lang="en-US" sz="1400" dirty="0"/>
-              <a:t>Presented </a:t>
-            </a:r>
-            <a:r>
-              <a:rPr lang="en-CA" sz="1400" i="1" dirty="0"/>
-              <a:t>draft-gandhi-spring-rfc6374-srpm-mpls-00 </a:t>
-            </a:r>
-            <a:r>
-              <a:rPr lang="en-US" sz="1400" dirty="0"/>
-              <a:t>at IETF 104 Prague in SPRING WG</a:t>
-            </a:r>
-          </a:p>
-          <a:p>
-            <a:r>
-              <a:rPr lang="en-US" sz="1400" dirty="0"/>
-              <a:t>Oct 2019</a:t>
-            </a:r>
-          </a:p>
-          <a:p>
-            <a:pPr lvl="1"/>
-            <a:r>
-              <a:rPr lang="en-US" sz="1400" b="1" dirty="0"/>
-              <a:t>Chairs agreed to progress the work in MPLS WG</a:t>
-            </a:r>
-          </a:p>
-          <a:p>
-            <a:pPr lvl="1"/>
-            <a:r>
-              <a:rPr lang="en-US" sz="1400" dirty="0"/>
-              <a:t>Draft renamed to </a:t>
-            </a:r>
-            <a:r>
-              <a:rPr lang="en-US" sz="1400" i="1" dirty="0"/>
-              <a:t>draft-gandhi-mpls-rfc6374-sr-00</a:t>
-            </a:r>
-            <a:endParaRPr lang="en-US" sz="1400" dirty="0"/>
-          </a:p>
-          <a:p>
-            <a:r>
-              <a:rPr lang="en-US" sz="1400" dirty="0"/>
-              <a:t>Nov 2019</a:t>
-            </a:r>
-          </a:p>
-          <a:p>
-            <a:pPr lvl="1"/>
-            <a:r>
-              <a:rPr lang="en-US" sz="1400" dirty="0"/>
-              <a:t>Presented </a:t>
-            </a:r>
-            <a:r>
-              <a:rPr lang="en-US" sz="1400" i="1" dirty="0"/>
-              <a:t>draft-gandhi-mpls-rfc6374-sr-00 </a:t>
-            </a:r>
-            <a:r>
-              <a:rPr lang="en-US" sz="1400" dirty="0"/>
-              <a:t>at IETF 106 Singapore in MPLS WG</a:t>
-            </a:r>
-          </a:p>
-          <a:p>
-            <a:endParaRPr lang="en-US" sz="1400" dirty="0"/>
-          </a:p>
-        </p:txBody>
-      </p:sp>
-      <p:sp>
-        <p:nvSpPr>
-          <p:cNvPr id="4" name="Footer Placeholder 3"/>
-          <p:cNvSpPr>
-            <a:spLocks noGrp="1"/>
-          </p:cNvSpPr>
-          <p:nvPr>
-            <p:ph type="ftr" sz="quarter" idx="11"/>
-          </p:nvPr>
-        </p:nvSpPr>
-        <p:spPr>
-          <a:xfrm>
-            <a:off x="3124200" y="4786312"/>
-            <a:ext cx="2895600" cy="357188"/>
-          </a:xfrm>
-        </p:spPr>
-        <p:txBody>
-          <a:bodyPr/>
-          <a:lstStyle/>
-          <a:p>
-            <a:r>
-              <a:rPr lang="en-CA" dirty="0"/>
-              <a:t>IETF MPLS WG Interim – April 2020 </a:t>
-            </a:r>
-          </a:p>
-        </p:txBody>
-      </p:sp>
-      <p:sp>
-        <p:nvSpPr>
-          <p:cNvPr id="5" name="Slide Number Placeholder 4"/>
-          <p:cNvSpPr>
-            <a:spLocks noGrp="1"/>
-          </p:cNvSpPr>
-          <p:nvPr>
-            <p:ph type="sldNum" sz="quarter" idx="12"/>
-          </p:nvPr>
-        </p:nvSpPr>
-        <p:spPr/>
-        <p:txBody>
-          <a:bodyPr/>
-          <a:lstStyle/>
-          <a:p>
-            <a:pPr>
-              <a:defRPr/>
-            </a:pPr>
-            <a:fld id="{BD6E0F59-1DD8-40FC-9C92-B6295CBA6CCA}" type="slidenum">
-              <a:rPr lang="en-US" altLang="zh-CN" smtClean="0"/>
-              <a:pPr>
-                <a:defRPr/>
-              </a:pPr>
-              <a:t>4</a:t>
-            </a:fld>
-            <a:endParaRPr lang="en-US" altLang="zh-CN"/>
-          </a:p>
-        </p:txBody>
-      </p:sp>
-    </p:spTree>
-    <p:extLst>
-      <p:ext uri="{BB962C8B-B14F-4D97-AF65-F5344CB8AC3E}">
-        <p14:creationId xmlns:p14="http://schemas.microsoft.com/office/powerpoint/2010/main" val="4189620026"/>
-      </p:ext>
-    </p:extLst>
-  </p:cSld>
-  <p:clrMapOvr>
-    <a:masterClrMapping/>
-  </p:clrMapOvr>
-</p:sld>
-</file>
-
-<file path=ppt/slides/slide5.xml><?xml version="1.0" encoding="utf-8"?>
-<p:sld xmlns:a="http://schemas.openxmlformats.org/drawingml/2006/main" xmlns:r="http://schemas.openxmlformats.org/officeDocument/2006/relationships" xmlns:p="http://schemas.openxmlformats.org/presentationml/2006/main">
-  <p:cSld>
-    <p:spTree>
-      <p:nvGrpSpPr>
-        <p:cNvPr id="1" name=""/>
-        <p:cNvGrpSpPr/>
-        <p:nvPr/>
-      </p:nvGrpSpPr>
-      <p:grpSpPr>
-        <a:xfrm>
-          <a:off x="0" y="0"/>
-          <a:ext cx="0" cy="0"/>
-          <a:chOff x="0" y="0"/>
-          <a:chExt cx="0" cy="0"/>
-        </a:xfrm>
-      </p:grpSpPr>
-      <p:sp>
-        <p:nvSpPr>
-          <p:cNvPr id="2" name="Title 1"/>
-          <p:cNvSpPr>
-            <a:spLocks noGrp="1"/>
-          </p:cNvSpPr>
-          <p:nvPr>
-            <p:ph type="title"/>
-          </p:nvPr>
-        </p:nvSpPr>
-        <p:spPr>
-          <a:xfrm>
-            <a:off x="457200" y="0"/>
-            <a:ext cx="8229600" cy="857250"/>
-          </a:xfrm>
-        </p:spPr>
-        <p:txBody>
-          <a:bodyPr/>
-          <a:lstStyle/>
-          <a:p>
-            <a:r>
-              <a:rPr lang="en-US" sz="3600" dirty="0">
-                <a:solidFill>
-                  <a:srgbClr val="0070C0"/>
-                </a:solidFill>
-                <a:latin typeface="Calibri Light" panose="020F0302020204030204" pitchFamily="34" charset="0"/>
-                <a:cs typeface="Calibri Light" panose="020F0302020204030204" pitchFamily="34" charset="0"/>
-              </a:rPr>
-              <a:t>Updates Since IETF-106 (Version 00)</a:t>
-            </a:r>
-          </a:p>
-        </p:txBody>
-      </p:sp>
-      <p:sp>
-        <p:nvSpPr>
-          <p:cNvPr id="3" name="Content Placeholder 2"/>
-          <p:cNvSpPr>
-            <a:spLocks noGrp="1"/>
-          </p:cNvSpPr>
-          <p:nvPr>
-            <p:ph idx="1"/>
-          </p:nvPr>
-        </p:nvSpPr>
-        <p:spPr>
-          <a:xfrm>
-            <a:off x="457200" y="1047750"/>
-            <a:ext cx="8229600" cy="3262312"/>
-          </a:xfrm>
-        </p:spPr>
-        <p:txBody>
-          <a:bodyPr/>
-          <a:lstStyle/>
-          <a:p>
-            <a:pPr marL="0" indent="0">
-              <a:lnSpc>
-                <a:spcPts val="2020"/>
-              </a:lnSpc>
-              <a:spcBef>
-                <a:spcPts val="600"/>
-              </a:spcBef>
-              <a:buNone/>
-            </a:pPr>
-            <a:r>
-              <a:rPr lang="en-US" sz="1800" dirty="0"/>
-              <a:t>Updates:</a:t>
-            </a:r>
-          </a:p>
-          <a:p>
-            <a:pPr lvl="1">
-              <a:lnSpc>
-                <a:spcPts val="2020"/>
-              </a:lnSpc>
-              <a:spcBef>
-                <a:spcPts val="600"/>
-              </a:spcBef>
-              <a:buFont typeface="Wingdings" pitchFamily="2" charset="2"/>
-              <a:buChar char="ü"/>
-            </a:pPr>
-            <a:r>
-              <a:rPr lang="en-CA" sz="1800" dirty="0"/>
-              <a:t>Updated procedure for Two-way measurement mode</a:t>
-            </a:r>
-          </a:p>
-          <a:p>
-            <a:pPr lvl="1">
-              <a:lnSpc>
-                <a:spcPts val="2020"/>
-              </a:lnSpc>
-              <a:spcBef>
-                <a:spcPts val="600"/>
-              </a:spcBef>
-              <a:buFont typeface="Wingdings" pitchFamily="2" charset="2"/>
-              <a:buChar char="ü"/>
-            </a:pPr>
-            <a:r>
-              <a:rPr lang="en-CA" sz="1800" dirty="0"/>
-              <a:t>Identify the Return Path TLV and Block Number TLV as mandatory TLVs</a:t>
-            </a:r>
-          </a:p>
-          <a:p>
-            <a:pPr lvl="1">
-              <a:lnSpc>
-                <a:spcPts val="2020"/>
-              </a:lnSpc>
-              <a:spcBef>
-                <a:spcPts val="600"/>
-              </a:spcBef>
-              <a:buFont typeface="Wingdings" pitchFamily="2" charset="2"/>
-              <a:buChar char="ü"/>
-            </a:pPr>
-            <a:r>
-              <a:rPr lang="en-CA" sz="1800" dirty="0"/>
-              <a:t>Added Destination Address TLV handling</a:t>
-            </a:r>
-          </a:p>
-          <a:p>
-            <a:pPr lvl="1">
-              <a:lnSpc>
-                <a:spcPts val="2020"/>
-              </a:lnSpc>
-              <a:spcBef>
-                <a:spcPts val="600"/>
-              </a:spcBef>
-              <a:buFont typeface="Wingdings" pitchFamily="2" charset="2"/>
-              <a:buChar char="ü"/>
-            </a:pPr>
-            <a:r>
-              <a:rPr lang="en-US" sz="1800" dirty="0"/>
-              <a:t>Addressed various review comments</a:t>
-            </a:r>
-          </a:p>
-          <a:p>
-            <a:pPr lvl="1">
-              <a:lnSpc>
-                <a:spcPts val="2020"/>
-              </a:lnSpc>
-              <a:spcBef>
-                <a:spcPts val="600"/>
-              </a:spcBef>
-              <a:buFont typeface="Wingdings" pitchFamily="2" charset="2"/>
-              <a:buChar char="ü"/>
-            </a:pPr>
-            <a:r>
-              <a:rPr lang="en-US" sz="1800" dirty="0"/>
-              <a:t>Various editorial changes</a:t>
-            </a:r>
-          </a:p>
-          <a:p>
-            <a:pPr marL="0" indent="0">
-              <a:lnSpc>
-                <a:spcPts val="2020"/>
-              </a:lnSpc>
-              <a:spcBef>
-                <a:spcPts val="600"/>
-              </a:spcBef>
-              <a:buNone/>
-            </a:pPr>
-            <a:endParaRPr lang="en-US" sz="1800" dirty="0"/>
-          </a:p>
-          <a:p>
-            <a:pPr marL="0" indent="0">
-              <a:lnSpc>
-                <a:spcPts val="2020"/>
-              </a:lnSpc>
-              <a:spcBef>
-                <a:spcPts val="600"/>
-              </a:spcBef>
-              <a:buNone/>
-            </a:pPr>
-            <a:r>
-              <a:rPr lang="en-US" sz="1800" dirty="0"/>
-              <a:t>Open Items:</a:t>
-            </a:r>
-          </a:p>
-          <a:p>
-            <a:pPr marL="685800" lvl="2" indent="-285750">
-              <a:lnSpc>
-                <a:spcPts val="2020"/>
-              </a:lnSpc>
-              <a:spcBef>
-                <a:spcPts val="600"/>
-              </a:spcBef>
-              <a:buFont typeface="Wingdings" charset="2"/>
-              <a:buChar char="§"/>
-            </a:pPr>
-            <a:r>
-              <a:rPr lang="en-US" sz="1800" dirty="0"/>
-              <a:t>None</a:t>
-            </a:r>
-          </a:p>
-        </p:txBody>
-      </p:sp>
-      <p:sp>
-        <p:nvSpPr>
-          <p:cNvPr id="4" name="Footer Placeholder 3"/>
-          <p:cNvSpPr>
-            <a:spLocks noGrp="1"/>
-          </p:cNvSpPr>
-          <p:nvPr>
-            <p:ph type="ftr" sz="quarter" idx="11"/>
-          </p:nvPr>
-        </p:nvSpPr>
-        <p:spPr>
-          <a:xfrm>
-            <a:off x="3124200" y="4786312"/>
-            <a:ext cx="2895600" cy="357188"/>
-          </a:xfrm>
-        </p:spPr>
-        <p:txBody>
-          <a:bodyPr/>
-          <a:lstStyle/>
-          <a:p>
-            <a:r>
-              <a:rPr lang="en-CA" dirty="0"/>
-              <a:t>IETF MPLS WG Interim – April 2020 </a:t>
-            </a:r>
-          </a:p>
-        </p:txBody>
-      </p:sp>
-      <p:sp>
-        <p:nvSpPr>
-          <p:cNvPr id="5" name="Slide Number Placeholder 4"/>
-          <p:cNvSpPr>
-            <a:spLocks noGrp="1"/>
-          </p:cNvSpPr>
-          <p:nvPr>
-            <p:ph type="sldNum" sz="quarter" idx="12"/>
-          </p:nvPr>
-        </p:nvSpPr>
-        <p:spPr/>
-        <p:txBody>
-          <a:bodyPr/>
-          <a:lstStyle/>
-          <a:p>
-            <a:pPr>
-              <a:defRPr/>
-            </a:pPr>
-            <a:fld id="{BD6E0F59-1DD8-40FC-9C92-B6295CBA6CCA}" type="slidenum">
-              <a:rPr lang="en-US" altLang="zh-CN" smtClean="0"/>
-              <a:pPr>
-                <a:defRPr/>
-              </a:pPr>
-              <a:t>5</a:t>
-            </a:fld>
-            <a:endParaRPr lang="en-US" altLang="zh-CN"/>
-          </a:p>
-        </p:txBody>
-      </p:sp>
-    </p:spTree>
-    <p:extLst>
-      <p:ext uri="{BB962C8B-B14F-4D97-AF65-F5344CB8AC3E}">
-        <p14:creationId xmlns:p14="http://schemas.microsoft.com/office/powerpoint/2010/main" val="2099784755"/>
-      </p:ext>
-    </p:extLst>
-  </p:cSld>
-  <p:clrMapOvr>
-    <a:masterClrMapping/>
-  </p:clrMapOvr>
-</p:sld>
-</file>
-
-<file path=ppt/slides/slide6.xml><?xml version="1.0" encoding="utf-8"?>
-<p:sld xmlns:a="http://schemas.openxmlformats.org/drawingml/2006/main" xmlns:r="http://schemas.openxmlformats.org/officeDocument/2006/relationships" xmlns:p="http://schemas.openxmlformats.org/presentationml/2006/main">
-  <p:cSld>
-    <p:spTree>
-      <p:nvGrpSpPr>
-        <p:cNvPr id="1" name=""/>
-        <p:cNvGrpSpPr/>
-        <p:nvPr/>
-      </p:nvGrpSpPr>
-      <p:grpSpPr>
-        <a:xfrm>
-          <a:off x="0" y="0"/>
-          <a:ext cx="0" cy="0"/>
-          <a:chOff x="0" y="0"/>
-          <a:chExt cx="0" cy="0"/>
-        </a:xfrm>
-      </p:grpSpPr>
-      <p:sp>
-        <p:nvSpPr>
-          <p:cNvPr id="2" name="Title 1"/>
-          <p:cNvSpPr>
-            <a:spLocks noGrp="1"/>
-          </p:cNvSpPr>
-          <p:nvPr>
-            <p:ph type="title"/>
-          </p:nvPr>
-        </p:nvSpPr>
-        <p:spPr>
-          <a:xfrm>
-            <a:off x="457200" y="0"/>
-            <a:ext cx="8229600" cy="857250"/>
-          </a:xfrm>
-        </p:spPr>
-        <p:txBody>
-          <a:bodyPr/>
-          <a:lstStyle/>
-          <a:p>
-            <a:r>
-              <a:rPr lang="en-US" sz="3600" dirty="0">
-                <a:solidFill>
-                  <a:srgbClr val="0070C0"/>
-                </a:solidFill>
-                <a:latin typeface="Calibri Light" panose="020F0302020204030204" pitchFamily="34" charset="0"/>
-                <a:cs typeface="Calibri Light" panose="020F0302020204030204" pitchFamily="34" charset="0"/>
-              </a:rPr>
-              <a:t>Measurement Modes for SR Policy</a:t>
-            </a:r>
-          </a:p>
-        </p:txBody>
-      </p:sp>
-      <p:sp>
-        <p:nvSpPr>
-          <p:cNvPr id="4" name="Footer Placeholder 3"/>
-          <p:cNvSpPr>
-            <a:spLocks noGrp="1"/>
-          </p:cNvSpPr>
-          <p:nvPr>
-            <p:ph type="ftr" sz="quarter" idx="11"/>
-          </p:nvPr>
-        </p:nvSpPr>
-        <p:spPr>
-          <a:xfrm>
-            <a:off x="3124200" y="4800151"/>
-            <a:ext cx="2895600" cy="357188"/>
-          </a:xfrm>
-        </p:spPr>
-        <p:txBody>
-          <a:bodyPr/>
-          <a:lstStyle/>
-          <a:p>
-            <a:r>
-              <a:rPr lang="en-CA" dirty="0"/>
-              <a:t>IETF MPLS WG Interim – April 2020 </a:t>
-            </a:r>
-          </a:p>
-        </p:txBody>
-      </p:sp>
-      <p:sp>
-        <p:nvSpPr>
-          <p:cNvPr id="6" name="Content Placeholder 2"/>
-          <p:cNvSpPr>
-            <a:spLocks noGrp="1"/>
-          </p:cNvSpPr>
-          <p:nvPr>
-            <p:ph idx="1"/>
-          </p:nvPr>
-        </p:nvSpPr>
-        <p:spPr>
-          <a:xfrm>
-            <a:off x="457200" y="1009650"/>
-            <a:ext cx="8229600" cy="3543300"/>
-          </a:xfrm>
-        </p:spPr>
-        <p:txBody>
-          <a:bodyPr/>
-          <a:lstStyle/>
-          <a:p>
-            <a:pPr>
-              <a:lnSpc>
-                <a:spcPts val="2360"/>
-              </a:lnSpc>
-              <a:spcBef>
-                <a:spcPts val="600"/>
-              </a:spcBef>
-            </a:pPr>
-            <a:r>
-              <a:rPr lang="en-US" sz="1800" dirty="0"/>
-              <a:t>One-way Measurement Mode</a:t>
-            </a:r>
-          </a:p>
-          <a:p>
-            <a:pPr lvl="1">
-              <a:lnSpc>
-                <a:spcPts val="2360"/>
-              </a:lnSpc>
-              <a:spcBef>
-                <a:spcPts val="600"/>
-              </a:spcBef>
-            </a:pPr>
-            <a:r>
-              <a:rPr lang="en-US" sz="1800" dirty="0"/>
-              <a:t>Reply sent out of band IP/UDP path using RFC 7876 mechanisms</a:t>
-            </a:r>
-          </a:p>
-          <a:p>
-            <a:pPr>
-              <a:lnSpc>
-                <a:spcPts val="2360"/>
-              </a:lnSpc>
-              <a:spcBef>
-                <a:spcPts val="600"/>
-              </a:spcBef>
-            </a:pPr>
-            <a:r>
-              <a:rPr lang="en-US" sz="1800" dirty="0"/>
-              <a:t>Two-way Measurement Mode</a:t>
-            </a:r>
-          </a:p>
-          <a:p>
-            <a:pPr lvl="1">
-              <a:lnSpc>
-                <a:spcPts val="2360"/>
-              </a:lnSpc>
-              <a:spcBef>
-                <a:spcPts val="600"/>
-              </a:spcBef>
-            </a:pPr>
-            <a:r>
-              <a:rPr lang="en-US" sz="1800" b="1" dirty="0"/>
-              <a:t>Reply sent in-band using the RFC 6374 mechanisms (using Control code)</a:t>
-            </a:r>
-          </a:p>
-          <a:p>
-            <a:pPr lvl="1">
-              <a:lnSpc>
-                <a:spcPts val="2360"/>
-              </a:lnSpc>
-              <a:spcBef>
-                <a:spcPts val="600"/>
-              </a:spcBef>
-            </a:pPr>
-            <a:r>
-              <a:rPr lang="en-US" sz="1800" b="1" dirty="0"/>
-              <a:t>Return Path TLV can be used from the probe query message for SR Paths</a:t>
-            </a:r>
-          </a:p>
-          <a:p>
-            <a:pPr>
-              <a:lnSpc>
-                <a:spcPts val="2360"/>
-              </a:lnSpc>
-              <a:spcBef>
-                <a:spcPts val="600"/>
-              </a:spcBef>
-            </a:pPr>
-            <a:r>
-              <a:rPr lang="en-US" sz="1800" dirty="0"/>
-              <a:t>Loopback Measurement Mode</a:t>
-            </a:r>
-          </a:p>
-          <a:p>
-            <a:pPr lvl="1">
-              <a:lnSpc>
-                <a:spcPts val="2360"/>
-              </a:lnSpc>
-              <a:spcBef>
-                <a:spcPts val="600"/>
-              </a:spcBef>
-            </a:pPr>
-            <a:r>
-              <a:rPr lang="en-US" sz="1800" dirty="0"/>
-              <a:t>Probe message carries the return path label stack in the header of the message</a:t>
-            </a:r>
-          </a:p>
-        </p:txBody>
-      </p:sp>
-      <p:sp>
-        <p:nvSpPr>
-          <p:cNvPr id="5" name="Slide Number Placeholder 1">
-            <a:extLst>
-              <a:ext uri="{FF2B5EF4-FFF2-40B4-BE49-F238E27FC236}">
-                <a16:creationId xmlns:a16="http://schemas.microsoft.com/office/drawing/2014/main" id="{9BCD4F1F-1220-7F40-AEBD-526C7B929C24}"/>
-              </a:ext>
-            </a:extLst>
-          </p:cNvPr>
-          <p:cNvSpPr>
-            <a:spLocks noGrp="1"/>
-          </p:cNvSpPr>
-          <p:nvPr>
-            <p:ph type="sldNum" sz="quarter" idx="12"/>
-          </p:nvPr>
-        </p:nvSpPr>
-        <p:spPr>
-          <a:xfrm>
-            <a:off x="6553200" y="4740062"/>
-            <a:ext cx="2133600" cy="357188"/>
-          </a:xfrm>
-        </p:spPr>
-        <p:txBody>
-          <a:bodyPr/>
-          <a:lstStyle/>
-          <a:p>
-            <a:pPr>
-              <a:defRPr/>
-            </a:pPr>
-            <a:fld id="{BD6E0F59-1DD8-40FC-9C92-B6295CBA6CCA}" type="slidenum">
-              <a:rPr lang="en-US" altLang="zh-CN" smtClean="0"/>
-              <a:pPr>
-                <a:defRPr/>
-              </a:pPr>
-              <a:t>6</a:t>
-            </a:fld>
-            <a:endParaRPr lang="en-US" altLang="zh-CN" dirty="0"/>
-          </a:p>
-        </p:txBody>
-      </p:sp>
-    </p:spTree>
-    <p:extLst>
-      <p:ext uri="{BB962C8B-B14F-4D97-AF65-F5344CB8AC3E}">
-        <p14:creationId xmlns:p14="http://schemas.microsoft.com/office/powerpoint/2010/main" val="3638594287"/>
-      </p:ext>
-    </p:extLst>
-  </p:cSld>
-  <p:clrMapOvr>
-    <a:masterClrMapping/>
-  </p:clrMapOvr>
-</p:sld>
-</file>
-
-<file path=ppt/slides/slide7.xml><?xml version="1.0" encoding="utf-8"?>
-<p:sld xmlns:a="http://schemas.openxmlformats.org/drawingml/2006/main" xmlns:r="http://schemas.openxmlformats.org/officeDocument/2006/relationships" xmlns:p="http://schemas.openxmlformats.org/presentationml/2006/main">
-  <p:cSld>
-    <p:spTree>
-      <p:nvGrpSpPr>
-        <p:cNvPr id="1" name=""/>
-        <p:cNvGrpSpPr/>
-        <p:nvPr/>
-      </p:nvGrpSpPr>
-      <p:grpSpPr>
-        <a:xfrm>
-          <a:off x="0" y="0"/>
-          <a:ext cx="0" cy="0"/>
-          <a:chOff x="0" y="0"/>
-          <a:chExt cx="0" cy="0"/>
-        </a:xfrm>
-      </p:grpSpPr>
-      <p:sp>
-        <p:nvSpPr>
-          <p:cNvPr id="4" name="Footer Placeholder 3"/>
-          <p:cNvSpPr>
-            <a:spLocks noGrp="1"/>
-          </p:cNvSpPr>
-          <p:nvPr>
-            <p:ph type="ftr" sz="quarter" idx="11"/>
-          </p:nvPr>
-        </p:nvSpPr>
-        <p:spPr>
-          <a:xfrm>
-            <a:off x="3196318" y="4786312"/>
-            <a:ext cx="2895600" cy="357188"/>
-          </a:xfrm>
-        </p:spPr>
-        <p:txBody>
-          <a:bodyPr/>
-          <a:lstStyle/>
-          <a:p>
-            <a:r>
-              <a:rPr lang="en-CA" dirty="0"/>
-              <a:t>IETF MPLS WG Interim – April 2020 </a:t>
-            </a:r>
-          </a:p>
-        </p:txBody>
-      </p:sp>
-      <p:sp>
-        <p:nvSpPr>
-          <p:cNvPr id="2" name="Slide Number Placeholder 1"/>
-          <p:cNvSpPr>
-            <a:spLocks noGrp="1"/>
-          </p:cNvSpPr>
-          <p:nvPr>
-            <p:ph type="sldNum" sz="quarter" idx="12"/>
-          </p:nvPr>
-        </p:nvSpPr>
-        <p:spPr>
-          <a:xfrm>
-            <a:off x="6553200" y="4740062"/>
-            <a:ext cx="2133600" cy="357188"/>
-          </a:xfrm>
-        </p:spPr>
-        <p:txBody>
-          <a:bodyPr/>
-          <a:lstStyle/>
-          <a:p>
-            <a:pPr>
-              <a:defRPr/>
-            </a:pPr>
-            <a:fld id="{BD6E0F59-1DD8-40FC-9C92-B6295CBA6CCA}" type="slidenum">
-              <a:rPr lang="en-US" altLang="zh-CN" smtClean="0"/>
-              <a:pPr>
-                <a:defRPr/>
-              </a:pPr>
-              <a:t>7</a:t>
-            </a:fld>
-            <a:endParaRPr lang="en-US" altLang="zh-CN" dirty="0"/>
-          </a:p>
-        </p:txBody>
-      </p:sp>
-      <p:sp>
-        <p:nvSpPr>
-          <p:cNvPr id="3" name="Rectangle 2">
-            <a:extLst>
-              <a:ext uri="{FF2B5EF4-FFF2-40B4-BE49-F238E27FC236}">
-                <a16:creationId xmlns:a16="http://schemas.microsoft.com/office/drawing/2014/main" id="{F6C70268-634F-470C-8DFE-DEA87DC6C54D}"/>
-              </a:ext>
-            </a:extLst>
-          </p:cNvPr>
-          <p:cNvSpPr/>
-          <p:nvPr/>
-        </p:nvSpPr>
-        <p:spPr>
-          <a:xfrm>
-            <a:off x="3956583" y="666750"/>
-            <a:ext cx="4953000" cy="1477328"/>
-          </a:xfrm>
-          <a:prstGeom prst="rect">
-            <a:avLst/>
-          </a:prstGeom>
-          <a:solidFill>
-            <a:schemeClr val="bg1">
-              <a:lumMod val="95000"/>
-            </a:schemeClr>
-          </a:solidFill>
-        </p:spPr>
-        <p:txBody>
-          <a:bodyPr wrap="square">
-            <a:spAutoFit/>
-          </a:bodyPr>
-          <a:lstStyle/>
-          <a:p>
-            <a:pPr>
-              <a:spcAft>
-                <a:spcPts val="0"/>
-              </a:spcAft>
-            </a:pPr>
-            <a:r>
-              <a:rPr lang="en-CA" sz="900" dirty="0">
-                <a:latin typeface="Courier" pitchFamily="2" charset="0"/>
-                <a:ea typeface="Calibri" panose="020F0502020204030204" pitchFamily="34" charset="0"/>
-                <a:cs typeface="Courier New" panose="02070309020205020404" pitchFamily="49" charset="0"/>
-              </a:rPr>
-              <a:t>    0                   1                   2                   3</a:t>
-            </a:r>
-          </a:p>
-          <a:p>
-            <a:pPr>
-              <a:spcAft>
-                <a:spcPts val="0"/>
-              </a:spcAft>
-            </a:pPr>
-            <a:r>
-              <a:rPr lang="en-CA" sz="900" dirty="0">
-                <a:latin typeface="Courier" pitchFamily="2" charset="0"/>
-                <a:ea typeface="Calibri" panose="020F0502020204030204" pitchFamily="34" charset="0"/>
-                <a:cs typeface="Courier New" panose="02070309020205020404" pitchFamily="49" charset="0"/>
-              </a:rPr>
-              <a:t>    0 1 2 3 4 5 6 7 8 9 0 1 2 3 4 5 6 7 8 9 0 1 2 3 4 5 6 7 8 9 0 1</a:t>
-            </a:r>
-          </a:p>
-          <a:p>
-            <a:pPr>
-              <a:spcAft>
-                <a:spcPts val="0"/>
-              </a:spcAft>
-            </a:pPr>
-            <a:r>
-              <a:rPr lang="en-CA" sz="900" dirty="0">
-                <a:latin typeface="Courier" pitchFamily="2" charset="0"/>
-                <a:ea typeface="Calibri" panose="020F0502020204030204" pitchFamily="34" charset="0"/>
-                <a:cs typeface="Courier New" panose="02070309020205020404" pitchFamily="49" charset="0"/>
-              </a:rPr>
-              <a:t>    +-+-+-+-+-+-+-+-+-+-+-+-+-+-+-+-+-+-+-+-+-+-+-+-+-+-+-+-+-+-+-+-+</a:t>
-            </a:r>
-          </a:p>
-          <a:p>
-            <a:pPr>
-              <a:spcAft>
-                <a:spcPts val="0"/>
-              </a:spcAft>
-            </a:pPr>
-            <a:r>
-              <a:rPr lang="en-CA" sz="900" dirty="0">
-                <a:latin typeface="Courier" pitchFamily="2" charset="0"/>
-                <a:ea typeface="Calibri" panose="020F0502020204030204" pitchFamily="34" charset="0"/>
-                <a:cs typeface="Courier New" panose="02070309020205020404" pitchFamily="49" charset="0"/>
-              </a:rPr>
-              <a:t>    |  Type = TBA1  |    Length     |      Reserved                 |</a:t>
-            </a:r>
-          </a:p>
-          <a:p>
-            <a:pPr>
-              <a:spcAft>
-                <a:spcPts val="0"/>
-              </a:spcAft>
-            </a:pPr>
-            <a:r>
-              <a:rPr lang="en-CA" sz="900" dirty="0">
-                <a:latin typeface="Courier" pitchFamily="2" charset="0"/>
-                <a:ea typeface="Calibri" panose="020F0502020204030204" pitchFamily="34" charset="0"/>
-                <a:cs typeface="Courier New" panose="02070309020205020404" pitchFamily="49" charset="0"/>
-              </a:rPr>
-              <a:t>    +-+-+-+-+-+-+-+-+-+-+-+-+-+-+-+-+-+-+-+-+-+-+-+-+-+-+-+-+-+-+-+-+</a:t>
-            </a:r>
-          </a:p>
-          <a:p>
-            <a:pPr>
-              <a:spcAft>
-                <a:spcPts val="0"/>
-              </a:spcAft>
-            </a:pPr>
-            <a:r>
-              <a:rPr lang="en-CA" sz="900" dirty="0">
-                <a:latin typeface="Courier" pitchFamily="2" charset="0"/>
-                <a:ea typeface="Calibri" panose="020F0502020204030204" pitchFamily="34" charset="0"/>
-                <a:cs typeface="Courier New" panose="02070309020205020404" pitchFamily="49" charset="0"/>
-              </a:rPr>
-              <a:t>    |                    Return Path Sub-TLVs                       |</a:t>
-            </a:r>
-          </a:p>
-          <a:p>
-            <a:pPr>
-              <a:spcAft>
-                <a:spcPts val="0"/>
-              </a:spcAft>
-            </a:pPr>
-            <a:r>
-              <a:rPr lang="en-CA" sz="900" dirty="0">
-                <a:latin typeface="Courier" pitchFamily="2" charset="0"/>
-                <a:ea typeface="Calibri" panose="020F0502020204030204" pitchFamily="34" charset="0"/>
-                <a:cs typeface="Courier New" panose="02070309020205020404" pitchFamily="49" charset="0"/>
-              </a:rPr>
-              <a:t>    .                                                               .</a:t>
-            </a:r>
-          </a:p>
-          <a:p>
-            <a:pPr>
-              <a:spcAft>
-                <a:spcPts val="0"/>
-              </a:spcAft>
-            </a:pPr>
-            <a:r>
-              <a:rPr lang="en-CA" sz="900" dirty="0">
-                <a:latin typeface="Courier" pitchFamily="2" charset="0"/>
-                <a:ea typeface="Calibri" panose="020F0502020204030204" pitchFamily="34" charset="0"/>
-                <a:cs typeface="Courier New" panose="02070309020205020404" pitchFamily="49" charset="0"/>
-              </a:rPr>
-              <a:t>    +-+-+-+-+-+-+-+-+-+-+-+-+-+-+-+-+-+-+-+-+-+-+-+-+-+-+-+-+-+-+-+-+</a:t>
-            </a:r>
-          </a:p>
-          <a:p>
-            <a:pPr>
-              <a:spcAft>
-                <a:spcPts val="0"/>
-              </a:spcAft>
-            </a:pPr>
-            <a:r>
-              <a:rPr lang="en-CA" sz="900" dirty="0">
-                <a:latin typeface="Courier" pitchFamily="2" charset="0"/>
-                <a:ea typeface="Calibri" panose="020F0502020204030204" pitchFamily="34" charset="0"/>
-                <a:cs typeface="Courier New" panose="02070309020205020404" pitchFamily="49" charset="0"/>
-              </a:rPr>
-              <a:t> </a:t>
-            </a:r>
-          </a:p>
-          <a:p>
-            <a:pPr>
-              <a:spcAft>
-                <a:spcPts val="0"/>
-              </a:spcAft>
-            </a:pPr>
-            <a:r>
-              <a:rPr lang="en-CA" sz="900" dirty="0">
-                <a:latin typeface="Courier" pitchFamily="2" charset="0"/>
-                <a:ea typeface="Calibri" panose="020F0502020204030204" pitchFamily="34" charset="0"/>
-                <a:cs typeface="Courier New" panose="02070309020205020404" pitchFamily="49" charset="0"/>
-              </a:rPr>
-              <a:t>                      Figure: Return Path TLV</a:t>
-            </a:r>
-          </a:p>
-        </p:txBody>
-      </p:sp>
-      <p:sp>
-        <p:nvSpPr>
-          <p:cNvPr id="6" name="Title 1">
-            <a:extLst>
-              <a:ext uri="{FF2B5EF4-FFF2-40B4-BE49-F238E27FC236}">
-                <a16:creationId xmlns:a16="http://schemas.microsoft.com/office/drawing/2014/main" id="{DB06EA39-A9DB-46A1-A4BB-54CBE90776C1}"/>
-              </a:ext>
-            </a:extLst>
-          </p:cNvPr>
-          <p:cNvSpPr>
-            <a:spLocks noGrp="1"/>
-          </p:cNvSpPr>
-          <p:nvPr>
-            <p:ph type="title"/>
-          </p:nvPr>
-        </p:nvSpPr>
-        <p:spPr>
-          <a:xfrm>
-            <a:off x="449036" y="-98111"/>
-            <a:ext cx="8390164" cy="857250"/>
-          </a:xfrm>
-        </p:spPr>
-        <p:txBody>
-          <a:bodyPr/>
-          <a:lstStyle/>
-          <a:p>
-            <a:r>
-              <a:rPr lang="en-US" sz="3600" dirty="0">
-                <a:solidFill>
-                  <a:srgbClr val="0070C0"/>
-                </a:solidFill>
-                <a:latin typeface="Calibri Light" panose="020F0302020204030204" pitchFamily="34" charset="0"/>
-                <a:cs typeface="Calibri Light" panose="020F0302020204030204" pitchFamily="34" charset="0"/>
-              </a:rPr>
-              <a:t>Return Path TLV for Two-way Measurement</a:t>
-            </a:r>
-          </a:p>
-        </p:txBody>
-      </p:sp>
-      <p:sp>
-        <p:nvSpPr>
-          <p:cNvPr id="5" name="Rectangle 4">
-            <a:extLst>
-              <a:ext uri="{FF2B5EF4-FFF2-40B4-BE49-F238E27FC236}">
-                <a16:creationId xmlns:a16="http://schemas.microsoft.com/office/drawing/2014/main" id="{6C936816-6F5E-CD4B-A1B2-D5DF14306FD1}"/>
-              </a:ext>
-            </a:extLst>
-          </p:cNvPr>
-          <p:cNvSpPr/>
-          <p:nvPr/>
-        </p:nvSpPr>
-        <p:spPr>
-          <a:xfrm>
-            <a:off x="234417" y="1009913"/>
-            <a:ext cx="3664395" cy="2002792"/>
-          </a:xfrm>
-          <a:prstGeom prst="rect">
-            <a:avLst/>
-          </a:prstGeom>
-        </p:spPr>
-        <p:txBody>
-          <a:bodyPr wrap="square">
-            <a:spAutoFit/>
-          </a:bodyPr>
-          <a:lstStyle/>
-          <a:p>
-            <a:pPr>
-              <a:lnSpc>
-                <a:spcPts val="2140"/>
-              </a:lnSpc>
-              <a:spcBef>
-                <a:spcPts val="600"/>
-              </a:spcBef>
-              <a:spcAft>
-                <a:spcPts val="600"/>
-              </a:spcAft>
-            </a:pPr>
-            <a:r>
-              <a:rPr lang="en-CA" sz="1600" dirty="0">
-                <a:latin typeface="Calibri" panose="020F0502020204030204" pitchFamily="34" charset="0"/>
-                <a:ea typeface="Calibri" panose="020F0502020204030204" pitchFamily="34" charset="0"/>
-                <a:cs typeface="Calibri" panose="020F0502020204030204" pitchFamily="34" charset="0"/>
-              </a:rPr>
-              <a:t>Sub-TLV </a:t>
-            </a:r>
-            <a:r>
-              <a:rPr lang="en-CA" sz="1600" dirty="0">
-                <a:solidFill>
-                  <a:srgbClr val="0070C0"/>
-                </a:solidFill>
-                <a:latin typeface="Calibri" panose="020F0502020204030204" pitchFamily="34" charset="0"/>
-                <a:ea typeface="Calibri" panose="020F0502020204030204" pitchFamily="34" charset="0"/>
-                <a:cs typeface="Calibri" panose="020F0502020204030204" pitchFamily="34" charset="0"/>
-              </a:rPr>
-              <a:t>Types</a:t>
-            </a:r>
-            <a:r>
-              <a:rPr lang="en-CA" sz="1600" dirty="0">
-                <a:latin typeface="Calibri" panose="020F0502020204030204" pitchFamily="34" charset="0"/>
-                <a:ea typeface="Calibri" panose="020F0502020204030204" pitchFamily="34" charset="0"/>
-                <a:cs typeface="Calibri" panose="020F0502020204030204" pitchFamily="34" charset="0"/>
-              </a:rPr>
-              <a:t>:</a:t>
-            </a:r>
-          </a:p>
-          <a:p>
-            <a:pPr marL="342900" indent="-342900">
-              <a:lnSpc>
-                <a:spcPts val="2140"/>
-              </a:lnSpc>
-              <a:spcBef>
-                <a:spcPts val="600"/>
-              </a:spcBef>
-              <a:spcAft>
-                <a:spcPts val="600"/>
-              </a:spcAft>
-              <a:buFont typeface="+mj-lt"/>
-              <a:buAutoNum type="arabicPeriod"/>
-            </a:pPr>
-            <a:r>
-              <a:rPr lang="en-CA" sz="1600" dirty="0">
-                <a:latin typeface="Calibri" panose="020F0502020204030204" pitchFamily="34" charset="0"/>
-                <a:ea typeface="Calibri" panose="020F0502020204030204" pitchFamily="34" charset="0"/>
-                <a:cs typeface="Calibri" panose="020F0502020204030204" pitchFamily="34" charset="0"/>
-              </a:rPr>
-              <a:t>Type (value 1): SR-MPLS Segment List (Label Stack) of the Reverse SR Path</a:t>
-            </a:r>
-          </a:p>
-          <a:p>
-            <a:pPr marL="342900" indent="-342900">
-              <a:lnSpc>
-                <a:spcPts val="2140"/>
-              </a:lnSpc>
-              <a:spcBef>
-                <a:spcPts val="600"/>
-              </a:spcBef>
-              <a:spcAft>
-                <a:spcPts val="600"/>
-              </a:spcAft>
-              <a:buFont typeface="+mj-lt"/>
-              <a:buAutoNum type="arabicPeriod"/>
-            </a:pPr>
-            <a:r>
-              <a:rPr lang="en-CA" sz="1600" dirty="0">
-                <a:latin typeface="Calibri" panose="020F0502020204030204" pitchFamily="34" charset="0"/>
-                <a:ea typeface="Calibri" panose="020F0502020204030204" pitchFamily="34" charset="0"/>
-                <a:cs typeface="Calibri" panose="020F0502020204030204" pitchFamily="34" charset="0"/>
-              </a:rPr>
-              <a:t>Type (value 2): SR-MPLS Binding SID [</a:t>
-            </a:r>
-            <a:r>
-              <a:rPr lang="en-CA" sz="1600" dirty="0">
-                <a:latin typeface="Calibri" panose="020F0502020204030204" pitchFamily="34" charset="0"/>
-                <a:cs typeface="Calibri" panose="020F0502020204030204" pitchFamily="34" charset="0"/>
-              </a:rPr>
-              <a:t>draft-</a:t>
-            </a:r>
-            <a:r>
-              <a:rPr lang="en-CA" sz="1600" dirty="0" err="1">
-                <a:latin typeface="Calibri" panose="020F0502020204030204" pitchFamily="34" charset="0"/>
-                <a:cs typeface="Calibri" panose="020F0502020204030204" pitchFamily="34" charset="0"/>
-              </a:rPr>
-              <a:t>ietf</a:t>
-            </a:r>
-            <a:r>
-              <a:rPr lang="en-CA" sz="1600" dirty="0">
-                <a:latin typeface="Calibri" panose="020F0502020204030204" pitchFamily="34" charset="0"/>
-                <a:cs typeface="Calibri" panose="020F0502020204030204" pitchFamily="34" charset="0"/>
-              </a:rPr>
-              <a:t>-</a:t>
-            </a:r>
-            <a:r>
-              <a:rPr lang="en-CA" sz="1600" dirty="0" err="1">
-                <a:latin typeface="Calibri" panose="020F0502020204030204" pitchFamily="34" charset="0"/>
-                <a:cs typeface="Calibri" panose="020F0502020204030204" pitchFamily="34" charset="0"/>
-              </a:rPr>
-              <a:t>pce</a:t>
-            </a:r>
-            <a:r>
-              <a:rPr lang="en-CA" sz="1600" dirty="0">
-                <a:latin typeface="Calibri" panose="020F0502020204030204" pitchFamily="34" charset="0"/>
-                <a:cs typeface="Calibri" panose="020F0502020204030204" pitchFamily="34" charset="0"/>
-              </a:rPr>
-              <a:t>-binding-label-</a:t>
-            </a:r>
-            <a:r>
-              <a:rPr lang="en-CA" sz="1600" dirty="0" err="1">
-                <a:latin typeface="Calibri" panose="020F0502020204030204" pitchFamily="34" charset="0"/>
-                <a:cs typeface="Calibri" panose="020F0502020204030204" pitchFamily="34" charset="0"/>
-              </a:rPr>
-              <a:t>sid</a:t>
-            </a:r>
-            <a:r>
-              <a:rPr lang="en-CA" sz="1600" dirty="0">
-                <a:latin typeface="Calibri" panose="020F0502020204030204" pitchFamily="34" charset="0"/>
-                <a:ea typeface="Calibri" panose="020F0502020204030204" pitchFamily="34" charset="0"/>
-                <a:cs typeface="Calibri" panose="020F0502020204030204" pitchFamily="34" charset="0"/>
-              </a:rPr>
-              <a:t>] of the Reverse SR Policy</a:t>
-            </a:r>
-            <a:endParaRPr lang="en-US" sz="1600" dirty="0">
-              <a:latin typeface="Calibri" panose="020F0502020204030204" pitchFamily="34" charset="0"/>
-              <a:cs typeface="Calibri" panose="020F0502020204030204" pitchFamily="34" charset="0"/>
-            </a:endParaRPr>
-          </a:p>
-        </p:txBody>
-      </p:sp>
-      <p:sp>
-        <p:nvSpPr>
-          <p:cNvPr id="7" name="TextBox 6">
-            <a:extLst>
-              <a:ext uri="{FF2B5EF4-FFF2-40B4-BE49-F238E27FC236}">
-                <a16:creationId xmlns:a16="http://schemas.microsoft.com/office/drawing/2014/main" id="{BC588423-55EC-4340-8BD0-816D2C153886}"/>
-              </a:ext>
-            </a:extLst>
-          </p:cNvPr>
-          <p:cNvSpPr txBox="1"/>
-          <p:nvPr/>
-        </p:nvSpPr>
-        <p:spPr>
-          <a:xfrm>
-            <a:off x="234416" y="3398621"/>
-            <a:ext cx="3664394" cy="1323439"/>
-          </a:xfrm>
-          <a:prstGeom prst="rect">
-            <a:avLst/>
-          </a:prstGeom>
-          <a:noFill/>
-        </p:spPr>
-        <p:txBody>
-          <a:bodyPr wrap="square" rtlCol="0">
-            <a:spAutoFit/>
-          </a:bodyPr>
-          <a:lstStyle/>
-          <a:p>
-            <a:pPr marL="285750" indent="-285750">
-              <a:buFont typeface="Arial" panose="020B0604020202020204" pitchFamily="34" charset="0"/>
-              <a:buChar char="•"/>
-            </a:pPr>
-            <a:r>
-              <a:rPr lang="en-US" sz="1600" b="1" dirty="0">
-                <a:latin typeface="Calibri" panose="020F0502020204030204" pitchFamily="34" charset="0"/>
-                <a:cs typeface="Calibri" panose="020F0502020204030204" pitchFamily="34" charset="0"/>
-              </a:rPr>
-              <a:t>TLV is mandatory when carried in a probe query message and if responder does not support, it MUST return Error </a:t>
-            </a:r>
-            <a:r>
-              <a:rPr lang="en-CA" sz="1600" b="1" dirty="0">
-                <a:latin typeface="Calibri" panose="020F0502020204030204" pitchFamily="34" charset="0"/>
-                <a:cs typeface="Calibri" panose="020F0502020204030204" pitchFamily="34" charset="0"/>
-              </a:rPr>
-              <a:t>0x17: Unsupported Mandatory TLV Object</a:t>
-            </a:r>
-            <a:endParaRPr lang="en-US" sz="1600" b="1" dirty="0">
-              <a:latin typeface="Calibri" panose="020F0502020204030204" pitchFamily="34" charset="0"/>
-              <a:cs typeface="Calibri" panose="020F0502020204030204" pitchFamily="34" charset="0"/>
-            </a:endParaRPr>
-          </a:p>
-        </p:txBody>
-      </p:sp>
-      <p:sp>
-        <p:nvSpPr>
-          <p:cNvPr id="10" name="Rectangle 9">
-            <a:extLst>
-              <a:ext uri="{FF2B5EF4-FFF2-40B4-BE49-F238E27FC236}">
-                <a16:creationId xmlns:a16="http://schemas.microsoft.com/office/drawing/2014/main" id="{2001BEBD-7EA5-2646-8A98-C2A4FDCB721B}"/>
-              </a:ext>
-            </a:extLst>
-          </p:cNvPr>
-          <p:cNvSpPr/>
-          <p:nvPr/>
-        </p:nvSpPr>
-        <p:spPr>
-          <a:xfrm>
-            <a:off x="3956583" y="2236531"/>
-            <a:ext cx="4953000" cy="2446824"/>
-          </a:xfrm>
-          <a:prstGeom prst="rect">
-            <a:avLst/>
-          </a:prstGeom>
-          <a:solidFill>
-            <a:schemeClr val="bg1">
-              <a:lumMod val="95000"/>
-            </a:schemeClr>
-          </a:solidFill>
-        </p:spPr>
-        <p:txBody>
-          <a:bodyPr wrap="square">
-            <a:spAutoFit/>
-          </a:bodyPr>
-          <a:lstStyle/>
-          <a:p>
-            <a:pPr>
-              <a:spcAft>
-                <a:spcPts val="0"/>
-              </a:spcAft>
-            </a:pPr>
-            <a:r>
-              <a:rPr lang="en-CA" sz="900" dirty="0">
-                <a:latin typeface="Courier" pitchFamily="2" charset="0"/>
-                <a:ea typeface="Calibri" panose="020F0502020204030204" pitchFamily="34" charset="0"/>
-                <a:cs typeface="Courier New" panose="02070309020205020404" pitchFamily="49" charset="0"/>
-              </a:rPr>
-              <a:t>    0                   1                   2                   3</a:t>
-            </a:r>
-          </a:p>
-          <a:p>
-            <a:pPr>
-              <a:spcAft>
-                <a:spcPts val="0"/>
-              </a:spcAft>
-            </a:pPr>
-            <a:r>
-              <a:rPr lang="en-CA" sz="900" dirty="0">
-                <a:latin typeface="Courier" pitchFamily="2" charset="0"/>
-                <a:ea typeface="Calibri" panose="020F0502020204030204" pitchFamily="34" charset="0"/>
-                <a:cs typeface="Courier New" panose="02070309020205020404" pitchFamily="49" charset="0"/>
-              </a:rPr>
-              <a:t>    0 1 2 3 4 5 6 7 8 9 0 1 2 3 4 5 6 7 8 9 0 1 2 3 4 5 6 7 8 9 0 1</a:t>
-            </a:r>
-          </a:p>
-          <a:p>
-            <a:pPr>
-              <a:spcAft>
-                <a:spcPts val="0"/>
-              </a:spcAft>
-            </a:pPr>
-            <a:r>
-              <a:rPr lang="en-CA" sz="900" dirty="0">
-                <a:latin typeface="Courier" pitchFamily="2" charset="0"/>
-                <a:ea typeface="Calibri" panose="020F0502020204030204" pitchFamily="34" charset="0"/>
-                <a:cs typeface="Courier New" panose="02070309020205020404" pitchFamily="49" charset="0"/>
-              </a:rPr>
-              <a:t>    +-+-+-+-+-+-+-+-+-+-+-+-+-+-+-+-+-+-+-+-+-+-+-+-+-+-+-+-+-+-+-+-+</a:t>
-            </a:r>
-          </a:p>
-          <a:p>
-            <a:pPr>
-              <a:spcAft>
-                <a:spcPts val="0"/>
-              </a:spcAft>
-            </a:pPr>
-            <a:r>
-              <a:rPr lang="en-CA" sz="900" dirty="0">
-                <a:latin typeface="Courier" pitchFamily="2" charset="0"/>
-                <a:ea typeface="Calibri" panose="020F0502020204030204" pitchFamily="34" charset="0"/>
-                <a:cs typeface="Courier New" panose="02070309020205020404" pitchFamily="49" charset="0"/>
-              </a:rPr>
-              <a:t>    |     </a:t>
-            </a:r>
-            <a:r>
-              <a:rPr lang="en-CA" sz="900" dirty="0">
-                <a:solidFill>
-                  <a:srgbClr val="0070C0"/>
-                </a:solidFill>
-                <a:latin typeface="Courier" pitchFamily="2" charset="0"/>
-                <a:ea typeface="Calibri" panose="020F0502020204030204" pitchFamily="34" charset="0"/>
-                <a:cs typeface="Courier New" panose="02070309020205020404" pitchFamily="49" charset="0"/>
-              </a:rPr>
-              <a:t>Type</a:t>
-            </a:r>
-            <a:r>
-              <a:rPr lang="en-CA" sz="900" dirty="0">
-                <a:latin typeface="Courier" pitchFamily="2" charset="0"/>
-                <a:ea typeface="Calibri" panose="020F0502020204030204" pitchFamily="34" charset="0"/>
-                <a:cs typeface="Courier New" panose="02070309020205020404" pitchFamily="49" charset="0"/>
-              </a:rPr>
-              <a:t>      |    Length     |      Reserved                 |</a:t>
-            </a:r>
-          </a:p>
-          <a:p>
-            <a:pPr>
-              <a:spcAft>
-                <a:spcPts val="0"/>
-              </a:spcAft>
-            </a:pPr>
-            <a:r>
-              <a:rPr lang="en-CA" sz="900" dirty="0">
-                <a:latin typeface="Courier" pitchFamily="2" charset="0"/>
-                <a:ea typeface="Calibri" panose="020F0502020204030204" pitchFamily="34" charset="0"/>
-                <a:cs typeface="Courier New" panose="02070309020205020404" pitchFamily="49" charset="0"/>
-              </a:rPr>
-              <a:t>    +-+-+-+-+-+-+-+-+-+-+-+-+-+-+-+-+-+-+-+-+-+-+-+-+-+-+-+-+-+-+-+-+</a:t>
-            </a:r>
-          </a:p>
-          <a:p>
-            <a:pPr>
-              <a:spcAft>
-                <a:spcPts val="0"/>
-              </a:spcAft>
-            </a:pPr>
-            <a:r>
-              <a:rPr lang="en-CA" sz="900" dirty="0">
-                <a:latin typeface="Courier" pitchFamily="2" charset="0"/>
-                <a:ea typeface="Calibri" panose="020F0502020204030204" pitchFamily="34" charset="0"/>
-                <a:cs typeface="Courier New" panose="02070309020205020404" pitchFamily="49" charset="0"/>
-              </a:rPr>
-              <a:t>    |                    Label(1)                                   |</a:t>
-            </a:r>
-          </a:p>
-          <a:p>
-            <a:pPr>
-              <a:spcAft>
-                <a:spcPts val="0"/>
-              </a:spcAft>
-            </a:pPr>
-            <a:r>
-              <a:rPr lang="en-CA" sz="900" dirty="0">
-                <a:latin typeface="Courier" pitchFamily="2" charset="0"/>
-                <a:ea typeface="Calibri" panose="020F0502020204030204" pitchFamily="34" charset="0"/>
-                <a:cs typeface="Courier New" panose="02070309020205020404" pitchFamily="49" charset="0"/>
-              </a:rPr>
-              <a:t>    .                                                               .</a:t>
-            </a:r>
-          </a:p>
-          <a:p>
-            <a:pPr>
-              <a:spcAft>
-                <a:spcPts val="0"/>
-              </a:spcAft>
-            </a:pPr>
-            <a:r>
-              <a:rPr lang="en-CA" sz="900" dirty="0">
-                <a:latin typeface="Courier" pitchFamily="2" charset="0"/>
-                <a:ea typeface="Calibri" panose="020F0502020204030204" pitchFamily="34" charset="0"/>
-                <a:cs typeface="Courier New" panose="02070309020205020404" pitchFamily="49" charset="0"/>
-              </a:rPr>
-              <a:t>    +-+-+-+-+-+-+-+-+-+-+-+-+-+-+-+-+-+-+-+-+-+-+-+-+-+-+-+-+-+-+-+-+</a:t>
-            </a:r>
-          </a:p>
-          <a:p>
-            <a:pPr>
-              <a:spcAft>
-                <a:spcPts val="0"/>
-              </a:spcAft>
-            </a:pPr>
-            <a:r>
-              <a:rPr lang="en-CA" sz="900" dirty="0">
-                <a:latin typeface="Courier" pitchFamily="2" charset="0"/>
-                <a:ea typeface="Calibri" panose="020F0502020204030204" pitchFamily="34" charset="0"/>
-                <a:cs typeface="Courier New" panose="02070309020205020404" pitchFamily="49" charset="0"/>
-              </a:rPr>
-              <a:t>    .                                                               .</a:t>
-            </a:r>
-          </a:p>
-          <a:p>
-            <a:pPr>
-              <a:spcAft>
-                <a:spcPts val="0"/>
-              </a:spcAft>
-            </a:pPr>
-            <a:r>
-              <a:rPr lang="en-CA" sz="900" dirty="0">
-                <a:latin typeface="Courier" pitchFamily="2" charset="0"/>
-                <a:ea typeface="Calibri" panose="020F0502020204030204" pitchFamily="34" charset="0"/>
-                <a:cs typeface="Courier New" panose="02070309020205020404" pitchFamily="49" charset="0"/>
-              </a:rPr>
-              <a:t>    .                                                               .</a:t>
-            </a:r>
-          </a:p>
-          <a:p>
-            <a:pPr>
-              <a:spcAft>
-                <a:spcPts val="0"/>
-              </a:spcAft>
-            </a:pPr>
-            <a:r>
-              <a:rPr lang="en-CA" sz="900" dirty="0">
-                <a:latin typeface="Courier" pitchFamily="2" charset="0"/>
-                <a:ea typeface="Calibri" panose="020F0502020204030204" pitchFamily="34" charset="0"/>
-                <a:cs typeface="Courier New" panose="02070309020205020404" pitchFamily="49" charset="0"/>
-              </a:rPr>
-              <a:t>    .                                                               .</a:t>
-            </a:r>
-          </a:p>
-          <a:p>
-            <a:pPr>
-              <a:spcAft>
-                <a:spcPts val="0"/>
-              </a:spcAft>
-            </a:pPr>
-            <a:r>
-              <a:rPr lang="en-CA" sz="900" dirty="0">
-                <a:latin typeface="Courier" pitchFamily="2" charset="0"/>
-                <a:ea typeface="Calibri" panose="020F0502020204030204" pitchFamily="34" charset="0"/>
-                <a:cs typeface="Courier New" panose="02070309020205020404" pitchFamily="49" charset="0"/>
-              </a:rPr>
-              <a:t>    +-+-+-+-+-+-+-+-+-+-+-+-+-+-+-+-+-+-+-+-+-+-+-+-+-+-+-+-+-+-+-+-+</a:t>
-            </a:r>
-          </a:p>
-          <a:p>
-            <a:pPr>
-              <a:spcAft>
-                <a:spcPts val="0"/>
-              </a:spcAft>
-            </a:pPr>
-            <a:r>
-              <a:rPr lang="en-CA" sz="900" dirty="0">
-                <a:latin typeface="Courier" pitchFamily="2" charset="0"/>
-                <a:ea typeface="Calibri" panose="020F0502020204030204" pitchFamily="34" charset="0"/>
-                <a:cs typeface="Courier New" panose="02070309020205020404" pitchFamily="49" charset="0"/>
-              </a:rPr>
-              <a:t>    |                    Label(n)                                   |</a:t>
-            </a:r>
-          </a:p>
-          <a:p>
-            <a:pPr>
-              <a:spcAft>
-                <a:spcPts val="0"/>
-              </a:spcAft>
-            </a:pPr>
-            <a:r>
-              <a:rPr lang="en-CA" sz="900" dirty="0">
-                <a:latin typeface="Courier" pitchFamily="2" charset="0"/>
-                <a:ea typeface="Calibri" panose="020F0502020204030204" pitchFamily="34" charset="0"/>
-                <a:cs typeface="Courier New" panose="02070309020205020404" pitchFamily="49" charset="0"/>
-              </a:rPr>
-              <a:t>    .                                                               .</a:t>
-            </a:r>
-          </a:p>
-          <a:p>
-            <a:pPr>
-              <a:spcAft>
-                <a:spcPts val="0"/>
-              </a:spcAft>
-            </a:pPr>
-            <a:r>
-              <a:rPr lang="en-CA" sz="900" dirty="0">
-                <a:latin typeface="Courier" pitchFamily="2" charset="0"/>
-                <a:ea typeface="Calibri" panose="020F0502020204030204" pitchFamily="34" charset="0"/>
-                <a:cs typeface="Courier New" panose="02070309020205020404" pitchFamily="49" charset="0"/>
-              </a:rPr>
-              <a:t>    +-+-+-+-+-+-+-+-+-+-+-+-+-+-+-+-+-+-+-+-+-+-+-+-+-+-+-+-+-+-+-+-+</a:t>
-            </a:r>
-          </a:p>
-          <a:p>
-            <a:pPr>
-              <a:spcAft>
-                <a:spcPts val="0"/>
-              </a:spcAft>
-            </a:pPr>
-            <a:r>
-              <a:rPr lang="en-CA" sz="900" dirty="0">
-                <a:latin typeface="Courier" pitchFamily="2" charset="0"/>
-                <a:ea typeface="Calibri" panose="020F0502020204030204" pitchFamily="34" charset="0"/>
-                <a:cs typeface="Courier New" panose="02070309020205020404" pitchFamily="49" charset="0"/>
-              </a:rPr>
-              <a:t> </a:t>
-            </a:r>
-          </a:p>
-          <a:p>
-            <a:pPr>
-              <a:spcAft>
-                <a:spcPts val="0"/>
-              </a:spcAft>
-            </a:pPr>
-            <a:r>
-              <a:rPr lang="en-CA" sz="900" dirty="0">
-                <a:latin typeface="Courier" pitchFamily="2" charset="0"/>
-                <a:ea typeface="Calibri" panose="020F0502020204030204" pitchFamily="34" charset="0"/>
-                <a:cs typeface="Courier New" panose="02070309020205020404" pitchFamily="49" charset="0"/>
-              </a:rPr>
-              <a:t>           Figure: Segment List Sub-TLV in Return Path TLV</a:t>
-            </a:r>
-            <a:endParaRPr lang="en-CA" sz="900" dirty="0">
-              <a:latin typeface="Courier" pitchFamily="2" charset="0"/>
-              <a:cs typeface="Courier New" panose="02070309020205020404" pitchFamily="49" charset="0"/>
-            </a:endParaRPr>
-          </a:p>
-        </p:txBody>
-      </p:sp>
-    </p:spTree>
-    <p:extLst>
-      <p:ext uri="{BB962C8B-B14F-4D97-AF65-F5344CB8AC3E}">
-        <p14:creationId xmlns:p14="http://schemas.microsoft.com/office/powerpoint/2010/main" val="1651509584"/>
+        <p14:creationId xmlns:p14="http://schemas.microsoft.com/office/powerpoint/2010/main" val="15840811"/>
       </p:ext>
     </p:extLst>
   </p:cSld>
@@ -10171,17 +10489,50 @@
       </p:grpSpPr>
       <p:sp>
         <p:nvSpPr>
-          <p:cNvPr id="4" name="Footer Placeholder 3"/>
+          <p:cNvPr id="2" name="Title 1"/>
           <p:cNvSpPr>
             <a:spLocks noGrp="1"/>
           </p:cNvSpPr>
           <p:nvPr>
-            <p:ph type="ftr" sz="quarter" idx="11"/>
+            <p:ph type="title"/>
           </p:nvPr>
         </p:nvSpPr>
         <p:spPr>
           <a:xfrm>
-            <a:off x="3276600" y="4763387"/>
+            <a:off x="457200" y="0"/>
+            <a:ext cx="8229600" cy="857250"/>
+          </a:xfrm>
+        </p:spPr>
+        <p:txBody>
+          <a:bodyPr/>
+          <a:lstStyle/>
+          <a:p>
+            <a:r>
+              <a:rPr lang="en-US" sz="3600" dirty="0">
+                <a:solidFill>
+                  <a:srgbClr val="0070C0"/>
+                </a:solidFill>
+                <a:latin typeface="Calibri Light" panose="020F0302020204030204" pitchFamily="34" charset="0"/>
+                <a:cs typeface="Calibri Light" panose="020F0302020204030204" pitchFamily="34" charset="0"/>
+              </a:rPr>
+              <a:t>PM Probes for SR Links</a:t>
+            </a:r>
+          </a:p>
+        </p:txBody>
+      </p:sp>
+      <p:sp>
+        <p:nvSpPr>
+          <p:cNvPr id="4" name="Footer Placeholder 3"/>
+          <p:cNvSpPr>
+            <a:spLocks noGrp="1"/>
+          </p:cNvSpPr>
+          <p:nvPr>
+            <p:ph type="ftr" sz="quarter" idx="11"/>
+          </p:nvPr>
+        </p:nvSpPr>
+        <p:spPr>
+          <a:xfrm>
+            <a:off x="3124200" y="4786312"/>
             <a:ext cx="2895600" cy="357188"/>
           </a:xfrm>
         </p:spPr>
@@ -10189,48 +10540,66 @@
           <a:bodyPr/>
           <a:lstStyle/>
           <a:p>
-            <a:r>
-              <a:rPr lang="en-CA" dirty="0"/>
-              <a:t>IETF MPLS WG Interim – April 2020 </a:t>
-            </a:r>
-          </a:p>
-        </p:txBody>
-      </p:sp>
-      <p:sp>
-        <p:nvSpPr>
-          <p:cNvPr id="2" name="Slide Number Placeholder 1"/>
+            <a:pPr>
+              <a:defRPr/>
+            </a:pPr>
+            <a:r>
+              <a:rPr lang="en-US" altLang="zh-CN" dirty="0"/>
+              <a:t>108</a:t>
+            </a:r>
+            <a:r>
+              <a:rPr lang="en-US" altLang="zh-CN" baseline="30000" dirty="0"/>
+              <a:t>th</a:t>
+            </a:r>
+            <a:r>
+              <a:rPr lang="en-US" altLang="zh-CN" dirty="0"/>
+              <a:t> IETF @ Madrid</a:t>
+            </a:r>
+          </a:p>
+        </p:txBody>
+      </p:sp>
+      <p:sp>
+        <p:nvSpPr>
+          <p:cNvPr id="6" name="Content Placeholder 2"/>
           <p:cNvSpPr>
             <a:spLocks noGrp="1"/>
           </p:cNvSpPr>
           <p:nvPr>
-            <p:ph type="sldNum" sz="quarter" idx="12"/>
-          </p:nvPr>
-        </p:nvSpPr>
-        <p:spPr/>
+            <p:ph idx="1"/>
+          </p:nvPr>
+        </p:nvSpPr>
+        <p:spPr>
+          <a:xfrm>
+            <a:off x="533400" y="3180338"/>
+            <a:ext cx="8153400" cy="990600"/>
+          </a:xfrm>
+        </p:spPr>
         <p:txBody>
           <a:bodyPr/>
           <a:lstStyle/>
           <a:p>
-            <a:pPr>
-              <a:defRPr/>
-            </a:pPr>
-            <a:fld id="{BD6E0F59-1DD8-40FC-9C92-B6295CBA6CCA}" type="slidenum">
-              <a:rPr lang="en-US" altLang="zh-CN" smtClean="0"/>
-              <a:pPr>
-                <a:defRPr/>
-              </a:pPr>
-              <a:t>8</a:t>
-            </a:fld>
-            <a:endParaRPr lang="en-US" altLang="zh-CN"/>
-          </a:p>
-        </p:txBody>
-      </p:sp>
-      <p:sp>
-        <p:nvSpPr>
-          <p:cNvPr id="3" name="Rectangle 2">
+            <a:pPr lvl="0"/>
+            <a:r>
+              <a:rPr lang="en-US" sz="2000" dirty="0"/>
+              <a:t>For SR links, the PM probe query messages for link delay and packet loss measurements are sent using MPLS GAL/</a:t>
+            </a:r>
+            <a:r>
+              <a:rPr lang="en-US" sz="2000" dirty="0" err="1"/>
+              <a:t>GAch</a:t>
+            </a:r>
+            <a:r>
+              <a:rPr lang="en-US" sz="2000" dirty="0"/>
+              <a:t> header as defined in [RFC6374].</a:t>
+            </a:r>
+          </a:p>
+        </p:txBody>
+      </p:sp>
+      <p:sp>
+        <p:nvSpPr>
+          <p:cNvPr id="7" name="Rectangle 6">
             <a:extLst>
               <a:ext uri="{FF2B5EF4-FFF2-40B4-BE49-F238E27FC236}">
-                <a16:creationId xmlns:a16="http://schemas.microsoft.com/office/drawing/2014/main" id="{F6C70268-634F-470C-8DFE-DEA87DC6C54D}"/>
+                <a16:creationId xmlns:a16="http://schemas.microsoft.com/office/drawing/2014/main" id="{21CF5025-6E26-9D49-AAE8-1710C85F1444}"/>
               </a:ext>
             </a:extLst>
           </p:cNvPr>
@@ -10239,8 +10608,8 @@
         </p:nvSpPr>
         <p:spPr>
           <a:xfrm>
-            <a:off x="685800" y="958004"/>
-            <a:ext cx="7772400" cy="1600438"/>
+            <a:off x="1066800" y="972562"/>
+            <a:ext cx="6781800" cy="1754326"/>
           </a:xfrm>
           <a:prstGeom prst="rect">
             <a:avLst/>
@@ -10257,118 +10626,77 @@
           </a:bodyPr>
           <a:lstStyle/>
           <a:p>
-            <a:pPr>
-              <a:spcAft>
-                <a:spcPts val="0"/>
-              </a:spcAft>
-            </a:pPr>
-            <a:r>
-              <a:rPr lang="en-CA" sz="1400" dirty="0">
+            <a:r>
+              <a:rPr lang="en-CA" sz="1200" dirty="0">
                 <a:latin typeface="Courier" pitchFamily="2" charset="0"/>
-                <a:ea typeface="Calibri" panose="020F0502020204030204" pitchFamily="34" charset="0"/>
-                <a:cs typeface="Courier New" panose="02070309020205020404" pitchFamily="49" charset="0"/>
-              </a:rPr>
-              <a:t>   </a:t>
-            </a:r>
-            <a:r>
-              <a:rPr lang="en-CA" sz="1400" dirty="0">
+              </a:rPr>
+              <a:t>    0                   1                   2                   3</a:t>
+            </a:r>
+          </a:p>
+          <a:p>
+            <a:r>
+              <a:rPr lang="en-CA" sz="1200" dirty="0">
                 <a:latin typeface="Courier" pitchFamily="2" charset="0"/>
-                <a:ea typeface="Calibri" panose="020F0502020204030204" pitchFamily="34" charset="0"/>
-                <a:cs typeface="Times New Roman" panose="02020603050405020304" pitchFamily="18" charset="0"/>
-              </a:rPr>
-              <a:t> 0                   1                   2                   3</a:t>
-            </a:r>
-          </a:p>
-          <a:p>
-            <a:pPr>
-              <a:spcAft>
-                <a:spcPts val="0"/>
-              </a:spcAft>
-            </a:pPr>
-            <a:r>
-              <a:rPr lang="en-CA" sz="1400" dirty="0">
+              </a:rPr>
+              <a:t>    0 1 2 3 4 5 6 7 8 9 0 1 2 3 4 5 6 7 8 9 0 1 2 3 4 5 6 7 8 9 0 1</a:t>
+            </a:r>
+          </a:p>
+          <a:p>
+            <a:r>
+              <a:rPr lang="en-CA" sz="1200" dirty="0">
                 <a:latin typeface="Courier" pitchFamily="2" charset="0"/>
-                <a:ea typeface="Calibri" panose="020F0502020204030204" pitchFamily="34" charset="0"/>
-                <a:cs typeface="Times New Roman" panose="02020603050405020304" pitchFamily="18" charset="0"/>
-              </a:rPr>
-              <a:t>    0 1 2 3 4 5 6 7 8 9 0 1 2 3 4 5 6 7 8 9 0 1 2 3 4 5 6 7 8 9 0 1</a:t>
-            </a:r>
-          </a:p>
-          <a:p>
-            <a:pPr>
-              <a:spcAft>
-                <a:spcPts val="0"/>
-              </a:spcAft>
-            </a:pPr>
-            <a:r>
-              <a:rPr lang="en-CA" sz="1400" dirty="0">
+              </a:rPr>
+              <a:t>    +-+-+-+-+-+-+-+-+-+-+-+-+-+-+-+-+-+-+-+-+-+-+-+-+-+-+-+-+-+-+-+-+</a:t>
+            </a:r>
+          </a:p>
+          <a:p>
+            <a:r>
+              <a:rPr lang="en-CA" sz="1200" dirty="0">
                 <a:latin typeface="Courier" pitchFamily="2" charset="0"/>
-                <a:ea typeface="Calibri" panose="020F0502020204030204" pitchFamily="34" charset="0"/>
-                <a:cs typeface="Times New Roman" panose="02020603050405020304" pitchFamily="18" charset="0"/>
+              </a:rPr>
+              <a:t>    |             GAL (value 13)            | TC  |1|      TTL      |</a:t>
+            </a:r>
+          </a:p>
+          <a:p>
+            <a:r>
+              <a:rPr lang="en-CA" sz="1200" dirty="0">
+                <a:latin typeface="Courier" pitchFamily="2" charset="0"/>
               </a:rPr>
               <a:t>    +-+-+-+-+-+-+-+-+-+-+-+-+-+-+-+-+-+-+-+-+-+-+-+-+-+-+-+-+-+-+-+-+</a:t>
             </a:r>
           </a:p>
           <a:p>
-            <a:pPr>
-              <a:spcAft>
-                <a:spcPts val="0"/>
-              </a:spcAft>
-            </a:pPr>
-            <a:r>
-              <a:rPr lang="en-CA" sz="1400" dirty="0">
+            <a:r>
+              <a:rPr lang="en-CA" sz="1200" dirty="0">
                 <a:latin typeface="Courier" pitchFamily="2" charset="0"/>
-                <a:ea typeface="Calibri" panose="020F0502020204030204" pitchFamily="34" charset="0"/>
-                <a:cs typeface="Times New Roman" panose="02020603050405020304" pitchFamily="18" charset="0"/>
-              </a:rPr>
-              <a:t>    |  Type = TBA2  |    Length     | Reserved      | Block Number  |</a:t>
-            </a:r>
-          </a:p>
-          <a:p>
-            <a:pPr>
-              <a:spcAft>
-                <a:spcPts val="0"/>
-              </a:spcAft>
-            </a:pPr>
-            <a:r>
-              <a:rPr lang="en-CA" sz="1400" dirty="0">
+              </a:rPr>
+              <a:t>    |0 0 0 1|Version|  Reserved     | GAL Channel Type              |</a:t>
+            </a:r>
+          </a:p>
+          <a:p>
+            <a:r>
+              <a:rPr lang="en-CA" sz="1200" dirty="0">
                 <a:latin typeface="Courier" pitchFamily="2" charset="0"/>
-                <a:ea typeface="Calibri" panose="020F0502020204030204" pitchFamily="34" charset="0"/>
-                <a:cs typeface="Times New Roman" panose="02020603050405020304" pitchFamily="18" charset="0"/>
-              </a:rPr>
-              <a:t>    +-+-+-+-+-+-+-+-+-+-+-+-+-+-+-+-+-+-+-+-+-+-+-+-+-+-+-+-+-+-+-+-+  </a:t>
-            </a:r>
-          </a:p>
-          <a:p>
-            <a:pPr>
-              <a:spcAft>
-                <a:spcPts val="0"/>
-              </a:spcAft>
-            </a:pPr>
-            <a:r>
-              <a:rPr lang="en-CA" sz="1400" dirty="0">
+              </a:rPr>
+              <a:t>    +-+-+-+-+-+-+-+-+-+-+-+-+-+-+-+-+-+-+-+-+-+-+-+-+-+-+-+-+-+-+-+-+</a:t>
+            </a:r>
+          </a:p>
+          <a:p>
+            <a:r>
+              <a:rPr lang="en-CA" sz="1200" dirty="0">
                 <a:latin typeface="Courier" pitchFamily="2" charset="0"/>
-                <a:ea typeface="Calibri" panose="020F0502020204030204" pitchFamily="34" charset="0"/>
-                <a:cs typeface="Times New Roman" panose="02020603050405020304" pitchFamily="18" charset="0"/>
-              </a:rPr>
-              <a:t>                    </a:t>
-            </a:r>
-          </a:p>
-          <a:p>
-            <a:pPr>
-              <a:spcAft>
-                <a:spcPts val="0"/>
-              </a:spcAft>
-            </a:pPr>
-            <a:r>
-              <a:rPr lang="en-CA" sz="1400" dirty="0">
+              </a:rPr>
+              <a:t> </a:t>
+            </a:r>
+          </a:p>
+          <a:p>
+            <a:r>
+              <a:rPr lang="en-CA" sz="1200" dirty="0">
                 <a:latin typeface="Courier" pitchFamily="2" charset="0"/>
-                <a:ea typeface="Calibri" panose="020F0502020204030204" pitchFamily="34" charset="0"/>
-                <a:cs typeface="Times New Roman" panose="02020603050405020304" pitchFamily="18" charset="0"/>
-              </a:rPr>
-              <a:t>                       Figure: Block Number TLV</a:t>
-            </a:r>
-            <a:endParaRPr lang="en-CA" sz="1400" dirty="0">
+              </a:rPr>
+              <a:t>           Figure: Probe Message Header for an SR-MPLS Link</a:t>
+            </a:r>
+            <a:endParaRPr lang="en-CA" sz="1200" b="1" dirty="0">
               <a:latin typeface="Courier" pitchFamily="2" charset="0"/>
               <a:cs typeface="Courier New" panose="02070309020205020404" pitchFamily="49" charset="0"/>
             </a:endParaRPr>
@@ -10377,10 +10705,10 @@
       </p:sp>
       <p:sp>
         <p:nvSpPr>
-          <p:cNvPr id="6" name="Title 1">
+          <p:cNvPr id="8" name="Slide Number Placeholder 1">
             <a:extLst>
               <a:ext uri="{FF2B5EF4-FFF2-40B4-BE49-F238E27FC236}">
-                <a16:creationId xmlns:a16="http://schemas.microsoft.com/office/drawing/2014/main" id="{DB06EA39-A9DB-46A1-A4BB-54CBE90776C1}"/>
+                <a16:creationId xmlns:a16="http://schemas.microsoft.com/office/drawing/2014/main" id="{891D73F7-27E6-B84F-8B7C-F7816F25B4A8}"/>
               </a:ext>
             </a:extLst>
           </p:cNvPr>
@@ -10388,184 +10716,37 @@
             <a:spLocks noGrp="1"/>
           </p:cNvSpPr>
           <p:nvPr>
-            <p:ph type="title"/>
+            <p:ph type="sldNum" sz="quarter" idx="12"/>
           </p:nvPr>
         </p:nvSpPr>
         <p:spPr>
           <a:xfrm>
-            <a:off x="421419" y="29902"/>
-            <a:ext cx="8229600" cy="857250"/>
+            <a:off x="6553200" y="4740062"/>
+            <a:ext cx="2133600" cy="357188"/>
           </a:xfrm>
         </p:spPr>
         <p:txBody>
           <a:bodyPr/>
           <a:lstStyle/>
           <a:p>
-            <a:r>
-              <a:rPr lang="en-US" sz="3600" dirty="0">
-                <a:solidFill>
-                  <a:srgbClr val="0070C0"/>
-                </a:solidFill>
-                <a:latin typeface="Calibri Light" panose="020F0302020204030204" pitchFamily="34" charset="0"/>
-                <a:cs typeface="Calibri Light" panose="020F0302020204030204" pitchFamily="34" charset="0"/>
-              </a:rPr>
-              <a:t>Block Number TLV for Loss Measurement</a:t>
-            </a:r>
-          </a:p>
-        </p:txBody>
-      </p:sp>
-      <p:sp>
-        <p:nvSpPr>
-          <p:cNvPr id="7" name="Rectangle 6">
-            <a:extLst>
-              <a:ext uri="{FF2B5EF4-FFF2-40B4-BE49-F238E27FC236}">
-                <a16:creationId xmlns:a16="http://schemas.microsoft.com/office/drawing/2014/main" id="{A6585BB8-1D69-7546-8C41-35193C3A9708}"/>
-              </a:ext>
-            </a:extLst>
-          </p:cNvPr>
-          <p:cNvSpPr/>
-          <p:nvPr/>
-        </p:nvSpPr>
-        <p:spPr>
-          <a:xfrm>
-            <a:off x="609600" y="2803062"/>
-            <a:ext cx="8229600" cy="1815882"/>
-          </a:xfrm>
-          <a:prstGeom prst="rect">
-            <a:avLst/>
-          </a:prstGeom>
-          <a:ln>
-            <a:noFill/>
-          </a:ln>
-        </p:spPr>
-        <p:txBody>
-          <a:bodyPr wrap="square">
-            <a:spAutoFit/>
-          </a:bodyPr>
-          <a:lstStyle/>
-          <a:p>
-            <a:pPr marL="285750" indent="-285750">
-              <a:buFont typeface="Arial" panose="020B0604020202020204" pitchFamily="34" charset="0"/>
-              <a:buChar char="•"/>
-            </a:pPr>
-            <a:r>
-              <a:rPr lang="en-US" sz="1600" dirty="0">
-                <a:solidFill>
-                  <a:schemeClr val="tx2"/>
-                </a:solidFill>
-                <a:latin typeface="Calibri" panose="020F0502020204030204" pitchFamily="34" charset="0"/>
-                <a:cs typeface="Calibri" panose="020F0502020204030204" pitchFamily="34" charset="0"/>
-              </a:rPr>
-              <a:t>Carry the Block Number (8-bit) of the traffic counters in the probe query and response messages for loss measurement</a:t>
-            </a:r>
-          </a:p>
-          <a:p>
-            <a:pPr marL="285750" indent="-285750">
-              <a:buFont typeface="Arial" panose="020B0604020202020204" pitchFamily="34" charset="0"/>
-              <a:buChar char="•"/>
-            </a:pPr>
-            <a:r>
-              <a:rPr lang="en-US" sz="1600" b="1" dirty="0">
-                <a:solidFill>
-                  <a:schemeClr val="tx2"/>
-                </a:solidFill>
-                <a:latin typeface="Calibri" panose="020F0502020204030204" pitchFamily="34" charset="0"/>
-                <a:cs typeface="Calibri" panose="020F0502020204030204" pitchFamily="34" charset="0"/>
-              </a:rPr>
-              <a:t>Correlate</a:t>
-            </a:r>
-            <a:r>
-              <a:rPr lang="en-US" sz="1600" dirty="0">
-                <a:solidFill>
-                  <a:schemeClr val="tx2"/>
-                </a:solidFill>
-                <a:latin typeface="Calibri" panose="020F0502020204030204" pitchFamily="34" charset="0"/>
-                <a:cs typeface="Calibri" panose="020F0502020204030204" pitchFamily="34" charset="0"/>
-              </a:rPr>
-              <a:t> PM data (e.g. counters) from both endpoints</a:t>
-            </a:r>
-          </a:p>
-          <a:p>
-            <a:pPr marL="285750" indent="-285750">
-              <a:buFont typeface="Arial" panose="020B0604020202020204" pitchFamily="34" charset="0"/>
-              <a:buChar char="•"/>
-            </a:pPr>
-            <a:r>
-              <a:rPr lang="en-US" sz="1600" b="1" dirty="0">
-                <a:solidFill>
-                  <a:schemeClr val="tx2"/>
-                </a:solidFill>
-                <a:latin typeface="Calibri" panose="020F0502020204030204" pitchFamily="34" charset="0"/>
-                <a:cs typeface="Calibri" panose="020F0502020204030204" pitchFamily="34" charset="0"/>
-              </a:rPr>
-              <a:t>Aggregate</a:t>
-            </a:r>
-            <a:r>
-              <a:rPr lang="en-US" sz="1600" dirty="0">
-                <a:solidFill>
-                  <a:schemeClr val="tx2"/>
-                </a:solidFill>
-                <a:latin typeface="Calibri" panose="020F0502020204030204" pitchFamily="34" charset="0"/>
-                <a:cs typeface="Calibri" panose="020F0502020204030204" pitchFamily="34" charset="0"/>
-              </a:rPr>
-              <a:t> PM data collected in data plane</a:t>
-            </a:r>
-          </a:p>
-          <a:p>
-            <a:pPr marL="285750" indent="-285750">
-              <a:buFont typeface="Arial" panose="020B0604020202020204" pitchFamily="34" charset="0"/>
-              <a:buChar char="•"/>
-            </a:pPr>
-            <a:r>
-              <a:rPr lang="en-US" sz="1600" b="1" dirty="0">
-                <a:solidFill>
-                  <a:schemeClr val="tx2"/>
-                </a:solidFill>
-                <a:latin typeface="Calibri" panose="020F0502020204030204" pitchFamily="34" charset="0"/>
-                <a:cs typeface="Calibri" panose="020F0502020204030204" pitchFamily="34" charset="0"/>
-              </a:rPr>
-              <a:t>TLV is mandatory when carried in a probe query message and if responder does not support, it MUST return </a:t>
-            </a:r>
-          </a:p>
-          <a:p>
-            <a:pPr marL="742950" lvl="1" indent="-285750">
-              <a:buFont typeface="Arial" panose="020B0604020202020204" pitchFamily="34" charset="0"/>
-              <a:buChar char="•"/>
-            </a:pPr>
-            <a:r>
-              <a:rPr lang="en-US" sz="1600" b="1" dirty="0">
-                <a:solidFill>
-                  <a:schemeClr val="tx2"/>
-                </a:solidFill>
-                <a:latin typeface="Calibri" panose="020F0502020204030204" pitchFamily="34" charset="0"/>
-                <a:cs typeface="Calibri" panose="020F0502020204030204" pitchFamily="34" charset="0"/>
-              </a:rPr>
-              <a:t>Error </a:t>
-            </a:r>
-            <a:r>
-              <a:rPr lang="en-CA" sz="1600" b="1" dirty="0">
-                <a:solidFill>
-                  <a:schemeClr val="tx2"/>
-                </a:solidFill>
-                <a:latin typeface="Calibri" panose="020F0502020204030204" pitchFamily="34" charset="0"/>
-                <a:cs typeface="Calibri" panose="020F0502020204030204" pitchFamily="34" charset="0"/>
-              </a:rPr>
-              <a:t>0x17: Unsupported Mandatory TLV Object</a:t>
-            </a:r>
-            <a:endParaRPr lang="en-US" sz="1600" b="1" dirty="0">
-              <a:solidFill>
-                <a:schemeClr val="tx2"/>
-              </a:solidFill>
-              <a:latin typeface="Calibri" panose="020F0502020204030204" pitchFamily="34" charset="0"/>
-              <a:cs typeface="Calibri" panose="020F0502020204030204" pitchFamily="34" charset="0"/>
-            </a:endParaRPr>
+            <a:pPr>
+              <a:defRPr/>
+            </a:pPr>
+            <a:fld id="{BD6E0F59-1DD8-40FC-9C92-B6295CBA6CCA}" type="slidenum">
+              <a:rPr lang="en-US" altLang="zh-CN" smtClean="0"/>
+              <a:pPr>
+                <a:defRPr/>
+              </a:pPr>
+              <a:t>8</a:t>
+            </a:fld>
+            <a:endParaRPr lang="en-US" altLang="zh-CN" dirty="0"/>
           </a:p>
         </p:txBody>
       </p:sp>
     </p:spTree>
     <p:extLst>
       <p:ext uri="{BB962C8B-B14F-4D97-AF65-F5344CB8AC3E}">
-        <p14:creationId xmlns:p14="http://schemas.microsoft.com/office/powerpoint/2010/main" val="1939622157"/>
+        <p14:creationId xmlns:p14="http://schemas.microsoft.com/office/powerpoint/2010/main" val="1258353492"/>
       </p:ext>
     </p:extLst>
   </p:cSld>
@@ -10594,13 +10775,7 @@
       </p:grpSpPr>
       <p:sp>
         <p:nvSpPr>
-          <p:cNvPr id="2" name="Title 1">
-            <a:extLst>
-              <a:ext uri="{FF2B5EF4-FFF2-40B4-BE49-F238E27FC236}">
-                <a16:creationId xmlns:a16="http://schemas.microsoft.com/office/drawing/2014/main" id="{C03D8875-E35B-1A40-A197-42EBEA9AE483}"/>
-              </a:ext>
-            </a:extLst>
-          </p:cNvPr>
+          <p:cNvPr id="2" name="Title 1"/>
           <p:cNvSpPr>
             <a:spLocks noGrp="1"/>
           </p:cNvSpPr>
@@ -10610,8 +10785,8 @@
         </p:nvSpPr>
         <p:spPr>
           <a:xfrm>
-            <a:off x="152400" y="34621"/>
-            <a:ext cx="8534400" cy="857250"/>
+            <a:off x="381000" y="3362"/>
+            <a:ext cx="8314765" cy="857250"/>
           </a:xfrm>
         </p:spPr>
         <p:txBody>
@@ -10626,18 +10801,123 @@
                 <a:latin typeface="Calibri Light" panose="020F0302020204030204" pitchFamily="34" charset="0"/>
                 <a:cs typeface="Calibri Light" panose="020F0302020204030204" pitchFamily="34" charset="0"/>
               </a:rPr>
-              <a:t>Destination Address TLV (Type 129) Handling</a:t>
-            </a:r>
-            <a:endParaRPr lang="en-US" sz="3600" dirty="0"/>
-          </a:p>
-        </p:txBody>
-      </p:sp>
-      <p:sp>
-        <p:nvSpPr>
-          <p:cNvPr id="3" name="Content Placeholder 2">
+              <a:t>SR Link Extended TE Metrics Advertisement</a:t>
+            </a:r>
+          </a:p>
+        </p:txBody>
+      </p:sp>
+      <p:sp>
+        <p:nvSpPr>
+          <p:cNvPr id="3" name="Content Placeholder 2"/>
+          <p:cNvSpPr>
+            <a:spLocks noGrp="1"/>
+          </p:cNvSpPr>
+          <p:nvPr>
+            <p:ph idx="1"/>
+          </p:nvPr>
+        </p:nvSpPr>
+        <p:spPr>
+          <a:xfrm>
+            <a:off x="488577" y="971550"/>
+            <a:ext cx="8229600" cy="3276600"/>
+          </a:xfrm>
+          <a:noFill/>
+          <a:ln w="9525">
+            <a:noFill/>
+            <a:miter lim="800000"/>
+            <a:headEnd/>
+            <a:tailEnd/>
+          </a:ln>
+          <a:effectLst/>
+        </p:spPr>
+        <p:txBody>
+          <a:bodyPr/>
+          <a:lstStyle/>
+          <a:p>
+            <a:r>
+              <a:rPr lang="en-US" sz="2000" dirty="0"/>
+              <a:t>Measure delay and loss performance of SR Links. </a:t>
+            </a:r>
+          </a:p>
+          <a:p>
+            <a:r>
+              <a:rPr lang="en-US" sz="2000" dirty="0"/>
+              <a:t>Compute SR Link Delay metrics (minimum-delay, maximum-delay, average-delay, delay-variance) and SR Link Packet Loss metric.</a:t>
+            </a:r>
+          </a:p>
+          <a:p>
+            <a:r>
+              <a:rPr lang="en-US" sz="2000" dirty="0"/>
+              <a:t>SR link extended TE metrics advertised in the network using the TLVs defined in the following RFCs/Drafts:</a:t>
+            </a:r>
+          </a:p>
+          <a:p>
+            <a:pPr lvl="1"/>
+            <a:r>
+              <a:rPr lang="en-US" sz="2000" dirty="0"/>
+              <a:t>OSPF      [RFC7471]</a:t>
+            </a:r>
+          </a:p>
+          <a:p>
+            <a:pPr lvl="1"/>
+            <a:r>
+              <a:rPr lang="en-US" sz="2000" dirty="0"/>
+              <a:t>ISIS         [RFC7810] [RFC8570]</a:t>
+            </a:r>
+          </a:p>
+          <a:p>
+            <a:pPr lvl="1"/>
+            <a:r>
+              <a:rPr lang="en-US" sz="2000" dirty="0"/>
+              <a:t>BGP-LS   [RFC8571]</a:t>
+            </a:r>
+          </a:p>
+        </p:txBody>
+      </p:sp>
+      <p:sp>
+        <p:nvSpPr>
+          <p:cNvPr id="4" name="Footer Placeholder 3"/>
+          <p:cNvSpPr>
+            <a:spLocks noGrp="1"/>
+          </p:cNvSpPr>
+          <p:nvPr>
+            <p:ph type="ftr" sz="quarter" idx="11"/>
+          </p:nvPr>
+        </p:nvSpPr>
+        <p:spPr>
+          <a:xfrm>
+            <a:off x="3124200" y="4786312"/>
+            <a:ext cx="2895600" cy="357188"/>
+          </a:xfrm>
+        </p:spPr>
+        <p:txBody>
+          <a:bodyPr/>
+          <a:lstStyle/>
+          <a:p>
+            <a:pPr>
+              <a:defRPr/>
+            </a:pPr>
+            <a:r>
+              <a:rPr lang="en-US" altLang="zh-CN" dirty="0"/>
+              <a:t>108</a:t>
+            </a:r>
+            <a:r>
+              <a:rPr lang="en-US" altLang="zh-CN" baseline="30000" dirty="0"/>
+              <a:t>th</a:t>
+            </a:r>
+            <a:r>
+              <a:rPr lang="en-US" altLang="zh-CN" dirty="0"/>
+              <a:t> IETF @ Madrid</a:t>
+            </a:r>
+          </a:p>
+        </p:txBody>
+      </p:sp>
+      <p:sp>
+        <p:nvSpPr>
+          <p:cNvPr id="5" name="Slide Number Placeholder 1">
             <a:extLst>
               <a:ext uri="{FF2B5EF4-FFF2-40B4-BE49-F238E27FC236}">
-                <a16:creationId xmlns:a16="http://schemas.microsoft.com/office/drawing/2014/main" id="{AAD5DA16-7688-E349-A626-DAB858F3A554}"/>
+                <a16:creationId xmlns:a16="http://schemas.microsoft.com/office/drawing/2014/main" id="{9C36BCA6-7742-6743-9EE4-ECAB917AB3B5}"/>
               </a:ext>
             </a:extLst>
           </p:cNvPr>
@@ -10645,135 +10925,15 @@
             <a:spLocks noGrp="1"/>
           </p:cNvSpPr>
           <p:nvPr>
-            <p:ph idx="1"/>
+            <p:ph type="sldNum" sz="quarter" idx="12"/>
           </p:nvPr>
         </p:nvSpPr>
         <p:spPr>
           <a:xfrm>
-            <a:off x="457200" y="1123950"/>
-            <a:ext cx="8229600" cy="2666999"/>
+            <a:off x="6553200" y="4740062"/>
+            <a:ext cx="2133600" cy="357188"/>
           </a:xfrm>
         </p:spPr>
-        <p:txBody>
-          <a:bodyPr/>
-          <a:lstStyle/>
-          <a:p>
-            <a:pPr>
-              <a:lnSpc>
-                <a:spcPts val="2460"/>
-              </a:lnSpc>
-              <a:spcBef>
-                <a:spcPts val="600"/>
-              </a:spcBef>
-            </a:pPr>
-            <a:r>
-              <a:rPr lang="en-US" sz="2000" dirty="0">
-                <a:latin typeface="Calibri" panose="020F0502020204030204" pitchFamily="34" charset="0"/>
-                <a:cs typeface="Calibri" panose="020F0502020204030204" pitchFamily="34" charset="0"/>
-              </a:rPr>
-              <a:t>To ensure that the probe query message is processed by the intended responder node, Destination Address TLV [RFC6374] can be sent in the probe query message.  </a:t>
-            </a:r>
-          </a:p>
-          <a:p>
-            <a:pPr>
-              <a:lnSpc>
-                <a:spcPts val="2460"/>
-              </a:lnSpc>
-              <a:spcBef>
-                <a:spcPts val="600"/>
-              </a:spcBef>
-            </a:pPr>
-            <a:r>
-              <a:rPr lang="en-US" sz="2000" dirty="0">
-                <a:latin typeface="Calibri" panose="020F0502020204030204" pitchFamily="34" charset="0"/>
-                <a:cs typeface="Calibri" panose="020F0502020204030204" pitchFamily="34" charset="0"/>
-              </a:rPr>
-              <a:t>The responder node only replies with Success in Control Code if it is the intended destination for the probe query.</a:t>
-            </a:r>
-          </a:p>
-          <a:p>
-            <a:pPr>
-              <a:lnSpc>
-                <a:spcPts val="2460"/>
-              </a:lnSpc>
-              <a:spcBef>
-                <a:spcPts val="600"/>
-              </a:spcBef>
-            </a:pPr>
-            <a:r>
-              <a:rPr lang="en-US" sz="2000" dirty="0">
-                <a:latin typeface="Calibri" panose="020F0502020204030204" pitchFamily="34" charset="0"/>
-                <a:cs typeface="Calibri" panose="020F0502020204030204" pitchFamily="34" charset="0"/>
-              </a:rPr>
-              <a:t>Otherwise, it MUST return 0x15: Error - Invalid Destination Node Identifier.</a:t>
-            </a:r>
-          </a:p>
-          <a:p>
-            <a:pPr>
-              <a:lnSpc>
-                <a:spcPts val="2460"/>
-              </a:lnSpc>
-              <a:spcBef>
-                <a:spcPts val="600"/>
-              </a:spcBef>
-            </a:pPr>
-            <a:endParaRPr lang="en-US" sz="2000" dirty="0">
-              <a:latin typeface="Calibri" panose="020F0502020204030204" pitchFamily="34" charset="0"/>
-              <a:cs typeface="Calibri" panose="020F0502020204030204" pitchFamily="34" charset="0"/>
-            </a:endParaRPr>
-          </a:p>
-        </p:txBody>
-      </p:sp>
-      <p:sp>
-        <p:nvSpPr>
-          <p:cNvPr id="4" name="Footer Placeholder 3">
-            <a:extLst>
-              <a:ext uri="{FF2B5EF4-FFF2-40B4-BE49-F238E27FC236}">
-                <a16:creationId xmlns:a16="http://schemas.microsoft.com/office/drawing/2014/main" id="{2E78017C-D609-6248-A3A7-96803D52C893}"/>
-              </a:ext>
-            </a:extLst>
-          </p:cNvPr>
-          <p:cNvSpPr>
-            <a:spLocks noGrp="1"/>
-          </p:cNvSpPr>
-          <p:nvPr>
-            <p:ph type="ftr" sz="quarter" idx="11"/>
-          </p:nvPr>
-        </p:nvSpPr>
-        <p:spPr>
-          <a:xfrm>
-            <a:off x="3124200" y="4772170"/>
-            <a:ext cx="2895600" cy="357188"/>
-          </a:xfrm>
-        </p:spPr>
-        <p:txBody>
-          <a:bodyPr/>
-          <a:lstStyle/>
-          <a:p>
-            <a:r>
-              <a:rPr lang="en-CA" dirty="0"/>
-              <a:t>IETF MPLS WG Interim – April 2020 </a:t>
-            </a:r>
-          </a:p>
-        </p:txBody>
-      </p:sp>
-      <p:sp>
-        <p:nvSpPr>
-          <p:cNvPr id="5" name="Slide Number Placeholder 4">
-            <a:extLst>
-              <a:ext uri="{FF2B5EF4-FFF2-40B4-BE49-F238E27FC236}">
-                <a16:creationId xmlns:a16="http://schemas.microsoft.com/office/drawing/2014/main" id="{28761364-BCAD-394F-B301-A41AE19B26D3}"/>
-              </a:ext>
-            </a:extLst>
-          </p:cNvPr>
-          <p:cNvSpPr>
-            <a:spLocks noGrp="1"/>
-          </p:cNvSpPr>
-          <p:nvPr>
-            <p:ph type="sldNum" sz="quarter" idx="12"/>
-          </p:nvPr>
-        </p:nvSpPr>
-        <p:spPr/>
         <p:txBody>
           <a:bodyPr/>
           <a:lstStyle/>
@@ -10788,14 +10948,14 @@
               </a:pPr>
               <a:t>9</a:t>
             </a:fld>
-            <a:endParaRPr lang="en-US" altLang="zh-CN"/>
+            <a:endParaRPr lang="en-US" altLang="zh-CN" dirty="0"/>
           </a:p>
         </p:txBody>
       </p:sp>
     </p:spTree>
     <p:extLst>
       <p:ext uri="{BB962C8B-B14F-4D97-AF65-F5344CB8AC3E}">
-        <p14:creationId xmlns:p14="http://schemas.microsoft.com/office/powerpoint/2010/main" val="2425610550"/>
+        <p14:creationId xmlns:p14="http://schemas.microsoft.com/office/powerpoint/2010/main" val="1727117888"/>
       </p:ext>
     </p:extLst>
   </p:cSld>
